--- a/Documentos/Apresentação Power Point/Apresentação do TD - Alexandre Peluchi.pptx
+++ b/Documentos/Apresentação Power Point/Apresentação do TD - Alexandre Peluchi.pptx
@@ -4,6 +4,12 @@
   <p:sldMasterIdLst>
     <p:sldMasterId id="2147484068" r:id="rId1"/>
   </p:sldMasterIdLst>
+  <p:notesMasterIdLst>
+    <p:notesMasterId r:id="rId24"/>
+  </p:notesMasterIdLst>
+  <p:handoutMasterIdLst>
+    <p:handoutMasterId r:id="rId25"/>
+  </p:handoutMasterIdLst>
   <p:sldIdLst>
     <p:sldId id="256" r:id="rId2"/>
     <p:sldId id="257" r:id="rId3"/>
@@ -14,15 +20,19 @@
     <p:sldId id="261" r:id="rId8"/>
     <p:sldId id="271" r:id="rId9"/>
     <p:sldId id="273" r:id="rId10"/>
-    <p:sldId id="277" r:id="rId11"/>
+    <p:sldId id="278" r:id="rId11"/>
     <p:sldId id="265" r:id="rId12"/>
     <p:sldId id="268" r:id="rId13"/>
     <p:sldId id="267" r:id="rId14"/>
     <p:sldId id="269" r:id="rId15"/>
     <p:sldId id="270" r:id="rId16"/>
-    <p:sldId id="274" r:id="rId17"/>
-    <p:sldId id="276" r:id="rId18"/>
-    <p:sldId id="275" r:id="rId19"/>
+    <p:sldId id="281" r:id="rId17"/>
+    <p:sldId id="279" r:id="rId18"/>
+    <p:sldId id="280" r:id="rId19"/>
+    <p:sldId id="283" r:id="rId20"/>
+    <p:sldId id="274" r:id="rId21"/>
+    <p:sldId id="276" r:id="rId22"/>
+    <p:sldId id="275" r:id="rId23"/>
   </p:sldIdLst>
   <p:sldSz cx="12192000" cy="6858000"/>
   <p:notesSz cx="6858000" cy="9144000"/>
@@ -135,12 +145,16 @@
             <p14:sldId id="261"/>
             <p14:sldId id="271"/>
             <p14:sldId id="273"/>
-            <p14:sldId id="277"/>
+            <p14:sldId id="278"/>
             <p14:sldId id="265"/>
             <p14:sldId id="268"/>
             <p14:sldId id="267"/>
             <p14:sldId id="269"/>
             <p14:sldId id="270"/>
+            <p14:sldId id="281"/>
+            <p14:sldId id="279"/>
+            <p14:sldId id="280"/>
+            <p14:sldId id="283"/>
             <p14:sldId id="274"/>
             <p14:sldId id="276"/>
             <p14:sldId id="275"/>
@@ -153,6 +167,547 @@
     </p:ext>
   </p:extLst>
 </p:presentation>
+</file>
+
+<file path=ppt/handoutMasters/handoutMaster1.xml><?xml version="1.0" encoding="utf-8"?>
+<p:handoutMaster xmlns:a="http://schemas.openxmlformats.org/drawingml/2006/main" xmlns:r="http://schemas.openxmlformats.org/officeDocument/2006/relationships" xmlns:p="http://schemas.openxmlformats.org/presentationml/2006/main">
+  <p:cSld>
+    <p:bg>
+      <p:bgRef idx="1001">
+        <a:schemeClr val="bg1"/>
+      </p:bgRef>
+    </p:bg>
+    <p:spTree>
+      <p:nvGrpSpPr>
+        <p:cNvPr id="1" name=""/>
+        <p:cNvGrpSpPr/>
+        <p:nvPr/>
+      </p:nvGrpSpPr>
+      <p:grpSpPr>
+        <a:xfrm>
+          <a:off x="0" y="0"/>
+          <a:ext cx="0" cy="0"/>
+          <a:chOff x="0" y="0"/>
+          <a:chExt cx="0" cy="0"/>
+        </a:xfrm>
+      </p:grpSpPr>
+      <p:sp>
+        <p:nvSpPr>
+          <p:cNvPr id="2" name="Header Placeholder 1">
+            <a:extLst>
+              <a:ext uri="{FF2B5EF4-FFF2-40B4-BE49-F238E27FC236}">
+                <a16:creationId xmlns:a16="http://schemas.microsoft.com/office/drawing/2014/main" id="{66278A56-8577-4F7D-B0E1-1C79AFAF87C8}"/>
+              </a:ext>
+            </a:extLst>
+          </p:cNvPr>
+          <p:cNvSpPr>
+            <a:spLocks noGrp="1"/>
+          </p:cNvSpPr>
+          <p:nvPr>
+            <p:ph type="hdr" sz="quarter"/>
+          </p:nvPr>
+        </p:nvSpPr>
+        <p:spPr>
+          <a:xfrm>
+            <a:off x="0" y="0"/>
+            <a:ext cx="2971800" cy="458788"/>
+          </a:xfrm>
+          <a:prstGeom prst="rect">
+            <a:avLst/>
+          </a:prstGeom>
+        </p:spPr>
+        <p:txBody>
+          <a:bodyPr vert="horz" lIns="91440" tIns="45720" rIns="91440" bIns="45720" rtlCol="0"/>
+          <a:lstStyle>
+            <a:lvl1pPr algn="l">
+              <a:defRPr sz="1200"/>
+            </a:lvl1pPr>
+          </a:lstStyle>
+          <a:p>
+            <a:endParaRPr lang="pt-BR"/>
+          </a:p>
+        </p:txBody>
+      </p:sp>
+      <p:sp>
+        <p:nvSpPr>
+          <p:cNvPr id="3" name="Date Placeholder 2">
+            <a:extLst>
+              <a:ext uri="{FF2B5EF4-FFF2-40B4-BE49-F238E27FC236}">
+                <a16:creationId xmlns:a16="http://schemas.microsoft.com/office/drawing/2014/main" id="{3ED5D643-71CD-414D-9315-527819C6C2BE}"/>
+              </a:ext>
+            </a:extLst>
+          </p:cNvPr>
+          <p:cNvSpPr>
+            <a:spLocks noGrp="1"/>
+          </p:cNvSpPr>
+          <p:nvPr>
+            <p:ph type="dt" sz="quarter" idx="1"/>
+          </p:nvPr>
+        </p:nvSpPr>
+        <p:spPr>
+          <a:xfrm>
+            <a:off x="3884613" y="0"/>
+            <a:ext cx="2971800" cy="458788"/>
+          </a:xfrm>
+          <a:prstGeom prst="rect">
+            <a:avLst/>
+          </a:prstGeom>
+        </p:spPr>
+        <p:txBody>
+          <a:bodyPr vert="horz" lIns="91440" tIns="45720" rIns="91440" bIns="45720" rtlCol="0"/>
+          <a:lstStyle>
+            <a:lvl1pPr algn="r">
+              <a:defRPr sz="1200"/>
+            </a:lvl1pPr>
+          </a:lstStyle>
+          <a:p>
+            <a:fld id="{0C90C476-07F4-4EB8-B7BF-8F4B7B19E55E}" type="datetimeFigureOut">
+              <a:rPr lang="pt-BR" smtClean="0"/>
+              <a:t>25/11/2020</a:t>
+            </a:fld>
+            <a:endParaRPr lang="pt-BR"/>
+          </a:p>
+        </p:txBody>
+      </p:sp>
+      <p:sp>
+        <p:nvSpPr>
+          <p:cNvPr id="4" name="Footer Placeholder 3">
+            <a:extLst>
+              <a:ext uri="{FF2B5EF4-FFF2-40B4-BE49-F238E27FC236}">
+                <a16:creationId xmlns:a16="http://schemas.microsoft.com/office/drawing/2014/main" id="{7EF475FE-1ED0-4E23-B838-D6E9BA8597FF}"/>
+              </a:ext>
+            </a:extLst>
+          </p:cNvPr>
+          <p:cNvSpPr>
+            <a:spLocks noGrp="1"/>
+          </p:cNvSpPr>
+          <p:nvPr>
+            <p:ph type="ftr" sz="quarter" idx="2"/>
+          </p:nvPr>
+        </p:nvSpPr>
+        <p:spPr>
+          <a:xfrm>
+            <a:off x="0" y="8685213"/>
+            <a:ext cx="2971800" cy="458787"/>
+          </a:xfrm>
+          <a:prstGeom prst="rect">
+            <a:avLst/>
+          </a:prstGeom>
+        </p:spPr>
+        <p:txBody>
+          <a:bodyPr vert="horz" lIns="91440" tIns="45720" rIns="91440" bIns="45720" rtlCol="0" anchor="b"/>
+          <a:lstStyle>
+            <a:lvl1pPr algn="l">
+              <a:defRPr sz="1200"/>
+            </a:lvl1pPr>
+          </a:lstStyle>
+          <a:p>
+            <a:endParaRPr lang="pt-BR"/>
+          </a:p>
+        </p:txBody>
+      </p:sp>
+      <p:sp>
+        <p:nvSpPr>
+          <p:cNvPr id="5" name="Slide Number Placeholder 4">
+            <a:extLst>
+              <a:ext uri="{FF2B5EF4-FFF2-40B4-BE49-F238E27FC236}">
+                <a16:creationId xmlns:a16="http://schemas.microsoft.com/office/drawing/2014/main" id="{1A697C2E-7CB9-4448-B1A6-5E9E4162410A}"/>
+              </a:ext>
+            </a:extLst>
+          </p:cNvPr>
+          <p:cNvSpPr>
+            <a:spLocks noGrp="1"/>
+          </p:cNvSpPr>
+          <p:nvPr>
+            <p:ph type="sldNum" sz="quarter" idx="3"/>
+          </p:nvPr>
+        </p:nvSpPr>
+        <p:spPr>
+          <a:xfrm>
+            <a:off x="3884613" y="8685213"/>
+            <a:ext cx="2971800" cy="458787"/>
+          </a:xfrm>
+          <a:prstGeom prst="rect">
+            <a:avLst/>
+          </a:prstGeom>
+        </p:spPr>
+        <p:txBody>
+          <a:bodyPr vert="horz" lIns="91440" tIns="45720" rIns="91440" bIns="45720" rtlCol="0" anchor="b"/>
+          <a:lstStyle>
+            <a:lvl1pPr algn="r">
+              <a:defRPr sz="1200"/>
+            </a:lvl1pPr>
+          </a:lstStyle>
+          <a:p>
+            <a:fld id="{B3CE0DD9-E375-4767-90EC-C605FADEB843}" type="slidenum">
+              <a:rPr lang="pt-BR" smtClean="0"/>
+              <a:t>‹#›</a:t>
+            </a:fld>
+            <a:endParaRPr lang="pt-BR"/>
+          </a:p>
+        </p:txBody>
+      </p:sp>
+    </p:spTree>
+    <p:extLst>
+      <p:ext uri="{BB962C8B-B14F-4D97-AF65-F5344CB8AC3E}">
+        <p14:creationId xmlns:p14="http://schemas.microsoft.com/office/powerpoint/2010/main" val="4260657227"/>
+      </p:ext>
+    </p:extLst>
+  </p:cSld>
+  <p:clrMap bg1="lt1" tx1="dk1" bg2="lt2" tx2="dk2" accent1="accent1" accent2="accent2" accent3="accent3" accent4="accent4" accent5="accent5" accent6="accent6" hlink="hlink" folHlink="folHlink"/>
+  <p:hf hdr="0" ftr="0" dt="0"/>
+</p:handoutMaster>
+</file>
+
+<file path=ppt/notesMasters/notesMaster1.xml><?xml version="1.0" encoding="utf-8"?>
+<p:notesMaster xmlns:a="http://schemas.openxmlformats.org/drawingml/2006/main" xmlns:r="http://schemas.openxmlformats.org/officeDocument/2006/relationships" xmlns:p="http://schemas.openxmlformats.org/presentationml/2006/main">
+  <p:cSld>
+    <p:bg>
+      <p:bgRef idx="1001">
+        <a:schemeClr val="bg1"/>
+      </p:bgRef>
+    </p:bg>
+    <p:spTree>
+      <p:nvGrpSpPr>
+        <p:cNvPr id="1" name=""/>
+        <p:cNvGrpSpPr/>
+        <p:nvPr/>
+      </p:nvGrpSpPr>
+      <p:grpSpPr>
+        <a:xfrm>
+          <a:off x="0" y="0"/>
+          <a:ext cx="0" cy="0"/>
+          <a:chOff x="0" y="0"/>
+          <a:chExt cx="0" cy="0"/>
+        </a:xfrm>
+      </p:grpSpPr>
+      <p:sp>
+        <p:nvSpPr>
+          <p:cNvPr id="2" name="Header Placeholder 1"/>
+          <p:cNvSpPr>
+            <a:spLocks noGrp="1"/>
+          </p:cNvSpPr>
+          <p:nvPr>
+            <p:ph type="hdr" sz="quarter"/>
+          </p:nvPr>
+        </p:nvSpPr>
+        <p:spPr>
+          <a:xfrm>
+            <a:off x="0" y="0"/>
+            <a:ext cx="2971800" cy="458788"/>
+          </a:xfrm>
+          <a:prstGeom prst="rect">
+            <a:avLst/>
+          </a:prstGeom>
+        </p:spPr>
+        <p:txBody>
+          <a:bodyPr vert="horz" lIns="91440" tIns="45720" rIns="91440" bIns="45720" rtlCol="0"/>
+          <a:lstStyle>
+            <a:lvl1pPr algn="l">
+              <a:defRPr sz="1200"/>
+            </a:lvl1pPr>
+          </a:lstStyle>
+          <a:p>
+            <a:endParaRPr lang="pt-BR"/>
+          </a:p>
+        </p:txBody>
+      </p:sp>
+      <p:sp>
+        <p:nvSpPr>
+          <p:cNvPr id="3" name="Date Placeholder 2"/>
+          <p:cNvSpPr>
+            <a:spLocks noGrp="1"/>
+          </p:cNvSpPr>
+          <p:nvPr>
+            <p:ph type="dt" idx="1"/>
+          </p:nvPr>
+        </p:nvSpPr>
+        <p:spPr>
+          <a:xfrm>
+            <a:off x="3884613" y="0"/>
+            <a:ext cx="2971800" cy="458788"/>
+          </a:xfrm>
+          <a:prstGeom prst="rect">
+            <a:avLst/>
+          </a:prstGeom>
+        </p:spPr>
+        <p:txBody>
+          <a:bodyPr vert="horz" lIns="91440" tIns="45720" rIns="91440" bIns="45720" rtlCol="0"/>
+          <a:lstStyle>
+            <a:lvl1pPr algn="r">
+              <a:defRPr sz="1200"/>
+            </a:lvl1pPr>
+          </a:lstStyle>
+          <a:p>
+            <a:fld id="{F759F9D4-E510-40EC-9264-0737BB2E19CD}" type="datetimeFigureOut">
+              <a:rPr lang="pt-BR" smtClean="0"/>
+              <a:t>25/11/2020</a:t>
+            </a:fld>
+            <a:endParaRPr lang="pt-BR"/>
+          </a:p>
+        </p:txBody>
+      </p:sp>
+      <p:sp>
+        <p:nvSpPr>
+          <p:cNvPr id="4" name="Slide Image Placeholder 3"/>
+          <p:cNvSpPr>
+            <a:spLocks noGrp="1" noRot="1" noChangeAspect="1"/>
+          </p:cNvSpPr>
+          <p:nvPr>
+            <p:ph type="sldImg" idx="2"/>
+          </p:nvPr>
+        </p:nvSpPr>
+        <p:spPr>
+          <a:xfrm>
+            <a:off x="685800" y="1143000"/>
+            <a:ext cx="5486400" cy="3086100"/>
+          </a:xfrm>
+          <a:prstGeom prst="rect">
+            <a:avLst/>
+          </a:prstGeom>
+          <a:noFill/>
+          <a:ln w="12700">
+            <a:solidFill>
+              <a:prstClr val="black"/>
+            </a:solidFill>
+          </a:ln>
+        </p:spPr>
+        <p:txBody>
+          <a:bodyPr vert="horz" lIns="91440" tIns="45720" rIns="91440" bIns="45720" rtlCol="0" anchor="ctr"/>
+          <a:lstStyle/>
+          <a:p>
+            <a:endParaRPr lang="pt-BR"/>
+          </a:p>
+        </p:txBody>
+      </p:sp>
+      <p:sp>
+        <p:nvSpPr>
+          <p:cNvPr id="5" name="Notes Placeholder 4"/>
+          <p:cNvSpPr>
+            <a:spLocks noGrp="1"/>
+          </p:cNvSpPr>
+          <p:nvPr>
+            <p:ph type="body" sz="quarter" idx="3"/>
+          </p:nvPr>
+        </p:nvSpPr>
+        <p:spPr>
+          <a:xfrm>
+            <a:off x="685800" y="4400550"/>
+            <a:ext cx="5486400" cy="3600450"/>
+          </a:xfrm>
+          <a:prstGeom prst="rect">
+            <a:avLst/>
+          </a:prstGeom>
+        </p:spPr>
+        <p:txBody>
+          <a:bodyPr vert="horz" lIns="91440" tIns="45720" rIns="91440" bIns="45720" rtlCol="0"/>
+          <a:lstStyle/>
+          <a:p>
+            <a:pPr lvl="0"/>
+            <a:r>
+              <a:rPr lang="en-US"/>
+              <a:t>Click to edit Master text styles</a:t>
+            </a:r>
+          </a:p>
+          <a:p>
+            <a:pPr lvl="1"/>
+            <a:r>
+              <a:rPr lang="en-US"/>
+              <a:t>Second level</a:t>
+            </a:r>
+          </a:p>
+          <a:p>
+            <a:pPr lvl="2"/>
+            <a:r>
+              <a:rPr lang="en-US"/>
+              <a:t>Third level</a:t>
+            </a:r>
+          </a:p>
+          <a:p>
+            <a:pPr lvl="3"/>
+            <a:r>
+              <a:rPr lang="en-US"/>
+              <a:t>Fourth level</a:t>
+            </a:r>
+          </a:p>
+          <a:p>
+            <a:pPr lvl="4"/>
+            <a:r>
+              <a:rPr lang="en-US"/>
+              <a:t>Fifth level</a:t>
+            </a:r>
+            <a:endParaRPr lang="pt-BR"/>
+          </a:p>
+        </p:txBody>
+      </p:sp>
+      <p:sp>
+        <p:nvSpPr>
+          <p:cNvPr id="6" name="Footer Placeholder 5"/>
+          <p:cNvSpPr>
+            <a:spLocks noGrp="1"/>
+          </p:cNvSpPr>
+          <p:nvPr>
+            <p:ph type="ftr" sz="quarter" idx="4"/>
+          </p:nvPr>
+        </p:nvSpPr>
+        <p:spPr>
+          <a:xfrm>
+            <a:off x="0" y="8685213"/>
+            <a:ext cx="2971800" cy="458787"/>
+          </a:xfrm>
+          <a:prstGeom prst="rect">
+            <a:avLst/>
+          </a:prstGeom>
+        </p:spPr>
+        <p:txBody>
+          <a:bodyPr vert="horz" lIns="91440" tIns="45720" rIns="91440" bIns="45720" rtlCol="0" anchor="b"/>
+          <a:lstStyle>
+            <a:lvl1pPr algn="l">
+              <a:defRPr sz="1200"/>
+            </a:lvl1pPr>
+          </a:lstStyle>
+          <a:p>
+            <a:endParaRPr lang="pt-BR"/>
+          </a:p>
+        </p:txBody>
+      </p:sp>
+      <p:sp>
+        <p:nvSpPr>
+          <p:cNvPr id="7" name="Slide Number Placeholder 6"/>
+          <p:cNvSpPr>
+            <a:spLocks noGrp="1"/>
+          </p:cNvSpPr>
+          <p:nvPr>
+            <p:ph type="sldNum" sz="quarter" idx="5"/>
+          </p:nvPr>
+        </p:nvSpPr>
+        <p:spPr>
+          <a:xfrm>
+            <a:off x="3884613" y="8685213"/>
+            <a:ext cx="2971800" cy="458787"/>
+          </a:xfrm>
+          <a:prstGeom prst="rect">
+            <a:avLst/>
+          </a:prstGeom>
+        </p:spPr>
+        <p:txBody>
+          <a:bodyPr vert="horz" lIns="91440" tIns="45720" rIns="91440" bIns="45720" rtlCol="0" anchor="b"/>
+          <a:lstStyle>
+            <a:lvl1pPr algn="r">
+              <a:defRPr sz="1200"/>
+            </a:lvl1pPr>
+          </a:lstStyle>
+          <a:p>
+            <a:fld id="{205CC8A7-86DF-4424-9C98-E4319BF886C4}" type="slidenum">
+              <a:rPr lang="pt-BR" smtClean="0"/>
+              <a:t>‹#›</a:t>
+            </a:fld>
+            <a:endParaRPr lang="pt-BR"/>
+          </a:p>
+        </p:txBody>
+      </p:sp>
+    </p:spTree>
+    <p:extLst>
+      <p:ext uri="{BB962C8B-B14F-4D97-AF65-F5344CB8AC3E}">
+        <p14:creationId xmlns:p14="http://schemas.microsoft.com/office/powerpoint/2010/main" val="1598840037"/>
+      </p:ext>
+    </p:extLst>
+  </p:cSld>
+  <p:clrMap bg1="lt1" tx1="dk1" bg2="lt2" tx2="dk2" accent1="accent1" accent2="accent2" accent3="accent3" accent4="accent4" accent5="accent5" accent6="accent6" hlink="hlink" folHlink="folHlink"/>
+  <p:hf hdr="0" ftr="0" dt="0"/>
+  <p:notesStyle>
+    <a:lvl1pPr marL="0" algn="l" defTabSz="914400" rtl="0" eaLnBrk="1" latinLnBrk="0" hangingPunct="1">
+      <a:defRPr sz="1200" kern="1200">
+        <a:solidFill>
+          <a:schemeClr val="tx1"/>
+        </a:solidFill>
+        <a:latin typeface="+mn-lt"/>
+        <a:ea typeface="+mn-ea"/>
+        <a:cs typeface="+mn-cs"/>
+      </a:defRPr>
+    </a:lvl1pPr>
+    <a:lvl2pPr marL="457200" algn="l" defTabSz="914400" rtl="0" eaLnBrk="1" latinLnBrk="0" hangingPunct="1">
+      <a:defRPr sz="1200" kern="1200">
+        <a:solidFill>
+          <a:schemeClr val="tx1"/>
+        </a:solidFill>
+        <a:latin typeface="+mn-lt"/>
+        <a:ea typeface="+mn-ea"/>
+        <a:cs typeface="+mn-cs"/>
+      </a:defRPr>
+    </a:lvl2pPr>
+    <a:lvl3pPr marL="914400" algn="l" defTabSz="914400" rtl="0" eaLnBrk="1" latinLnBrk="0" hangingPunct="1">
+      <a:defRPr sz="1200" kern="1200">
+        <a:solidFill>
+          <a:schemeClr val="tx1"/>
+        </a:solidFill>
+        <a:latin typeface="+mn-lt"/>
+        <a:ea typeface="+mn-ea"/>
+        <a:cs typeface="+mn-cs"/>
+      </a:defRPr>
+    </a:lvl3pPr>
+    <a:lvl4pPr marL="1371600" algn="l" defTabSz="914400" rtl="0" eaLnBrk="1" latinLnBrk="0" hangingPunct="1">
+      <a:defRPr sz="1200" kern="1200">
+        <a:solidFill>
+          <a:schemeClr val="tx1"/>
+        </a:solidFill>
+        <a:latin typeface="+mn-lt"/>
+        <a:ea typeface="+mn-ea"/>
+        <a:cs typeface="+mn-cs"/>
+      </a:defRPr>
+    </a:lvl4pPr>
+    <a:lvl5pPr marL="1828800" algn="l" defTabSz="914400" rtl="0" eaLnBrk="1" latinLnBrk="0" hangingPunct="1">
+      <a:defRPr sz="1200" kern="1200">
+        <a:solidFill>
+          <a:schemeClr val="tx1"/>
+        </a:solidFill>
+        <a:latin typeface="+mn-lt"/>
+        <a:ea typeface="+mn-ea"/>
+        <a:cs typeface="+mn-cs"/>
+      </a:defRPr>
+    </a:lvl5pPr>
+    <a:lvl6pPr marL="2286000" algn="l" defTabSz="914400" rtl="0" eaLnBrk="1" latinLnBrk="0" hangingPunct="1">
+      <a:defRPr sz="1200" kern="1200">
+        <a:solidFill>
+          <a:schemeClr val="tx1"/>
+        </a:solidFill>
+        <a:latin typeface="+mn-lt"/>
+        <a:ea typeface="+mn-ea"/>
+        <a:cs typeface="+mn-cs"/>
+      </a:defRPr>
+    </a:lvl6pPr>
+    <a:lvl7pPr marL="2743200" algn="l" defTabSz="914400" rtl="0" eaLnBrk="1" latinLnBrk="0" hangingPunct="1">
+      <a:defRPr sz="1200" kern="1200">
+        <a:solidFill>
+          <a:schemeClr val="tx1"/>
+        </a:solidFill>
+        <a:latin typeface="+mn-lt"/>
+        <a:ea typeface="+mn-ea"/>
+        <a:cs typeface="+mn-cs"/>
+      </a:defRPr>
+    </a:lvl7pPr>
+    <a:lvl8pPr marL="3200400" algn="l" defTabSz="914400" rtl="0" eaLnBrk="1" latinLnBrk="0" hangingPunct="1">
+      <a:defRPr sz="1200" kern="1200">
+        <a:solidFill>
+          <a:schemeClr val="tx1"/>
+        </a:solidFill>
+        <a:latin typeface="+mn-lt"/>
+        <a:ea typeface="+mn-ea"/>
+        <a:cs typeface="+mn-cs"/>
+      </a:defRPr>
+    </a:lvl8pPr>
+    <a:lvl9pPr marL="3657600" algn="l" defTabSz="914400" rtl="0" eaLnBrk="1" latinLnBrk="0" hangingPunct="1">
+      <a:defRPr sz="1200" kern="1200">
+        <a:solidFill>
+          <a:schemeClr val="tx1"/>
+        </a:solidFill>
+        <a:latin typeface="+mn-lt"/>
+        <a:ea typeface="+mn-ea"/>
+        <a:cs typeface="+mn-cs"/>
+      </a:defRPr>
+    </a:lvl9pPr>
+  </p:notesStyle>
+</p:notesMaster>
 </file>
 
 <file path=ppt/slideLayouts/slideLayout1.xml><?xml version="1.0" encoding="utf-8"?>
@@ -302,9 +857,9 @@
           <a:bodyPr/>
           <a:lstStyle/>
           <a:p>
-            <a:fld id="{E954A2E6-059C-4279-9F52-F569F0233A77}" type="datetimeFigureOut">
+            <a:fld id="{FF750B0A-4BCE-4BBC-B85B-78160D4BAF5F}" type="datetime1">
               <a:rPr lang="pt-BR" smtClean="0"/>
-              <a:t>24/11/2020</a:t>
+              <a:t>25/11/2020</a:t>
             </a:fld>
             <a:endParaRPr lang="pt-BR"/>
           </a:p>
@@ -331,7 +886,10 @@
           <a:bodyPr/>
           <a:lstStyle/>
           <a:p>
-            <a:endParaRPr lang="pt-BR"/>
+            <a:r>
+              <a:rPr lang="pt-BR"/>
+              <a:t>1</a:t>
+            </a:r>
           </a:p>
         </p:txBody>
       </p:sp>
@@ -502,9 +1060,9 @@
           <a:bodyPr/>
           <a:lstStyle/>
           <a:p>
-            <a:fld id="{E954A2E6-059C-4279-9F52-F569F0233A77}" type="datetimeFigureOut">
+            <a:fld id="{62F2CAEB-4A29-4D4F-BB5B-365BDFDE8D39}" type="datetime1">
               <a:rPr lang="pt-BR" smtClean="0"/>
-              <a:t>24/11/2020</a:t>
+              <a:t>25/11/2020</a:t>
             </a:fld>
             <a:endParaRPr lang="pt-BR"/>
           </a:p>
@@ -531,7 +1089,10 @@
           <a:bodyPr/>
           <a:lstStyle/>
           <a:p>
-            <a:endParaRPr lang="pt-BR"/>
+            <a:r>
+              <a:rPr lang="pt-BR"/>
+              <a:t>1</a:t>
+            </a:r>
           </a:p>
         </p:txBody>
       </p:sp>
@@ -712,9 +1273,9 @@
           <a:bodyPr/>
           <a:lstStyle/>
           <a:p>
-            <a:fld id="{E954A2E6-059C-4279-9F52-F569F0233A77}" type="datetimeFigureOut">
+            <a:fld id="{542DE172-E999-4FBF-B71C-62321ACF9D9E}" type="datetime1">
               <a:rPr lang="pt-BR" smtClean="0"/>
-              <a:t>24/11/2020</a:t>
+              <a:t>25/11/2020</a:t>
             </a:fld>
             <a:endParaRPr lang="pt-BR"/>
           </a:p>
@@ -741,7 +1302,10 @@
           <a:bodyPr/>
           <a:lstStyle/>
           <a:p>
-            <a:endParaRPr lang="pt-BR"/>
+            <a:r>
+              <a:rPr lang="pt-BR"/>
+              <a:t>1</a:t>
+            </a:r>
           </a:p>
         </p:txBody>
       </p:sp>
@@ -912,9 +1476,9 @@
           <a:bodyPr/>
           <a:lstStyle/>
           <a:p>
-            <a:fld id="{E954A2E6-059C-4279-9F52-F569F0233A77}" type="datetimeFigureOut">
+            <a:fld id="{282F7E04-0CCE-49A8-9123-A96ED300039D}" type="datetime1">
               <a:rPr lang="pt-BR" smtClean="0"/>
-              <a:t>24/11/2020</a:t>
+              <a:t>25/11/2020</a:t>
             </a:fld>
             <a:endParaRPr lang="pt-BR"/>
           </a:p>
@@ -941,7 +1505,10 @@
           <a:bodyPr/>
           <a:lstStyle/>
           <a:p>
-            <a:endParaRPr lang="pt-BR"/>
+            <a:r>
+              <a:rPr lang="pt-BR"/>
+              <a:t>1</a:t>
+            </a:r>
           </a:p>
         </p:txBody>
       </p:sp>
@@ -1188,9 +1755,9 @@
           <a:bodyPr/>
           <a:lstStyle/>
           <a:p>
-            <a:fld id="{E954A2E6-059C-4279-9F52-F569F0233A77}" type="datetimeFigureOut">
+            <a:fld id="{4EF7B9B1-5276-4CD7-B872-9D441B11560F}" type="datetime1">
               <a:rPr lang="pt-BR" smtClean="0"/>
-              <a:t>24/11/2020</a:t>
+              <a:t>25/11/2020</a:t>
             </a:fld>
             <a:endParaRPr lang="pt-BR"/>
           </a:p>
@@ -1217,7 +1784,10 @@
           <a:bodyPr/>
           <a:lstStyle/>
           <a:p>
-            <a:endParaRPr lang="pt-BR"/>
+            <a:r>
+              <a:rPr lang="pt-BR"/>
+              <a:t>1</a:t>
+            </a:r>
           </a:p>
         </p:txBody>
       </p:sp>
@@ -1456,9 +2026,9 @@
           <a:bodyPr/>
           <a:lstStyle/>
           <a:p>
-            <a:fld id="{E954A2E6-059C-4279-9F52-F569F0233A77}" type="datetimeFigureOut">
+            <a:fld id="{1F472A43-B526-43B0-9565-D7D18187BEFD}" type="datetime1">
               <a:rPr lang="pt-BR" smtClean="0"/>
-              <a:t>24/11/2020</a:t>
+              <a:t>25/11/2020</a:t>
             </a:fld>
             <a:endParaRPr lang="pt-BR"/>
           </a:p>
@@ -1485,7 +2055,10 @@
           <a:bodyPr/>
           <a:lstStyle/>
           <a:p>
-            <a:endParaRPr lang="pt-BR"/>
+            <a:r>
+              <a:rPr lang="pt-BR"/>
+              <a:t>1</a:t>
+            </a:r>
           </a:p>
         </p:txBody>
       </p:sp>
@@ -1871,9 +2444,9 @@
           <a:bodyPr/>
           <a:lstStyle/>
           <a:p>
-            <a:fld id="{E954A2E6-059C-4279-9F52-F569F0233A77}" type="datetimeFigureOut">
+            <a:fld id="{1EF00CFA-3692-4992-A5CB-6D1DB7B18E97}" type="datetime1">
               <a:rPr lang="pt-BR" smtClean="0"/>
-              <a:t>24/11/2020</a:t>
+              <a:t>25/11/2020</a:t>
             </a:fld>
             <a:endParaRPr lang="pt-BR"/>
           </a:p>
@@ -1900,7 +2473,10 @@
           <a:bodyPr/>
           <a:lstStyle/>
           <a:p>
-            <a:endParaRPr lang="pt-BR"/>
+            <a:r>
+              <a:rPr lang="pt-BR"/>
+              <a:t>1</a:t>
+            </a:r>
           </a:p>
         </p:txBody>
       </p:sp>
@@ -2013,9 +2589,9 @@
           <a:bodyPr/>
           <a:lstStyle/>
           <a:p>
-            <a:fld id="{E954A2E6-059C-4279-9F52-F569F0233A77}" type="datetimeFigureOut">
+            <a:fld id="{7221AEF8-D8B2-4AC7-9B57-0545D33DC676}" type="datetime1">
               <a:rPr lang="pt-BR" smtClean="0"/>
-              <a:t>24/11/2020</a:t>
+              <a:t>25/11/2020</a:t>
             </a:fld>
             <a:endParaRPr lang="pt-BR"/>
           </a:p>
@@ -2042,7 +2618,10 @@
           <a:bodyPr/>
           <a:lstStyle/>
           <a:p>
-            <a:endParaRPr lang="pt-BR"/>
+            <a:r>
+              <a:rPr lang="pt-BR"/>
+              <a:t>1</a:t>
+            </a:r>
           </a:p>
         </p:txBody>
       </p:sp>
@@ -2126,9 +2705,9 @@
           <a:bodyPr/>
           <a:lstStyle/>
           <a:p>
-            <a:fld id="{E954A2E6-059C-4279-9F52-F569F0233A77}" type="datetimeFigureOut">
+            <a:fld id="{B6F5C999-5AAC-49A4-9978-11F5499B519B}" type="datetime1">
               <a:rPr lang="pt-BR" smtClean="0"/>
-              <a:t>24/11/2020</a:t>
+              <a:t>25/11/2020</a:t>
             </a:fld>
             <a:endParaRPr lang="pt-BR"/>
           </a:p>
@@ -2155,7 +2734,10 @@
           <a:bodyPr/>
           <a:lstStyle/>
           <a:p>
-            <a:endParaRPr lang="pt-BR"/>
+            <a:r>
+              <a:rPr lang="pt-BR"/>
+              <a:t>1</a:t>
+            </a:r>
           </a:p>
         </p:txBody>
       </p:sp>
@@ -2439,9 +3021,9 @@
           <a:bodyPr/>
           <a:lstStyle/>
           <a:p>
-            <a:fld id="{E954A2E6-059C-4279-9F52-F569F0233A77}" type="datetimeFigureOut">
+            <a:fld id="{65511784-CC89-4ED6-B37F-D81F83D2CDE9}" type="datetime1">
               <a:rPr lang="pt-BR" smtClean="0"/>
-              <a:t>24/11/2020</a:t>
+              <a:t>25/11/2020</a:t>
             </a:fld>
             <a:endParaRPr lang="pt-BR"/>
           </a:p>
@@ -2468,7 +3050,10 @@
           <a:bodyPr/>
           <a:lstStyle/>
           <a:p>
-            <a:endParaRPr lang="pt-BR"/>
+            <a:r>
+              <a:rPr lang="pt-BR"/>
+              <a:t>1</a:t>
+            </a:r>
           </a:p>
         </p:txBody>
       </p:sp>
@@ -2728,9 +3313,9 @@
           <a:bodyPr/>
           <a:lstStyle/>
           <a:p>
-            <a:fld id="{E954A2E6-059C-4279-9F52-F569F0233A77}" type="datetimeFigureOut">
+            <a:fld id="{B40485FF-4FE2-490D-99D6-2A7CCAB9BB7B}" type="datetime1">
               <a:rPr lang="pt-BR" smtClean="0"/>
-              <a:t>24/11/2020</a:t>
+              <a:t>25/11/2020</a:t>
             </a:fld>
             <a:endParaRPr lang="pt-BR"/>
           </a:p>
@@ -2757,7 +3342,10 @@
           <a:bodyPr/>
           <a:lstStyle/>
           <a:p>
-            <a:endParaRPr lang="pt-BR"/>
+            <a:r>
+              <a:rPr lang="pt-BR"/>
+              <a:t>1</a:t>
+            </a:r>
           </a:p>
         </p:txBody>
       </p:sp>
@@ -2971,9 +3559,9 @@
             </a:lvl1pPr>
           </a:lstStyle>
           <a:p>
-            <a:fld id="{E954A2E6-059C-4279-9F52-F569F0233A77}" type="datetimeFigureOut">
+            <a:fld id="{4985927A-24A6-4914-AFB3-F9D1EF099D1F}" type="datetime1">
               <a:rPr lang="pt-BR" smtClean="0"/>
-              <a:t>24/11/2020</a:t>
+              <a:t>25/11/2020</a:t>
             </a:fld>
             <a:endParaRPr lang="pt-BR"/>
           </a:p>
@@ -3018,7 +3606,10 @@
             </a:lvl1pPr>
           </a:lstStyle>
           <a:p>
-            <a:endParaRPr lang="pt-BR"/>
+            <a:r>
+              <a:rPr lang="pt-BR"/>
+              <a:t>1</a:t>
+            </a:r>
           </a:p>
         </p:txBody>
       </p:sp>
@@ -3090,6 +3681,7 @@
     <p:sldLayoutId id="2147484078" r:id="rId10"/>
     <p:sldLayoutId id="2147484079" r:id="rId11"/>
   </p:sldLayoutIdLst>
+  <p:hf sldNum="0" hdr="0" ftr="0" dt="0"/>
   <p:txStyles>
     <p:titleStyle>
       <a:lvl1pPr algn="l" defTabSz="914400" rtl="0" eaLnBrk="1" latinLnBrk="0" hangingPunct="1">
@@ -3676,7 +4268,7 @@
           <p:cNvPr id="2" name="Title 1">
             <a:extLst>
               <a:ext uri="{FF2B5EF4-FFF2-40B4-BE49-F238E27FC236}">
-                <a16:creationId xmlns:a16="http://schemas.microsoft.com/office/drawing/2014/main" id="{7A7FE650-9A0C-4530-97DB-FADD4351C459}"/>
+                <a16:creationId xmlns:a16="http://schemas.microsoft.com/office/drawing/2014/main" id="{EBFBEFFB-4B2C-4CF5-AF2A-53CA0C318B2D}"/>
               </a:ext>
             </a:extLst>
           </p:cNvPr>
@@ -3702,7 +4294,7 @@
                 <a:latin typeface="Arial" panose="020B0604020202020204" pitchFamily="34" charset="0"/>
                 <a:cs typeface="Arial" panose="020B0604020202020204" pitchFamily="34" charset="0"/>
               </a:rPr>
-              <a:t>Vantagens</a:t>
+              <a:t>Arquitetura</a:t>
             </a:r>
             <a:r>
               <a:rPr lang="en-US" sz="2800" dirty="0">
@@ -3712,7 +4304,7 @@
                 <a:latin typeface="Arial" panose="020B0604020202020204" pitchFamily="34" charset="0"/>
                 <a:cs typeface="Arial" panose="020B0604020202020204" pitchFamily="34" charset="0"/>
               </a:rPr>
-              <a:t> e </a:t>
+              <a:t> </a:t>
             </a:r>
             <a:r>
               <a:rPr lang="en-US" sz="2800" dirty="0" err="1">
@@ -3722,7 +4314,27 @@
                 <a:latin typeface="Arial" panose="020B0604020202020204" pitchFamily="34" charset="0"/>
                 <a:cs typeface="Arial" panose="020B0604020202020204" pitchFamily="34" charset="0"/>
               </a:rPr>
-              <a:t>Desvantagens</a:t>
+              <a:t>Monolítica</a:t>
+            </a:r>
+            <a:r>
+              <a:rPr lang="en-US" sz="2800" dirty="0">
+                <a:solidFill>
+                  <a:srgbClr val="025682"/>
+                </a:solidFill>
+                <a:latin typeface="Arial" panose="020B0604020202020204" pitchFamily="34" charset="0"/>
+                <a:cs typeface="Arial" panose="020B0604020202020204" pitchFamily="34" charset="0"/>
+              </a:rPr>
+              <a:t> vs </a:t>
+            </a:r>
+            <a:r>
+              <a:rPr lang="en-US" sz="2800" dirty="0" err="1">
+                <a:solidFill>
+                  <a:srgbClr val="025682"/>
+                </a:solidFill>
+                <a:latin typeface="Arial" panose="020B0604020202020204" pitchFamily="34" charset="0"/>
+                <a:cs typeface="Arial" panose="020B0604020202020204" pitchFamily="34" charset="0"/>
+              </a:rPr>
+              <a:t>Microsserviços</a:t>
             </a:r>
             <a:endParaRPr lang="pt-BR" sz="2800" dirty="0">
               <a:solidFill>
@@ -3734,327 +4346,45 @@
           </a:p>
         </p:txBody>
       </p:sp>
-      <p:sp>
-        <p:nvSpPr>
-          <p:cNvPr id="3" name="Content Placeholder 2">
-            <a:extLst>
-              <a:ext uri="{FF2B5EF4-FFF2-40B4-BE49-F238E27FC236}">
-                <a16:creationId xmlns:a16="http://schemas.microsoft.com/office/drawing/2014/main" id="{CB048982-34C8-4B96-94F4-8F463A4A8CD4}"/>
-              </a:ext>
-            </a:extLst>
-          </p:cNvPr>
-          <p:cNvSpPr>
-            <a:spLocks noGrp="1"/>
-          </p:cNvSpPr>
-          <p:nvPr>
-            <p:ph sz="half" idx="1"/>
-          </p:nvPr>
-        </p:nvSpPr>
-        <p:spPr/>
-        <p:txBody>
-          <a:bodyPr>
-            <a:normAutofit lnSpcReduction="10000"/>
-          </a:bodyPr>
-          <a:lstStyle/>
-          <a:p>
-            <a:r>
-              <a:rPr lang="en-US" sz="2400" dirty="0" err="1">
-                <a:latin typeface="Arial" panose="020B0604020202020204" pitchFamily="34" charset="0"/>
-                <a:cs typeface="Arial" panose="020B0604020202020204" pitchFamily="34" charset="0"/>
-              </a:rPr>
-              <a:t>Manutenção</a:t>
-            </a:r>
-            <a:r>
-              <a:rPr lang="en-US" sz="2400" dirty="0">
-                <a:latin typeface="Arial" panose="020B0604020202020204" pitchFamily="34" charset="0"/>
-                <a:cs typeface="Arial" panose="020B0604020202020204" pitchFamily="34" charset="0"/>
-              </a:rPr>
-              <a:t> </a:t>
-            </a:r>
-            <a:r>
-              <a:rPr lang="en-US" sz="2400" dirty="0" err="1">
-                <a:latin typeface="Arial" panose="020B0604020202020204" pitchFamily="34" charset="0"/>
-                <a:cs typeface="Arial" panose="020B0604020202020204" pitchFamily="34" charset="0"/>
-              </a:rPr>
-              <a:t>fácil</a:t>
-            </a:r>
-            <a:r>
-              <a:rPr lang="en-US" sz="2400" dirty="0">
-                <a:latin typeface="Arial" panose="020B0604020202020204" pitchFamily="34" charset="0"/>
-                <a:cs typeface="Arial" panose="020B0604020202020204" pitchFamily="34" charset="0"/>
-              </a:rPr>
-              <a:t> e </a:t>
-            </a:r>
-            <a:r>
-              <a:rPr lang="en-US" sz="2400" dirty="0" err="1">
-                <a:latin typeface="Arial" panose="020B0604020202020204" pitchFamily="34" charset="0"/>
-                <a:cs typeface="Arial" panose="020B0604020202020204" pitchFamily="34" charset="0"/>
-              </a:rPr>
-              <a:t>rápida</a:t>
-            </a:r>
-            <a:endParaRPr lang="en-US" sz="2400" dirty="0">
-              <a:latin typeface="Arial" panose="020B0604020202020204" pitchFamily="34" charset="0"/>
-              <a:cs typeface="Arial" panose="020B0604020202020204" pitchFamily="34" charset="0"/>
-            </a:endParaRPr>
-          </a:p>
-          <a:p>
-            <a:r>
-              <a:rPr lang="en-US" sz="2400" dirty="0" err="1">
-                <a:latin typeface="Arial" panose="020B0604020202020204" pitchFamily="34" charset="0"/>
-                <a:cs typeface="Arial" panose="020B0604020202020204" pitchFamily="34" charset="0"/>
-              </a:rPr>
-              <a:t>Flexibilidade</a:t>
-            </a:r>
-            <a:endParaRPr lang="en-US" sz="2400" dirty="0">
-              <a:latin typeface="Arial" panose="020B0604020202020204" pitchFamily="34" charset="0"/>
-              <a:cs typeface="Arial" panose="020B0604020202020204" pitchFamily="34" charset="0"/>
-            </a:endParaRPr>
-          </a:p>
-          <a:p>
-            <a:r>
-              <a:rPr lang="en-US" sz="2400" dirty="0" err="1">
-                <a:latin typeface="Arial" panose="020B0604020202020204" pitchFamily="34" charset="0"/>
-                <a:cs typeface="Arial" panose="020B0604020202020204" pitchFamily="34" charset="0"/>
-              </a:rPr>
-              <a:t>Escalabilidade</a:t>
-            </a:r>
-            <a:endParaRPr lang="en-US" sz="2400" dirty="0">
-              <a:latin typeface="Arial" panose="020B0604020202020204" pitchFamily="34" charset="0"/>
-              <a:cs typeface="Arial" panose="020B0604020202020204" pitchFamily="34" charset="0"/>
-            </a:endParaRPr>
-          </a:p>
-          <a:p>
-            <a:r>
-              <a:rPr lang="en-US" sz="2400" dirty="0" err="1">
-                <a:latin typeface="Arial" panose="020B0604020202020204" pitchFamily="34" charset="0"/>
-                <a:cs typeface="Arial" panose="020B0604020202020204" pitchFamily="34" charset="0"/>
-              </a:rPr>
-              <a:t>Equipes</a:t>
-            </a:r>
-            <a:r>
-              <a:rPr lang="en-US" sz="2400" dirty="0">
-                <a:latin typeface="Arial" panose="020B0604020202020204" pitchFamily="34" charset="0"/>
-                <a:cs typeface="Arial" panose="020B0604020202020204" pitchFamily="34" charset="0"/>
-              </a:rPr>
-              <a:t> </a:t>
-            </a:r>
-            <a:r>
-              <a:rPr lang="en-US" sz="2400" dirty="0" err="1">
-                <a:latin typeface="Arial" panose="020B0604020202020204" pitchFamily="34" charset="0"/>
-                <a:cs typeface="Arial" panose="020B0604020202020204" pitchFamily="34" charset="0"/>
-              </a:rPr>
-              <a:t>autônomas</a:t>
-            </a:r>
-            <a:endParaRPr lang="en-US" sz="2400" dirty="0">
-              <a:latin typeface="Arial" panose="020B0604020202020204" pitchFamily="34" charset="0"/>
-              <a:cs typeface="Arial" panose="020B0604020202020204" pitchFamily="34" charset="0"/>
-            </a:endParaRPr>
-          </a:p>
-          <a:p>
-            <a:r>
-              <a:rPr lang="en-US" sz="2400" dirty="0" err="1">
-                <a:latin typeface="Arial" panose="020B0604020202020204" pitchFamily="34" charset="0"/>
-                <a:cs typeface="Arial" panose="020B0604020202020204" pitchFamily="34" charset="0"/>
-              </a:rPr>
-              <a:t>Serviços</a:t>
-            </a:r>
-            <a:r>
-              <a:rPr lang="en-US" sz="2400" dirty="0">
-                <a:latin typeface="Arial" panose="020B0604020202020204" pitchFamily="34" charset="0"/>
-                <a:cs typeface="Arial" panose="020B0604020202020204" pitchFamily="34" charset="0"/>
-              </a:rPr>
-              <a:t> </a:t>
-            </a:r>
-            <a:r>
-              <a:rPr lang="en-US" sz="2400" dirty="0" err="1">
-                <a:latin typeface="Arial" panose="020B0604020202020204" pitchFamily="34" charset="0"/>
-                <a:cs typeface="Arial" panose="020B0604020202020204" pitchFamily="34" charset="0"/>
-              </a:rPr>
-              <a:t>reutilizaveis</a:t>
-            </a:r>
-            <a:endParaRPr lang="en-US" sz="2400" dirty="0">
-              <a:latin typeface="Arial" panose="020B0604020202020204" pitchFamily="34" charset="0"/>
-              <a:cs typeface="Arial" panose="020B0604020202020204" pitchFamily="34" charset="0"/>
-            </a:endParaRPr>
-          </a:p>
-          <a:p>
-            <a:r>
-              <a:rPr lang="en-US" sz="2400" dirty="0" err="1">
-                <a:latin typeface="Arial" panose="020B0604020202020204" pitchFamily="34" charset="0"/>
-                <a:cs typeface="Arial" panose="020B0604020202020204" pitchFamily="34" charset="0"/>
-              </a:rPr>
-              <a:t>Conteinerização</a:t>
-            </a:r>
-            <a:r>
-              <a:rPr lang="en-US" sz="2400" dirty="0">
-                <a:latin typeface="Arial" panose="020B0604020202020204" pitchFamily="34" charset="0"/>
-                <a:cs typeface="Arial" panose="020B0604020202020204" pitchFamily="34" charset="0"/>
-              </a:rPr>
-              <a:t> (Docker)</a:t>
-            </a:r>
-          </a:p>
-        </p:txBody>
-      </p:sp>
-      <p:sp>
-        <p:nvSpPr>
-          <p:cNvPr id="4" name="Content Placeholder 3">
-            <a:extLst>
-              <a:ext uri="{FF2B5EF4-FFF2-40B4-BE49-F238E27FC236}">
-                <a16:creationId xmlns:a16="http://schemas.microsoft.com/office/drawing/2014/main" id="{ECED3D95-FCD4-497C-8DF8-C3F39D45DE8F}"/>
-              </a:ext>
-            </a:extLst>
-          </p:cNvPr>
-          <p:cNvSpPr>
-            <a:spLocks noGrp="1"/>
-          </p:cNvSpPr>
-          <p:nvPr>
-            <p:ph sz="half" idx="2"/>
-          </p:nvPr>
-        </p:nvSpPr>
-        <p:spPr/>
-        <p:txBody>
-          <a:bodyPr>
-            <a:normAutofit lnSpcReduction="10000"/>
-          </a:bodyPr>
-          <a:lstStyle/>
-          <a:p>
-            <a:r>
-              <a:rPr lang="en-US" sz="2400" dirty="0" err="1"/>
-              <a:t>Arquitetura</a:t>
-            </a:r>
-            <a:r>
-              <a:rPr lang="en-US" sz="2400" dirty="0"/>
-              <a:t> e </a:t>
-            </a:r>
-            <a:r>
-              <a:rPr lang="en-US" sz="2400" dirty="0" err="1"/>
-              <a:t>planejamento</a:t>
-            </a:r>
-            <a:r>
-              <a:rPr lang="en-US" sz="2400" dirty="0"/>
-              <a:t> </a:t>
-            </a:r>
-            <a:r>
-              <a:rPr lang="en-US" sz="2400" dirty="0" err="1"/>
-              <a:t>cuidadoso</a:t>
-            </a:r>
-            <a:endParaRPr lang="en-US" sz="2400" dirty="0"/>
-          </a:p>
-          <a:p>
-            <a:r>
-              <a:rPr lang="en-US" sz="2400" dirty="0" err="1"/>
-              <a:t>Complexidade</a:t>
-            </a:r>
-            <a:endParaRPr lang="en-US" sz="2400" dirty="0"/>
-          </a:p>
-          <a:p>
-            <a:r>
-              <a:rPr lang="en-US" sz="2400" dirty="0" err="1"/>
-              <a:t>Congestionamento</a:t>
-            </a:r>
-            <a:r>
-              <a:rPr lang="en-US" sz="2400" dirty="0"/>
-              <a:t> de Rede</a:t>
-            </a:r>
-          </a:p>
-          <a:p>
-            <a:r>
-              <a:rPr lang="en-US" sz="2400" dirty="0" err="1"/>
-              <a:t>Replicação</a:t>
-            </a:r>
-            <a:r>
-              <a:rPr lang="en-US" sz="2400" dirty="0"/>
-              <a:t> de Código de </a:t>
-            </a:r>
-            <a:r>
-              <a:rPr lang="en-US" sz="2400" dirty="0" err="1"/>
-              <a:t>resposta</a:t>
-            </a:r>
-            <a:r>
-              <a:rPr lang="en-US" sz="2400" dirty="0"/>
-              <a:t> </a:t>
-            </a:r>
-            <a:r>
-              <a:rPr lang="en-US" sz="2400" dirty="0" err="1"/>
-              <a:t>ou</a:t>
-            </a:r>
-            <a:r>
-              <a:rPr lang="en-US" sz="2400" dirty="0"/>
-              <a:t> de </a:t>
-            </a:r>
-            <a:r>
-              <a:rPr lang="en-US" sz="2400" dirty="0" err="1"/>
-              <a:t>infraestrutura</a:t>
-            </a:r>
-            <a:endParaRPr lang="en-US" sz="2400" dirty="0"/>
-          </a:p>
-          <a:p>
-            <a:r>
-              <a:rPr lang="en-US" sz="2400" dirty="0" err="1"/>
-              <a:t>Latência</a:t>
-            </a:r>
-            <a:endParaRPr lang="en-US" sz="2400" dirty="0"/>
-          </a:p>
-          <a:p>
-            <a:r>
-              <a:rPr lang="en-US" sz="2400" dirty="0" err="1"/>
-              <a:t>Complexidade</a:t>
-            </a:r>
-            <a:r>
-              <a:rPr lang="en-US" sz="2400" dirty="0"/>
-              <a:t> </a:t>
-            </a:r>
-            <a:r>
-              <a:rPr lang="en-US" sz="2400" dirty="0" err="1"/>
-              <a:t>na</a:t>
-            </a:r>
-            <a:r>
-              <a:rPr lang="en-US" sz="2400" dirty="0"/>
-              <a:t> </a:t>
-            </a:r>
-            <a:r>
-              <a:rPr lang="en-US" sz="2400" dirty="0" err="1"/>
-              <a:t>implementação</a:t>
-            </a:r>
-            <a:r>
-              <a:rPr lang="en-US" sz="2400" dirty="0"/>
-              <a:t> de testes</a:t>
-            </a:r>
-          </a:p>
-          <a:p>
-            <a:r>
-              <a:rPr lang="en-US" sz="2400" dirty="0" err="1"/>
-              <a:t>Necessidade</a:t>
-            </a:r>
-            <a:r>
-              <a:rPr lang="en-US" sz="2400" dirty="0"/>
-              <a:t> de um </a:t>
-            </a:r>
-            <a:r>
-              <a:rPr lang="en-US" sz="2400" dirty="0" err="1"/>
-              <a:t>profissional</a:t>
-            </a:r>
-            <a:r>
-              <a:rPr lang="en-US" sz="2400" dirty="0"/>
-              <a:t> DevOps</a:t>
-            </a:r>
-          </a:p>
-          <a:p>
-            <a:pPr marL="0" indent="0">
-              <a:buNone/>
-            </a:pPr>
-            <a:r>
-              <a:rPr lang="en-US" sz="2400" dirty="0"/>
-              <a:t> </a:t>
-            </a:r>
-            <a:endParaRPr lang="pt-BR" sz="2400" dirty="0"/>
-          </a:p>
-        </p:txBody>
-      </p:sp>
+      <p:pic>
+        <p:nvPicPr>
+          <p:cNvPr id="5" name="Content Placeholder 4">
+            <a:extLst>
+              <a:ext uri="{FF2B5EF4-FFF2-40B4-BE49-F238E27FC236}">
+                <a16:creationId xmlns:a16="http://schemas.microsoft.com/office/drawing/2014/main" id="{B352A1A9-174C-43E0-BBB2-514DDA04CE89}"/>
+              </a:ext>
+            </a:extLst>
+          </p:cNvPr>
+          <p:cNvPicPr>
+            <a:picLocks noGrp="1" noChangeAspect="1"/>
+          </p:cNvPicPr>
+          <p:nvPr>
+            <p:ph idx="1"/>
+          </p:nvPr>
+        </p:nvPicPr>
+        <p:blipFill>
+          <a:blip r:embed="rId2">
+            <a:extLst>
+              <a:ext uri="{28A0092B-C50C-407E-A947-70E740481C1C}">
+                <a14:useLocalDpi xmlns:a14="http://schemas.microsoft.com/office/drawing/2010/main" val="0"/>
+              </a:ext>
+            </a:extLst>
+          </a:blip>
+          <a:stretch>
+            <a:fillRect/>
+          </a:stretch>
+        </p:blipFill>
+        <p:spPr>
+          <a:xfrm>
+            <a:off x="484677" y="1949116"/>
+            <a:ext cx="11222646" cy="3861099"/>
+          </a:xfrm>
+        </p:spPr>
+      </p:pic>
     </p:spTree>
     <p:extLst>
       <p:ext uri="{BB962C8B-B14F-4D97-AF65-F5344CB8AC3E}">
-        <p14:creationId xmlns:p14="http://schemas.microsoft.com/office/powerpoint/2010/main" val="1455414911"/>
+        <p14:creationId xmlns:p14="http://schemas.microsoft.com/office/powerpoint/2010/main" val="1742571539"/>
       </p:ext>
     </p:extLst>
   </p:cSld>
@@ -4159,7 +4489,7 @@
         </p:blipFill>
         <p:spPr bwMode="auto">
           <a:xfrm>
-            <a:off x="3129969" y="2246680"/>
+            <a:off x="3821229" y="2206815"/>
             <a:ext cx="4611357" cy="4041585"/>
           </a:xfrm>
           <a:prstGeom prst="rect">
@@ -4186,7 +4516,7 @@
         <p:spPr>
           <a:xfrm>
             <a:off x="677334" y="1415683"/>
-            <a:ext cx="8093687" cy="830997"/>
+            <a:ext cx="10899148" cy="461665"/>
           </a:xfrm>
           <a:prstGeom prst="rect">
             <a:avLst/>
@@ -4199,6 +4529,10 @@
           </a:bodyPr>
           <a:lstStyle/>
           <a:p>
+            <a:pPr marL="342900" indent="-342900">
+              <a:buFont typeface="Arial" panose="020B0604020202020204" pitchFamily="34" charset="0"/>
+              <a:buChar char="•"/>
+            </a:pPr>
             <a:r>
               <a:rPr lang="en-US" sz="2400" dirty="0" err="1">
                 <a:latin typeface="Arial" panose="020B0604020202020204" pitchFamily="34" charset="0"/>
@@ -4364,8 +4698,8 @@
         </p:nvSpPr>
         <p:spPr>
           <a:xfrm>
-            <a:off x="484829" y="1106360"/>
-            <a:ext cx="6475264" cy="2584449"/>
+            <a:off x="484829" y="1479339"/>
+            <a:ext cx="6475264" cy="2211470"/>
           </a:xfrm>
         </p:spPr>
         <p:txBody>
@@ -4374,6 +4708,10 @@
           </a:bodyPr>
           <a:lstStyle/>
           <a:p>
+            <a:pPr marL="342900" indent="-342900">
+              <a:buFont typeface="Arial" panose="020B0604020202020204" pitchFamily="34" charset="0"/>
+              <a:buChar char="•"/>
+            </a:pPr>
             <a:r>
               <a:rPr lang="pt-BR" sz="2400" i="0" dirty="0">
                 <a:solidFill>
@@ -4399,7 +4737,7 @@
             <a:r>
               <a:rPr lang="pt-BR" sz="2400" b="1" i="0" dirty="0">
                 <a:solidFill>
-                  <a:srgbClr val="222222"/>
+                  <a:srgbClr val="025682"/>
                 </a:solidFill>
                 <a:effectLst/>
                 <a:latin typeface="Arial" panose="020B0604020202020204" pitchFamily="34" charset="0"/>
@@ -4508,7 +4846,7 @@
         </p:nvSpPr>
         <p:spPr>
           <a:xfrm>
-            <a:off x="592701" y="719092"/>
+            <a:off x="592701" y="834501"/>
             <a:ext cx="5355339" cy="655430"/>
           </a:xfrm>
         </p:spPr>
@@ -4519,7 +4857,7 @@
           <a:lstStyle/>
           <a:p>
             <a:r>
-              <a:rPr lang="en-US" sz="2400" dirty="0" err="1">
+              <a:rPr lang="en-US" sz="2800" dirty="0" err="1">
                 <a:solidFill>
                   <a:srgbClr val="025682"/>
                 </a:solidFill>
@@ -4528,56 +4866,26 @@
               </a:rPr>
               <a:t>Diagrama</a:t>
             </a:r>
-            <a:r>
-              <a:rPr lang="en-US" sz="2400" dirty="0">
+            <a:br>
+              <a:rPr lang="en-US" sz="2800" dirty="0">
                 <a:solidFill>
                   <a:srgbClr val="025682"/>
                 </a:solidFill>
                 <a:latin typeface="Arial" panose="020B0604020202020204" pitchFamily="34" charset="0"/>
                 <a:cs typeface="Arial" panose="020B0604020202020204" pitchFamily="34" charset="0"/>
               </a:rPr>
-              <a:t> de </a:t>
-            </a:r>
-            <a:br>
-              <a:rPr lang="en-US" sz="2400" dirty="0">
+            </a:br>
+            <a:r>
+              <a:rPr lang="en-US" sz="2800" dirty="0" err="1">
                 <a:solidFill>
                   <a:srgbClr val="025682"/>
                 </a:solidFill>
                 <a:latin typeface="Arial" panose="020B0604020202020204" pitchFamily="34" charset="0"/>
                 <a:cs typeface="Arial" panose="020B0604020202020204" pitchFamily="34" charset="0"/>
               </a:rPr>
-            </a:br>
-            <a:r>
-              <a:rPr lang="en-US" sz="2400" dirty="0" err="1">
-                <a:solidFill>
-                  <a:srgbClr val="025682"/>
-                </a:solidFill>
-                <a:latin typeface="Arial" panose="020B0604020202020204" pitchFamily="34" charset="0"/>
-                <a:cs typeface="Arial" panose="020B0604020202020204" pitchFamily="34" charset="0"/>
-              </a:rPr>
-              <a:t>Entidade</a:t>
-            </a:r>
-            <a:r>
-              <a:rPr lang="en-US" sz="2400" dirty="0">
-                <a:solidFill>
-                  <a:srgbClr val="025682"/>
-                </a:solidFill>
-                <a:latin typeface="Arial" panose="020B0604020202020204" pitchFamily="34" charset="0"/>
-                <a:cs typeface="Arial" panose="020B0604020202020204" pitchFamily="34" charset="0"/>
-              </a:rPr>
-              <a:t> </a:t>
-            </a:r>
-            <a:r>
-              <a:rPr lang="en-US" sz="2400" dirty="0" err="1">
-                <a:solidFill>
-                  <a:srgbClr val="025682"/>
-                </a:solidFill>
-                <a:latin typeface="Arial" panose="020B0604020202020204" pitchFamily="34" charset="0"/>
-                <a:cs typeface="Arial" panose="020B0604020202020204" pitchFamily="34" charset="0"/>
-              </a:rPr>
-              <a:t>Relacional</a:t>
-            </a:r>
-            <a:endParaRPr lang="pt-BR" sz="2400" dirty="0">
+              <a:t>Entidade-Relacionamento</a:t>
+            </a:r>
+            <a:endParaRPr lang="pt-BR" sz="2800" dirty="0">
               <a:solidFill>
                 <a:srgbClr val="025682"/>
               </a:solidFill>
@@ -4644,7 +4952,7 @@
           <a:lstStyle/>
           <a:p>
             <a:r>
-              <a:rPr lang="en-US" dirty="0" err="1">
+              <a:rPr lang="en-US" sz="2800" dirty="0" err="1">
                 <a:solidFill>
                   <a:srgbClr val="025682"/>
                 </a:solidFill>
@@ -4652,6 +4960,16 @@
                 <a:cs typeface="Arial" panose="020B0604020202020204" pitchFamily="34" charset="0"/>
               </a:rPr>
               <a:t>Tecnologias</a:t>
+            </a:r>
+            <a:r>
+              <a:rPr lang="en-US" sz="2800" dirty="0">
+                <a:solidFill>
+                  <a:srgbClr val="025682"/>
+                </a:solidFill>
+                <a:latin typeface="Arial" panose="020B0604020202020204" pitchFamily="34" charset="0"/>
+                <a:cs typeface="Arial" panose="020B0604020202020204" pitchFamily="34" charset="0"/>
+              </a:rPr>
+              <a:t> e Ferramentas</a:t>
             </a:r>
             <a:endParaRPr lang="pt-BR" dirty="0">
               <a:solidFill>
@@ -4691,7 +5009,7 @@
         </p:blipFill>
         <p:spPr>
           <a:xfrm>
-            <a:off x="1203129" y="3891256"/>
+            <a:off x="677334" y="3891256"/>
             <a:ext cx="2650126" cy="2650126"/>
           </a:xfrm>
           <a:prstGeom prst="rect">
@@ -4727,7 +5045,7 @@
         </p:blipFill>
         <p:spPr>
           <a:xfrm>
-            <a:off x="5228578" y="4190399"/>
+            <a:off x="4521765" y="4190399"/>
             <a:ext cx="1734842" cy="2051840"/>
           </a:xfrm>
           <a:prstGeom prst="rect">
@@ -4763,7 +5081,7 @@
         </p:blipFill>
         <p:spPr>
           <a:xfrm>
-            <a:off x="8338745" y="1761056"/>
+            <a:off x="7806084" y="1756057"/>
             <a:ext cx="1870514" cy="1648326"/>
           </a:xfrm>
           <a:prstGeom prst="rect">
@@ -4799,7 +5117,7 @@
         </p:blipFill>
         <p:spPr>
           <a:xfrm>
-            <a:off x="5184456" y="1761056"/>
+            <a:off x="4477643" y="1756057"/>
             <a:ext cx="1823087" cy="1823087"/>
           </a:xfrm>
           <a:prstGeom prst="rect">
@@ -4835,7 +5153,7 @@
         </p:blipFill>
         <p:spPr>
           <a:xfrm>
-            <a:off x="1203129" y="1347537"/>
+            <a:off x="677334" y="1347536"/>
             <a:ext cx="2650125" cy="2650125"/>
           </a:xfrm>
           <a:prstGeom prst="rect">
@@ -4871,7 +5189,7 @@
         </p:blipFill>
         <p:spPr>
           <a:xfrm>
-            <a:off x="8142392" y="4190399"/>
+            <a:off x="7609731" y="4190399"/>
             <a:ext cx="4133733" cy="1648326"/>
           </a:xfrm>
           <a:prstGeom prst="rect">
@@ -4925,7 +5243,12 @@
             <p:ph type="title"/>
           </p:nvPr>
         </p:nvSpPr>
-        <p:spPr/>
+        <p:spPr>
+          <a:xfrm>
+            <a:off x="838200" y="365126"/>
+            <a:ext cx="10515600" cy="1117446"/>
+          </a:xfrm>
+        </p:spPr>
         <p:txBody>
           <a:bodyPr>
             <a:normAutofit/>
@@ -5002,9 +5325,39 @@
         </p:blipFill>
         <p:spPr>
           <a:xfrm>
-            <a:off x="1813022" y="1815683"/>
-            <a:ext cx="8565955" cy="4348496"/>
+            <a:off x="3588556" y="2368725"/>
+            <a:ext cx="8121092" cy="4122662"/>
           </a:xfrm>
+        </p:spPr>
+      </p:pic>
+      <p:pic>
+        <p:nvPicPr>
+          <p:cNvPr id="3" name="Picture 2">
+            <a:extLst>
+              <a:ext uri="{FF2B5EF4-FFF2-40B4-BE49-F238E27FC236}">
+                <a16:creationId xmlns:a16="http://schemas.microsoft.com/office/drawing/2014/main" id="{AFFDF1D2-3B61-486A-BCE4-1DDE96D4D4DF}"/>
+              </a:ext>
+            </a:extLst>
+          </p:cNvPr>
+          <p:cNvPicPr>
+            <a:picLocks noChangeAspect="1"/>
+          </p:cNvPicPr>
+          <p:nvPr/>
+        </p:nvPicPr>
+        <p:blipFill>
+          <a:blip r:embed="rId3"/>
+          <a:stretch>
+            <a:fillRect/>
+          </a:stretch>
+        </p:blipFill>
+        <p:spPr>
+          <a:xfrm>
+            <a:off x="838200" y="1797604"/>
+            <a:ext cx="4067175" cy="923925"/>
+          </a:xfrm>
+          <a:prstGeom prst="rect">
+            <a:avLst/>
+          </a:prstGeom>
         </p:spPr>
       </p:pic>
     </p:spTree>
@@ -5042,7 +5395,7 @@
           <p:cNvPr id="2" name="Title 1">
             <a:extLst>
               <a:ext uri="{FF2B5EF4-FFF2-40B4-BE49-F238E27FC236}">
-                <a16:creationId xmlns:a16="http://schemas.microsoft.com/office/drawing/2014/main" id="{0D826B72-0612-4934-94AA-72E113FE6CD8}"/>
+                <a16:creationId xmlns:a16="http://schemas.microsoft.com/office/drawing/2014/main" id="{690939E8-7A00-4EC3-9207-ADBA2DBBD522}"/>
               </a:ext>
             </a:extLst>
           </p:cNvPr>
@@ -5053,12 +5406,7 @@
             <p:ph type="title"/>
           </p:nvPr>
         </p:nvSpPr>
-        <p:spPr>
-          <a:xfrm>
-            <a:off x="677334" y="717884"/>
-            <a:ext cx="8596668" cy="665747"/>
-          </a:xfrm>
-        </p:spPr>
+        <p:spPr/>
         <p:txBody>
           <a:bodyPr>
             <a:normAutofit/>
@@ -5066,14 +5414,14 @@
           <a:lstStyle/>
           <a:p>
             <a:r>
-              <a:rPr lang="en-US" sz="2800" dirty="0" err="1">
+              <a:rPr lang="en-US" sz="2800" dirty="0">
                 <a:solidFill>
                   <a:srgbClr val="025682"/>
                 </a:solidFill>
                 <a:latin typeface="Arial" panose="020B0604020202020204" pitchFamily="34" charset="0"/>
                 <a:cs typeface="Arial" panose="020B0604020202020204" pitchFamily="34" charset="0"/>
               </a:rPr>
-              <a:t>Conclusão</a:t>
+              <a:t>Banco de Dados</a:t>
             </a:r>
             <a:endParaRPr lang="pt-BR" sz="2800" dirty="0">
               <a:solidFill>
@@ -5085,46 +5433,74 @@
           </a:p>
         </p:txBody>
       </p:sp>
-      <p:sp>
-        <p:nvSpPr>
-          <p:cNvPr id="3" name="Content Placeholder 2">
-            <a:extLst>
-              <a:ext uri="{FF2B5EF4-FFF2-40B4-BE49-F238E27FC236}">
-                <a16:creationId xmlns:a16="http://schemas.microsoft.com/office/drawing/2014/main" id="{4442111F-2EE4-46D1-A969-C4D3B55401B5}"/>
-              </a:ext>
-            </a:extLst>
-          </p:cNvPr>
-          <p:cNvSpPr>
-            <a:spLocks noGrp="1"/>
-          </p:cNvSpPr>
-          <p:nvPr>
-            <p:ph idx="1"/>
-          </p:nvPr>
-        </p:nvSpPr>
-        <p:spPr/>
-        <p:txBody>
-          <a:bodyPr>
-            <a:normAutofit/>
-          </a:bodyPr>
-          <a:lstStyle/>
-          <a:p>
-            <a:r>
-              <a:rPr lang="pt-BR" sz="2400" dirty="0">
-                <a:solidFill>
-                  <a:schemeClr val="tx1"/>
-                </a:solidFill>
-                <a:latin typeface="Arial" panose="020B0604020202020204" pitchFamily="34" charset="0"/>
-                <a:cs typeface="Arial" panose="020B0604020202020204" pitchFamily="34" charset="0"/>
-              </a:rPr>
-              <a:t>Com a finalização do back-end do sistema, pôde-se concluir que o objetivo traçado para esta primeira etapa foi alcançado.</a:t>
-            </a:r>
-          </a:p>
-        </p:txBody>
-      </p:sp>
+      <p:pic>
+        <p:nvPicPr>
+          <p:cNvPr id="5" name="Content Placeholder 4">
+            <a:extLst>
+              <a:ext uri="{FF2B5EF4-FFF2-40B4-BE49-F238E27FC236}">
+                <a16:creationId xmlns:a16="http://schemas.microsoft.com/office/drawing/2014/main" id="{37561BD5-451F-4B02-9641-52858FD94DF5}"/>
+              </a:ext>
+            </a:extLst>
+          </p:cNvPr>
+          <p:cNvPicPr>
+            <a:picLocks noGrp="1" noChangeAspect="1"/>
+          </p:cNvPicPr>
+          <p:nvPr>
+            <p:ph sz="half" idx="1"/>
+          </p:nvPr>
+        </p:nvPicPr>
+        <p:blipFill>
+          <a:blip r:embed="rId2"/>
+          <a:stretch>
+            <a:fillRect/>
+          </a:stretch>
+        </p:blipFill>
+        <p:spPr>
+          <a:xfrm>
+            <a:off x="952500" y="2201068"/>
+            <a:ext cx="4476750" cy="3600450"/>
+          </a:xfrm>
+          <a:prstGeom prst="rect">
+            <a:avLst/>
+          </a:prstGeom>
+        </p:spPr>
+      </p:pic>
+      <p:pic>
+        <p:nvPicPr>
+          <p:cNvPr id="6" name="Content Placeholder 5">
+            <a:extLst>
+              <a:ext uri="{FF2B5EF4-FFF2-40B4-BE49-F238E27FC236}">
+                <a16:creationId xmlns:a16="http://schemas.microsoft.com/office/drawing/2014/main" id="{2C7DC237-772E-4EB4-A3A0-0C4BE9A6B17A}"/>
+              </a:ext>
+            </a:extLst>
+          </p:cNvPr>
+          <p:cNvPicPr>
+            <a:picLocks noGrp="1" noChangeAspect="1"/>
+          </p:cNvPicPr>
+          <p:nvPr>
+            <p:ph sz="half" idx="2"/>
+          </p:nvPr>
+        </p:nvPicPr>
+        <p:blipFill>
+          <a:blip r:embed="rId3"/>
+          <a:stretch>
+            <a:fillRect/>
+          </a:stretch>
+        </p:blipFill>
+        <p:spPr>
+          <a:xfrm>
+            <a:off x="6286500" y="2844006"/>
+            <a:ext cx="4953000" cy="2314575"/>
+          </a:xfrm>
+          <a:prstGeom prst="rect">
+            <a:avLst/>
+          </a:prstGeom>
+        </p:spPr>
+      </p:pic>
     </p:spTree>
     <p:extLst>
       <p:ext uri="{BB962C8B-B14F-4D97-AF65-F5344CB8AC3E}">
-        <p14:creationId xmlns:p14="http://schemas.microsoft.com/office/powerpoint/2010/main" val="4112803729"/>
+        <p14:creationId xmlns:p14="http://schemas.microsoft.com/office/powerpoint/2010/main" val="3420694584"/>
       </p:ext>
     </p:extLst>
   </p:cSld>
@@ -5156,7 +5532,7 @@
           <p:cNvPr id="2" name="Title 1">
             <a:extLst>
               <a:ext uri="{FF2B5EF4-FFF2-40B4-BE49-F238E27FC236}">
-                <a16:creationId xmlns:a16="http://schemas.microsoft.com/office/drawing/2014/main" id="{515D1F6A-27CA-4923-97BF-0291F660271D}"/>
+                <a16:creationId xmlns:a16="http://schemas.microsoft.com/office/drawing/2014/main" id="{CC4BCE49-565A-4DEB-83FF-6846532F75CC}"/>
               </a:ext>
             </a:extLst>
           </p:cNvPr>
@@ -5169,8 +5545,8 @@
         </p:nvSpPr>
         <p:spPr>
           <a:xfrm>
-            <a:off x="677334" y="609600"/>
-            <a:ext cx="8596668" cy="651029"/>
+            <a:off x="838200" y="365126"/>
+            <a:ext cx="10515600" cy="638052"/>
           </a:xfrm>
         </p:spPr>
         <p:txBody>
@@ -5187,7 +5563,27 @@
                 <a:latin typeface="Arial" panose="020B0604020202020204" pitchFamily="34" charset="0"/>
                 <a:cs typeface="Arial" panose="020B0604020202020204" pitchFamily="34" charset="0"/>
               </a:rPr>
-              <a:t>Referências</a:t>
+              <a:t>Autenticação</a:t>
+            </a:r>
+            <a:r>
+              <a:rPr lang="en-US" sz="2800" dirty="0">
+                <a:solidFill>
+                  <a:srgbClr val="025682"/>
+                </a:solidFill>
+                <a:latin typeface="Arial" panose="020B0604020202020204" pitchFamily="34" charset="0"/>
+                <a:cs typeface="Arial" panose="020B0604020202020204" pitchFamily="34" charset="0"/>
+              </a:rPr>
+              <a:t> de </a:t>
+            </a:r>
+            <a:r>
+              <a:rPr lang="en-US" sz="2800" dirty="0" err="1">
+                <a:solidFill>
+                  <a:srgbClr val="025682"/>
+                </a:solidFill>
+                <a:latin typeface="Arial" panose="020B0604020202020204" pitchFamily="34" charset="0"/>
+                <a:cs typeface="Arial" panose="020B0604020202020204" pitchFamily="34" charset="0"/>
+              </a:rPr>
+              <a:t>Usuário</a:t>
             </a:r>
             <a:endParaRPr lang="pt-BR" sz="2800" dirty="0">
               <a:solidFill>
@@ -5199,399 +5595,45 @@
           </a:p>
         </p:txBody>
       </p:sp>
-      <p:sp>
-        <p:nvSpPr>
-          <p:cNvPr id="3" name="Content Placeholder 2">
-            <a:extLst>
-              <a:ext uri="{FF2B5EF4-FFF2-40B4-BE49-F238E27FC236}">
-                <a16:creationId xmlns:a16="http://schemas.microsoft.com/office/drawing/2014/main" id="{DAD9E088-4201-448E-9AE1-DC299E570318}"/>
-              </a:ext>
-            </a:extLst>
-          </p:cNvPr>
-          <p:cNvSpPr>
-            <a:spLocks noGrp="1"/>
-          </p:cNvSpPr>
+      <p:pic>
+        <p:nvPicPr>
+          <p:cNvPr id="5" name="Content Placeholder 4">
+            <a:extLst>
+              <a:ext uri="{FF2B5EF4-FFF2-40B4-BE49-F238E27FC236}">
+                <a16:creationId xmlns:a16="http://schemas.microsoft.com/office/drawing/2014/main" id="{1394479F-A769-4B3C-95F0-F67A8087E48A}"/>
+              </a:ext>
+            </a:extLst>
+          </p:cNvPr>
+          <p:cNvPicPr>
+            <a:picLocks noGrp="1" noChangeAspect="1"/>
+          </p:cNvPicPr>
           <p:nvPr>
             <p:ph idx="1"/>
           </p:nvPr>
-        </p:nvSpPr>
+        </p:nvPicPr>
+        <p:blipFill>
+          <a:blip r:embed="rId2">
+            <a:extLst>
+              <a:ext uri="{28A0092B-C50C-407E-A947-70E740481C1C}">
+                <a14:useLocalDpi xmlns:a14="http://schemas.microsoft.com/office/drawing/2010/main" val="0"/>
+              </a:ext>
+            </a:extLst>
+          </a:blip>
+          <a:stretch>
+            <a:fillRect/>
+          </a:stretch>
+        </p:blipFill>
         <p:spPr>
           <a:xfrm>
-            <a:off x="677334" y="1553592"/>
-            <a:ext cx="8596668" cy="4487770"/>
+            <a:off x="354099" y="1172483"/>
+            <a:ext cx="11483801" cy="5320391"/>
           </a:xfrm>
         </p:spPr>
-        <p:txBody>
-          <a:bodyPr>
-            <a:normAutofit/>
-          </a:bodyPr>
-          <a:lstStyle/>
-          <a:p>
-            <a:r>
-              <a:rPr lang="pt-BR" sz="1600" dirty="0">
-                <a:effectLst/>
-                <a:latin typeface="Arial" panose="020B0604020202020204" pitchFamily="34" charset="0"/>
-                <a:ea typeface="Times New Roman" panose="02020603050405020304" pitchFamily="18" charset="0"/>
-                <a:cs typeface="Arial" panose="020B0604020202020204" pitchFamily="34" charset="0"/>
-              </a:rPr>
-              <a:t>DUARTE, L. </a:t>
-            </a:r>
-            <a:r>
-              <a:rPr lang="pt-BR" sz="1600" b="1" dirty="0">
-                <a:effectLst/>
-                <a:latin typeface="Arial" panose="020B0604020202020204" pitchFamily="34" charset="0"/>
-                <a:ea typeface="Times New Roman" panose="02020603050405020304" pitchFamily="18" charset="0"/>
-                <a:cs typeface="Arial" panose="020B0604020202020204" pitchFamily="34" charset="0"/>
-              </a:rPr>
-              <a:t>O que é um micro servico ou microservice?</a:t>
-            </a:r>
-            <a:r>
-              <a:rPr lang="pt-BR" sz="1600" dirty="0">
-                <a:effectLst/>
-                <a:latin typeface="Arial" panose="020B0604020202020204" pitchFamily="34" charset="0"/>
-                <a:ea typeface="Times New Roman" panose="02020603050405020304" pitchFamily="18" charset="0"/>
-                <a:cs typeface="Arial" panose="020B0604020202020204" pitchFamily="34" charset="0"/>
-              </a:rPr>
-              <a:t> Disponível em: </a:t>
-            </a:r>
-            <a:r>
-              <a:rPr lang="pt-BR" sz="1600" u="sng" dirty="0">
-                <a:solidFill>
-                  <a:srgbClr val="000000"/>
-                </a:solidFill>
-                <a:effectLst/>
-                <a:latin typeface="Arial" panose="020B0604020202020204" pitchFamily="34" charset="0"/>
-                <a:ea typeface="Times New Roman" panose="02020603050405020304" pitchFamily="18" charset="0"/>
-                <a:cs typeface="Arial" panose="020B0604020202020204" pitchFamily="34" charset="0"/>
-                <a:hlinkClick r:id="rId2"/>
-              </a:rPr>
-              <a:t>https://www.luiztools.com.br/post/o-que-e-um-micro-servico-ou-microservice/</a:t>
-            </a:r>
-            <a:endParaRPr lang="pt-BR" sz="1600" u="sng" dirty="0">
-              <a:solidFill>
-                <a:srgbClr val="000000"/>
-              </a:solidFill>
-              <a:effectLst/>
-              <a:latin typeface="Arial" panose="020B0604020202020204" pitchFamily="34" charset="0"/>
-              <a:ea typeface="Times New Roman" panose="02020603050405020304" pitchFamily="18" charset="0"/>
-              <a:cs typeface="Arial" panose="020B0604020202020204" pitchFamily="34" charset="0"/>
-            </a:endParaRPr>
-          </a:p>
-          <a:p>
-            <a:r>
-              <a:rPr lang="pt-BR" sz="1600" dirty="0">
-                <a:effectLst/>
-                <a:latin typeface="Arial" panose="020B0604020202020204" pitchFamily="34" charset="0"/>
-                <a:ea typeface="Times New Roman" panose="02020603050405020304" pitchFamily="18" charset="0"/>
-                <a:cs typeface="Arial" panose="020B0604020202020204" pitchFamily="34" charset="0"/>
-              </a:rPr>
-              <a:t>VERTIGO TECNOLOGIA. </a:t>
-            </a:r>
-            <a:r>
-              <a:rPr lang="pt-BR" sz="1600" b="1" dirty="0">
-                <a:effectLst/>
-                <a:latin typeface="Arial" panose="020B0604020202020204" pitchFamily="34" charset="0"/>
-                <a:ea typeface="Times New Roman" panose="02020603050405020304" pitchFamily="18" charset="0"/>
-                <a:cs typeface="Arial" panose="020B0604020202020204" pitchFamily="34" charset="0"/>
-              </a:rPr>
-              <a:t>Qual a diferença entre microsserviços e APIs? </a:t>
-            </a:r>
-            <a:r>
-              <a:rPr lang="pt-BR" sz="1600" dirty="0">
-                <a:effectLst/>
-                <a:latin typeface="Arial" panose="020B0604020202020204" pitchFamily="34" charset="0"/>
-                <a:ea typeface="Times New Roman" panose="02020603050405020304" pitchFamily="18" charset="0"/>
-                <a:cs typeface="Arial" panose="020B0604020202020204" pitchFamily="34" charset="0"/>
-              </a:rPr>
-              <a:t>Disponível em: </a:t>
-            </a:r>
-            <a:r>
-              <a:rPr lang="pt-BR" sz="1600" u="sng" dirty="0">
-                <a:solidFill>
-                  <a:srgbClr val="000000"/>
-                </a:solidFill>
-                <a:effectLst/>
-                <a:latin typeface="Arial" panose="020B0604020202020204" pitchFamily="34" charset="0"/>
-                <a:ea typeface="Times New Roman" panose="02020603050405020304" pitchFamily="18" charset="0"/>
-                <a:cs typeface="Arial" panose="020B0604020202020204" pitchFamily="34" charset="0"/>
-                <a:hlinkClick r:id="rId3"/>
-              </a:rPr>
-              <a:t>https://vertigo.com.br/diferenca-entre-microsservicos-e-apis/</a:t>
-            </a:r>
-            <a:r>
-              <a:rPr lang="pt-BR" sz="1600" dirty="0">
-                <a:effectLst/>
-                <a:latin typeface="Arial" panose="020B0604020202020204" pitchFamily="34" charset="0"/>
-                <a:ea typeface="Times New Roman" panose="02020603050405020304" pitchFamily="18" charset="0"/>
-                <a:cs typeface="Arial" panose="020B0604020202020204" pitchFamily="34" charset="0"/>
-              </a:rPr>
-              <a:t> </a:t>
-            </a:r>
-          </a:p>
-          <a:p>
-            <a:pPr algn="just">
-              <a:spcBef>
-                <a:spcPts val="600"/>
-              </a:spcBef>
-              <a:tabLst>
-                <a:tab pos="457200" algn="l"/>
-              </a:tabLst>
-            </a:pPr>
-            <a:r>
-              <a:rPr lang="pt-BR" sz="1600" dirty="0">
-                <a:effectLst/>
-                <a:latin typeface="Arial" panose="020B0604020202020204" pitchFamily="34" charset="0"/>
-                <a:ea typeface="Times New Roman" panose="02020603050405020304" pitchFamily="18" charset="0"/>
-                <a:cs typeface="Arial" panose="020B0604020202020204" pitchFamily="34" charset="0"/>
-              </a:rPr>
-              <a:t>DUARTE, L. </a:t>
-            </a:r>
-            <a:r>
-              <a:rPr lang="pt-BR" sz="1600" b="1" dirty="0">
-                <a:effectLst/>
-                <a:latin typeface="Arial" panose="020B0604020202020204" pitchFamily="34" charset="0"/>
-                <a:ea typeface="Times New Roman" panose="02020603050405020304" pitchFamily="18" charset="0"/>
-                <a:cs typeface="Arial" panose="020B0604020202020204" pitchFamily="34" charset="0"/>
-              </a:rPr>
-              <a:t>O que é um micro servico ou microservice?</a:t>
-            </a:r>
-            <a:r>
-              <a:rPr lang="pt-BR" sz="1600" dirty="0">
-                <a:effectLst/>
-                <a:latin typeface="Arial" panose="020B0604020202020204" pitchFamily="34" charset="0"/>
-                <a:ea typeface="Times New Roman" panose="02020603050405020304" pitchFamily="18" charset="0"/>
-                <a:cs typeface="Arial" panose="020B0604020202020204" pitchFamily="34" charset="0"/>
-              </a:rPr>
-              <a:t> Disponível em: </a:t>
-            </a:r>
-            <a:r>
-              <a:rPr lang="pt-BR" sz="1600" u="sng" dirty="0">
-                <a:solidFill>
-                  <a:srgbClr val="000000"/>
-                </a:solidFill>
-                <a:effectLst/>
-                <a:latin typeface="Arial" panose="020B0604020202020204" pitchFamily="34" charset="0"/>
-                <a:ea typeface="Times New Roman" panose="02020603050405020304" pitchFamily="18" charset="0"/>
-                <a:cs typeface="Arial" panose="020B0604020202020204" pitchFamily="34" charset="0"/>
-                <a:hlinkClick r:id="rId2"/>
-              </a:rPr>
-              <a:t>https://www.luiztools.com.br/post/o-que-e-um-micro-servico-ou-microservice/</a:t>
-            </a:r>
-            <a:endParaRPr lang="pt-BR" sz="1600" u="sng" dirty="0">
-              <a:solidFill>
-                <a:srgbClr val="000000"/>
-              </a:solidFill>
-              <a:effectLst/>
-              <a:latin typeface="Arial" panose="020B0604020202020204" pitchFamily="34" charset="0"/>
-              <a:ea typeface="Times New Roman" panose="02020603050405020304" pitchFamily="18" charset="0"/>
-              <a:cs typeface="Arial" panose="020B0604020202020204" pitchFamily="34" charset="0"/>
-            </a:endParaRPr>
-          </a:p>
-          <a:p>
-            <a:pPr algn="just">
-              <a:spcBef>
-                <a:spcPts val="600"/>
-              </a:spcBef>
-              <a:tabLst>
-                <a:tab pos="457200" algn="l"/>
-              </a:tabLst>
-            </a:pPr>
-            <a:r>
-              <a:rPr lang="pt-BR" sz="1600" u="sng" dirty="0">
-                <a:solidFill>
-                  <a:srgbClr val="0563C1"/>
-                </a:solidFill>
-                <a:effectLst/>
-                <a:latin typeface="Arial" panose="020B0604020202020204" pitchFamily="34" charset="0"/>
-                <a:ea typeface="Times New Roman" panose="02020603050405020304" pitchFamily="18" charset="0"/>
-                <a:cs typeface="Arial" panose="020B0604020202020204" pitchFamily="34" charset="0"/>
-              </a:rPr>
-              <a:t>COMPUTERWORLD</a:t>
-            </a:r>
-            <a:r>
-              <a:rPr lang="pt-BR" sz="1600" dirty="0">
-                <a:effectLst/>
-                <a:latin typeface="Arial" panose="020B0604020202020204" pitchFamily="34" charset="0"/>
-                <a:ea typeface="Times New Roman" panose="02020603050405020304" pitchFamily="18" charset="0"/>
-                <a:cs typeface="Arial" panose="020B0604020202020204" pitchFamily="34" charset="0"/>
-              </a:rPr>
-              <a:t>. </a:t>
-            </a:r>
-            <a:r>
-              <a:rPr lang="pt-BR" sz="1600" b="1" dirty="0">
-                <a:effectLst/>
-                <a:latin typeface="Arial" panose="020B0604020202020204" pitchFamily="34" charset="0"/>
-                <a:ea typeface="Times New Roman" panose="02020603050405020304" pitchFamily="18" charset="0"/>
-                <a:cs typeface="Arial" panose="020B0604020202020204" pitchFamily="34" charset="0"/>
-              </a:rPr>
-              <a:t>Microsserviços não são ideais para todas as empresas</a:t>
-            </a:r>
-            <a:r>
-              <a:rPr lang="pt-BR" sz="1600" dirty="0">
-                <a:effectLst/>
-                <a:latin typeface="Arial" panose="020B0604020202020204" pitchFamily="34" charset="0"/>
-                <a:ea typeface="Times New Roman" panose="02020603050405020304" pitchFamily="18" charset="0"/>
-                <a:cs typeface="Arial" panose="020B0604020202020204" pitchFamily="34" charset="0"/>
-              </a:rPr>
-              <a:t> Disponível em: </a:t>
-            </a:r>
-            <a:r>
-              <a:rPr lang="pt-BR" sz="1600" u="sng" dirty="0">
-                <a:solidFill>
-                  <a:srgbClr val="000000"/>
-                </a:solidFill>
-                <a:effectLst/>
-                <a:latin typeface="Arial" panose="020B0604020202020204" pitchFamily="34" charset="0"/>
-                <a:ea typeface="Times New Roman" panose="02020603050405020304" pitchFamily="18" charset="0"/>
-                <a:cs typeface="Arial" panose="020B0604020202020204" pitchFamily="34" charset="0"/>
-                <a:hlinkClick r:id="rId4"/>
-              </a:rPr>
-              <a:t>https://computerworld.com.br/plataformas/microsservicos-nao-sao-ideais-para-todas-as-empresas/</a:t>
-            </a:r>
-            <a:endParaRPr lang="pt-BR" sz="1600" u="sng" dirty="0">
-              <a:solidFill>
-                <a:srgbClr val="000000"/>
-              </a:solidFill>
-              <a:latin typeface="Arial" panose="020B0604020202020204" pitchFamily="34" charset="0"/>
-              <a:ea typeface="Times New Roman" panose="02020603050405020304" pitchFamily="18" charset="0"/>
-              <a:cs typeface="Arial" panose="020B0604020202020204" pitchFamily="34" charset="0"/>
-            </a:endParaRPr>
-          </a:p>
-          <a:p>
-            <a:pPr algn="just">
-              <a:spcBef>
-                <a:spcPts val="600"/>
-              </a:spcBef>
-              <a:tabLst>
-                <a:tab pos="457200" algn="l"/>
-              </a:tabLst>
-            </a:pPr>
-            <a:r>
-              <a:rPr lang="en-US" sz="1600" dirty="0">
-                <a:effectLst/>
-                <a:latin typeface="Arial" panose="020B0604020202020204" pitchFamily="34" charset="0"/>
-                <a:ea typeface="Times New Roman" panose="02020603050405020304" pitchFamily="18" charset="0"/>
-                <a:cs typeface="Arial" panose="020B0604020202020204" pitchFamily="34" charset="0"/>
-              </a:rPr>
-              <a:t>ARSOV, K. </a:t>
-            </a:r>
-            <a:r>
-              <a:rPr lang="en-US" sz="1600" b="1" dirty="0">
-                <a:effectLst/>
-                <a:latin typeface="Arial" panose="020B0604020202020204" pitchFamily="34" charset="0"/>
-                <a:ea typeface="Times New Roman" panose="02020603050405020304" pitchFamily="18" charset="0"/>
-                <a:cs typeface="Arial" panose="020B0604020202020204" pitchFamily="34" charset="0"/>
-              </a:rPr>
-              <a:t>5 Steps to Successfully Prepare for Microservices. </a:t>
-            </a:r>
-            <a:r>
-              <a:rPr lang="pt-BR" sz="1600" dirty="0">
-                <a:effectLst/>
-                <a:latin typeface="Arial" panose="020B0604020202020204" pitchFamily="34" charset="0"/>
-                <a:ea typeface="Times New Roman" panose="02020603050405020304" pitchFamily="18" charset="0"/>
-                <a:cs typeface="Arial" panose="020B0604020202020204" pitchFamily="34" charset="0"/>
-              </a:rPr>
-              <a:t>Disponível em: </a:t>
-            </a:r>
-            <a:r>
-              <a:rPr lang="en-US" sz="1600" u="none" strike="noStrike" dirty="0">
-                <a:solidFill>
-                  <a:srgbClr val="0563C1"/>
-                </a:solidFill>
-                <a:effectLst/>
-                <a:latin typeface="Arial" panose="020B0604020202020204" pitchFamily="34" charset="0"/>
-                <a:ea typeface="Times New Roman" panose="02020603050405020304" pitchFamily="18" charset="0"/>
-                <a:cs typeface="Arial" panose="020B0604020202020204" pitchFamily="34" charset="0"/>
-                <a:hlinkClick r:id="rId5"/>
-              </a:rPr>
-              <a:t> </a:t>
-            </a:r>
-            <a:r>
-              <a:rPr lang="pt-BR" sz="1600" u="sng" dirty="0">
-                <a:solidFill>
-                  <a:srgbClr val="000000"/>
-                </a:solidFill>
-                <a:effectLst/>
-                <a:latin typeface="Arial" panose="020B0604020202020204" pitchFamily="34" charset="0"/>
-                <a:ea typeface="Times New Roman" panose="02020603050405020304" pitchFamily="18" charset="0"/>
-                <a:cs typeface="Arial" panose="020B0604020202020204" pitchFamily="34" charset="0"/>
-                <a:hlinkClick r:id="rId5"/>
-              </a:rPr>
-              <a:t>https://dzone.com/articles/5-steps-to-successfully-prepare-for-microservices/</a:t>
-            </a:r>
-            <a:endParaRPr lang="pt-BR" sz="1600" dirty="0">
-              <a:effectLst/>
-              <a:latin typeface="Arial" panose="020B0604020202020204" pitchFamily="34" charset="0"/>
-              <a:ea typeface="Times New Roman" panose="02020603050405020304" pitchFamily="18" charset="0"/>
-              <a:cs typeface="Arial" panose="020B0604020202020204" pitchFamily="34" charset="0"/>
-            </a:endParaRPr>
-          </a:p>
-          <a:p>
-            <a:pPr algn="just">
-              <a:spcBef>
-                <a:spcPts val="600"/>
-              </a:spcBef>
-              <a:tabLst>
-                <a:tab pos="457200" algn="l"/>
-              </a:tabLst>
-            </a:pPr>
-            <a:r>
-              <a:rPr lang="pt-BR" sz="1600" dirty="0">
-                <a:latin typeface="Arial" panose="020B0604020202020204" pitchFamily="34" charset="0"/>
-                <a:ea typeface="Times New Roman" panose="02020603050405020304" pitchFamily="18" charset="0"/>
-                <a:cs typeface="Arial" panose="020B0604020202020204" pitchFamily="34" charset="0"/>
-              </a:rPr>
-              <a:t>AMAZON. </a:t>
-            </a:r>
-            <a:r>
-              <a:rPr lang="pt-BR" sz="1600" b="1" dirty="0">
-                <a:latin typeface="Arial" panose="020B0604020202020204" pitchFamily="34" charset="0"/>
-                <a:ea typeface="Times New Roman" panose="02020603050405020304" pitchFamily="18" charset="0"/>
-                <a:cs typeface="Arial" panose="020B0604020202020204" pitchFamily="34" charset="0"/>
-              </a:rPr>
-              <a:t>Simple Microservices Architecture on AWS</a:t>
-            </a:r>
-            <a:r>
-              <a:rPr lang="pt-BR" sz="1600" dirty="0">
-                <a:latin typeface="Arial" panose="020B0604020202020204" pitchFamily="34" charset="0"/>
-                <a:ea typeface="Times New Roman" panose="02020603050405020304" pitchFamily="18" charset="0"/>
-                <a:cs typeface="Arial" panose="020B0604020202020204" pitchFamily="34" charset="0"/>
-              </a:rPr>
-              <a:t>  Disponível em: </a:t>
-            </a:r>
-            <a:r>
-              <a:rPr lang="pt-BR" sz="1600" dirty="0">
-                <a:latin typeface="Arial" panose="020B0604020202020204" pitchFamily="34" charset="0"/>
-                <a:ea typeface="Times New Roman" panose="02020603050405020304" pitchFamily="18" charset="0"/>
-                <a:cs typeface="Arial" panose="020B0604020202020204" pitchFamily="34" charset="0"/>
-                <a:hlinkClick r:id="rId6"/>
-              </a:rPr>
-              <a:t>https://docs.aws.amazon.com/whitepapers/latest/microservices-on-aws/simple-microservices-architecture-on-aws.html</a:t>
-            </a:r>
-            <a:r>
-              <a:rPr lang="pt-BR" sz="1600" dirty="0">
-                <a:latin typeface="Arial" panose="020B0604020202020204" pitchFamily="34" charset="0"/>
-                <a:ea typeface="Times New Roman" panose="02020603050405020304" pitchFamily="18" charset="0"/>
-                <a:cs typeface="Arial" panose="020B0604020202020204" pitchFamily="34" charset="0"/>
-              </a:rPr>
-              <a:t> </a:t>
-            </a:r>
-            <a:endParaRPr lang="pt-BR" sz="1600" dirty="0">
-              <a:effectLst/>
-              <a:latin typeface="Arial" panose="020B0604020202020204" pitchFamily="34" charset="0"/>
-              <a:ea typeface="Times New Roman" panose="02020603050405020304" pitchFamily="18" charset="0"/>
-              <a:cs typeface="Arial" panose="020B0604020202020204" pitchFamily="34" charset="0"/>
-            </a:endParaRPr>
-          </a:p>
-          <a:p>
-            <a:endParaRPr lang="pt-BR" dirty="0"/>
-          </a:p>
-        </p:txBody>
-      </p:sp>
+      </p:pic>
     </p:spTree>
     <p:extLst>
       <p:ext uri="{BB962C8B-B14F-4D97-AF65-F5344CB8AC3E}">
-        <p14:creationId xmlns:p14="http://schemas.microsoft.com/office/powerpoint/2010/main" val="164363820"/>
+        <p14:creationId xmlns:p14="http://schemas.microsoft.com/office/powerpoint/2010/main" val="3237794919"/>
       </p:ext>
     </p:extLst>
   </p:cSld>
@@ -5623,68 +5665,21 @@
           <p:cNvPr id="2" name="Title 1">
             <a:extLst>
               <a:ext uri="{FF2B5EF4-FFF2-40B4-BE49-F238E27FC236}">
-                <a16:creationId xmlns:a16="http://schemas.microsoft.com/office/drawing/2014/main" id="{5B7BD697-9961-4D18-8544-56E94C905603}"/>
-              </a:ext>
-            </a:extLst>
-          </p:cNvPr>
-          <p:cNvSpPr>
-            <a:spLocks noGrp="1"/>
-          </p:cNvSpPr>
-          <p:nvPr>
-            <p:ph type="ctrTitle"/>
+                <a16:creationId xmlns:a16="http://schemas.microsoft.com/office/drawing/2014/main" id="{7725BC61-C290-4750-A1E4-D4D1D7122C8D}"/>
+              </a:ext>
+            </a:extLst>
+          </p:cNvPr>
+          <p:cNvSpPr>
+            <a:spLocks noGrp="1"/>
+          </p:cNvSpPr>
+          <p:nvPr>
+            <p:ph type="title"/>
           </p:nvPr>
         </p:nvSpPr>
         <p:spPr>
           <a:xfrm>
-            <a:off x="-2" y="356040"/>
-            <a:ext cx="12191999" cy="1646302"/>
-          </a:xfrm>
-        </p:spPr>
-        <p:txBody>
-          <a:bodyPr/>
-          <a:lstStyle/>
-          <a:p>
-            <a:r>
-              <a:rPr lang="en-US" dirty="0" err="1">
-                <a:latin typeface="Arial" panose="020B0604020202020204" pitchFamily="34" charset="0"/>
-                <a:cs typeface="Arial" panose="020B0604020202020204" pitchFamily="34" charset="0"/>
-              </a:rPr>
-              <a:t>Obrigado</a:t>
-            </a:r>
-            <a:r>
-              <a:rPr lang="en-US" dirty="0">
-                <a:latin typeface="Arial" panose="020B0604020202020204" pitchFamily="34" charset="0"/>
-                <a:cs typeface="Arial" panose="020B0604020202020204" pitchFamily="34" charset="0"/>
-              </a:rPr>
-              <a:t>!</a:t>
-            </a:r>
-            <a:endParaRPr lang="pt-BR" dirty="0">
-              <a:latin typeface="Arial" panose="020B0604020202020204" pitchFamily="34" charset="0"/>
-              <a:cs typeface="Arial" panose="020B0604020202020204" pitchFamily="34" charset="0"/>
-            </a:endParaRPr>
-          </a:p>
-        </p:txBody>
-      </p:sp>
-      <p:sp>
-        <p:nvSpPr>
-          <p:cNvPr id="3" name="Subtitle 2">
-            <a:extLst>
-              <a:ext uri="{FF2B5EF4-FFF2-40B4-BE49-F238E27FC236}">
-                <a16:creationId xmlns:a16="http://schemas.microsoft.com/office/drawing/2014/main" id="{3D751AE7-8D53-416E-9290-0BB95AB76FA9}"/>
-              </a:ext>
-            </a:extLst>
-          </p:cNvPr>
-          <p:cNvSpPr>
-            <a:spLocks noGrp="1"/>
-          </p:cNvSpPr>
-          <p:nvPr>
-            <p:ph type="subTitle" idx="1"/>
-          </p:nvPr>
-        </p:nvSpPr>
-        <p:spPr>
-          <a:xfrm>
-            <a:off x="-3" y="2277044"/>
-            <a:ext cx="12191999" cy="1096899"/>
+            <a:off x="608968" y="506033"/>
+            <a:ext cx="3932237" cy="1000957"/>
           </a:xfrm>
         </p:spPr>
         <p:txBody>
@@ -5694,128 +5689,313 @@
           <a:lstStyle/>
           <a:p>
             <a:r>
-              <a:rPr lang="en-US" sz="2400" b="1" dirty="0">
-                <a:solidFill>
-                  <a:schemeClr val="tx1"/>
-                </a:solidFill>
-                <a:latin typeface="Arial" panose="020B0604020202020204" pitchFamily="34" charset="0"/>
-                <a:cs typeface="Arial" panose="020B0604020202020204" pitchFamily="34" charset="0"/>
-              </a:rPr>
-              <a:t>Alexandre Peluchi de Oliveira Junior</a:t>
-            </a:r>
-          </a:p>
-          <a:p>
-            <a:r>
-              <a:rPr lang="pt-BR" sz="2400" dirty="0">
-                <a:solidFill>
-                  <a:schemeClr val="tx1"/>
-                </a:solidFill>
-                <a:latin typeface="Arial" panose="020B0604020202020204" pitchFamily="34" charset="0"/>
-                <a:cs typeface="Arial" panose="020B0604020202020204" pitchFamily="34" charset="0"/>
-              </a:rPr>
-              <a:t>alexandrepeluchi@gmail.com</a:t>
-            </a:r>
+              <a:rPr lang="en-US" sz="2400" dirty="0" err="1">
+                <a:solidFill>
+                  <a:srgbClr val="025682"/>
+                </a:solidFill>
+                <a:latin typeface="Arial" panose="020B0604020202020204" pitchFamily="34" charset="0"/>
+                <a:cs typeface="Arial" panose="020B0604020202020204" pitchFamily="34" charset="0"/>
+              </a:rPr>
+              <a:t>Autenticação</a:t>
+            </a:r>
+            <a:r>
+              <a:rPr lang="en-US" sz="2400" dirty="0">
+                <a:solidFill>
+                  <a:srgbClr val="025682"/>
+                </a:solidFill>
+                <a:latin typeface="Arial" panose="020B0604020202020204" pitchFamily="34" charset="0"/>
+                <a:cs typeface="Arial" panose="020B0604020202020204" pitchFamily="34" charset="0"/>
+              </a:rPr>
+              <a:t> com </a:t>
+            </a:r>
+            <a:r>
+              <a:rPr lang="en-US" sz="2400" dirty="0" err="1">
+                <a:solidFill>
+                  <a:srgbClr val="025682"/>
+                </a:solidFill>
+                <a:latin typeface="Arial" panose="020B0604020202020204" pitchFamily="34" charset="0"/>
+                <a:cs typeface="Arial" panose="020B0604020202020204" pitchFamily="34" charset="0"/>
+              </a:rPr>
+              <a:t>usuário</a:t>
+            </a:r>
+            <a:r>
+              <a:rPr lang="en-US" sz="2400" dirty="0">
+                <a:solidFill>
+                  <a:srgbClr val="025682"/>
+                </a:solidFill>
+                <a:latin typeface="Arial" panose="020B0604020202020204" pitchFamily="34" charset="0"/>
+                <a:cs typeface="Arial" panose="020B0604020202020204" pitchFamily="34" charset="0"/>
+              </a:rPr>
+              <a:t> do </a:t>
+            </a:r>
+            <a:r>
+              <a:rPr lang="en-US" sz="2400" dirty="0" err="1">
+                <a:solidFill>
+                  <a:srgbClr val="025682"/>
+                </a:solidFill>
+                <a:latin typeface="Arial" panose="020B0604020202020204" pitchFamily="34" charset="0"/>
+                <a:cs typeface="Arial" panose="020B0604020202020204" pitchFamily="34" charset="0"/>
+              </a:rPr>
+              <a:t>tipo</a:t>
+            </a:r>
+            <a:r>
+              <a:rPr lang="en-US" sz="2400" dirty="0">
+                <a:solidFill>
+                  <a:srgbClr val="025682"/>
+                </a:solidFill>
+                <a:latin typeface="Arial" panose="020B0604020202020204" pitchFamily="34" charset="0"/>
+                <a:cs typeface="Arial" panose="020B0604020202020204" pitchFamily="34" charset="0"/>
+              </a:rPr>
+              <a:t> </a:t>
+            </a:r>
+            <a:r>
+              <a:rPr lang="en-US" sz="2400" dirty="0" err="1">
+                <a:solidFill>
+                  <a:srgbClr val="025682"/>
+                </a:solidFill>
+                <a:latin typeface="Arial" panose="020B0604020202020204" pitchFamily="34" charset="0"/>
+                <a:cs typeface="Arial" panose="020B0604020202020204" pitchFamily="34" charset="0"/>
+              </a:rPr>
+              <a:t>Gerente</a:t>
+            </a:r>
+            <a:r>
+              <a:rPr lang="en-US" sz="2400" dirty="0">
+                <a:solidFill>
+                  <a:srgbClr val="025682"/>
+                </a:solidFill>
+                <a:latin typeface="Arial" panose="020B0604020202020204" pitchFamily="34" charset="0"/>
+                <a:cs typeface="Arial" panose="020B0604020202020204" pitchFamily="34" charset="0"/>
+              </a:rPr>
+              <a:t>.</a:t>
+            </a:r>
+            <a:endParaRPr lang="pt-BR" sz="2400" dirty="0">
+              <a:solidFill>
+                <a:srgbClr val="025682"/>
+              </a:solidFill>
+              <a:latin typeface="Arial" panose="020B0604020202020204" pitchFamily="34" charset="0"/>
+              <a:cs typeface="Arial" panose="020B0604020202020204" pitchFamily="34" charset="0"/>
+            </a:endParaRPr>
           </a:p>
         </p:txBody>
       </p:sp>
       <p:pic>
         <p:nvPicPr>
-          <p:cNvPr id="5" name="Picture 4">
-            <a:extLst>
-              <a:ext uri="{FF2B5EF4-FFF2-40B4-BE49-F238E27FC236}">
-                <a16:creationId xmlns:a16="http://schemas.microsoft.com/office/drawing/2014/main" id="{C53899C4-9F79-4FBF-9D7C-396AFC6970FB}"/>
+          <p:cNvPr id="5" name="Content Placeholder 4">
+            <a:extLst>
+              <a:ext uri="{FF2B5EF4-FFF2-40B4-BE49-F238E27FC236}">
+                <a16:creationId xmlns:a16="http://schemas.microsoft.com/office/drawing/2014/main" id="{1C727E0F-EE06-4209-99B7-32447F7F9670}"/>
               </a:ext>
             </a:extLst>
           </p:cNvPr>
           <p:cNvPicPr>
-            <a:picLocks noChangeAspect="1"/>
+            <a:picLocks noGrp="1" noChangeAspect="1"/>
           </p:cNvPicPr>
-          <p:nvPr/>
+          <p:nvPr>
+            <p:ph idx="1"/>
+          </p:nvPr>
         </p:nvPicPr>
         <p:blipFill>
-          <a:blip r:embed="rId2">
-            <a:extLst>
-              <a:ext uri="{28A0092B-C50C-407E-A947-70E740481C1C}">
-                <a14:useLocalDpi xmlns:a14="http://schemas.microsoft.com/office/drawing/2010/main" val="0"/>
-              </a:ext>
-            </a:extLst>
-          </a:blip>
+          <a:blip r:embed="rId2"/>
           <a:stretch>
             <a:fillRect/>
           </a:stretch>
         </p:blipFill>
         <p:spPr>
           <a:xfrm>
-            <a:off x="5204683" y="3713016"/>
-            <a:ext cx="1782632" cy="1775046"/>
+            <a:off x="4893985" y="365720"/>
+            <a:ext cx="6689047" cy="6126559"/>
           </a:xfrm>
           <a:prstGeom prst="rect">
             <a:avLst/>
           </a:prstGeom>
         </p:spPr>
       </p:pic>
-      <p:sp>
-        <p:nvSpPr>
-          <p:cNvPr id="6" name="TextBox 5">
-            <a:extLst>
-              <a:ext uri="{FF2B5EF4-FFF2-40B4-BE49-F238E27FC236}">
-                <a16:creationId xmlns:a16="http://schemas.microsoft.com/office/drawing/2014/main" id="{DC02BD74-42C8-40F5-9389-75E16DD5B8B0}"/>
-              </a:ext>
-            </a:extLst>
-          </p:cNvPr>
-          <p:cNvSpPr txBox="1"/>
-          <p:nvPr/>
+    </p:spTree>
+    <p:extLst>
+      <p:ext uri="{BB962C8B-B14F-4D97-AF65-F5344CB8AC3E}">
+        <p14:creationId xmlns:p14="http://schemas.microsoft.com/office/powerpoint/2010/main" val="2570384317"/>
+      </p:ext>
+    </p:extLst>
+  </p:cSld>
+  <p:clrMapOvr>
+    <a:masterClrMapping/>
+  </p:clrMapOvr>
+</p:sld>
+</file>
+
+<file path=ppt/slides/slide19.xml><?xml version="1.0" encoding="utf-8"?>
+<p:sld xmlns:a="http://schemas.openxmlformats.org/drawingml/2006/main" xmlns:r="http://schemas.openxmlformats.org/officeDocument/2006/relationships" xmlns:p="http://schemas.openxmlformats.org/presentationml/2006/main">
+  <p:cSld>
+    <p:spTree>
+      <p:nvGrpSpPr>
+        <p:cNvPr id="1" name=""/>
+        <p:cNvGrpSpPr/>
+        <p:nvPr/>
+      </p:nvGrpSpPr>
+      <p:grpSpPr>
+        <a:xfrm>
+          <a:off x="0" y="0"/>
+          <a:ext cx="0" cy="0"/>
+          <a:chOff x="0" y="0"/>
+          <a:chExt cx="0" cy="0"/>
+        </a:xfrm>
+      </p:grpSpPr>
+      <p:sp>
+        <p:nvSpPr>
+          <p:cNvPr id="2" name="Title 1">
+            <a:extLst>
+              <a:ext uri="{FF2B5EF4-FFF2-40B4-BE49-F238E27FC236}">
+                <a16:creationId xmlns:a16="http://schemas.microsoft.com/office/drawing/2014/main" id="{AF0C1CD4-FA9B-4AC8-B7F8-298A50C132A8}"/>
+              </a:ext>
+            </a:extLst>
+          </p:cNvPr>
+          <p:cNvSpPr>
+            <a:spLocks noGrp="1"/>
+          </p:cNvSpPr>
+          <p:nvPr>
+            <p:ph type="title"/>
+          </p:nvPr>
         </p:nvSpPr>
         <p:spPr>
           <a:xfrm>
-            <a:off x="4533689" y="5488062"/>
-            <a:ext cx="3124619" cy="769441"/>
+            <a:off x="838200" y="542679"/>
+            <a:ext cx="10515600" cy="815605"/>
+          </a:xfrm>
+        </p:spPr>
+        <p:txBody>
+          <a:bodyPr>
+            <a:normAutofit/>
+          </a:bodyPr>
+          <a:lstStyle/>
+          <a:p>
+            <a:r>
+              <a:rPr lang="en-US" sz="2800" dirty="0" err="1">
+                <a:solidFill>
+                  <a:srgbClr val="025682"/>
+                </a:solidFill>
+                <a:latin typeface="Arial" panose="020B0604020202020204" pitchFamily="34" charset="0"/>
+                <a:cs typeface="Arial" panose="020B0604020202020204" pitchFamily="34" charset="0"/>
+              </a:rPr>
+              <a:t>Busca</a:t>
+            </a:r>
+            <a:r>
+              <a:rPr lang="en-US" sz="2800" dirty="0">
+                <a:solidFill>
+                  <a:srgbClr val="025682"/>
+                </a:solidFill>
+                <a:latin typeface="Arial" panose="020B0604020202020204" pitchFamily="34" charset="0"/>
+                <a:cs typeface="Arial" panose="020B0604020202020204" pitchFamily="34" charset="0"/>
+              </a:rPr>
+              <a:t> de </a:t>
+            </a:r>
+            <a:r>
+              <a:rPr lang="en-US" sz="2800" dirty="0" err="1">
+                <a:solidFill>
+                  <a:srgbClr val="025682"/>
+                </a:solidFill>
+                <a:latin typeface="Arial" panose="020B0604020202020204" pitchFamily="34" charset="0"/>
+                <a:cs typeface="Arial" panose="020B0604020202020204" pitchFamily="34" charset="0"/>
+              </a:rPr>
+              <a:t>Produtos</a:t>
+            </a:r>
+            <a:r>
+              <a:rPr lang="en-US" sz="2800" dirty="0">
+                <a:solidFill>
+                  <a:srgbClr val="025682"/>
+                </a:solidFill>
+                <a:latin typeface="Arial" panose="020B0604020202020204" pitchFamily="34" charset="0"/>
+                <a:cs typeface="Arial" panose="020B0604020202020204" pitchFamily="34" charset="0"/>
+              </a:rPr>
+              <a:t> e </a:t>
+            </a:r>
+            <a:r>
+              <a:rPr lang="en-US" sz="2800" dirty="0" err="1">
+                <a:solidFill>
+                  <a:srgbClr val="025682"/>
+                </a:solidFill>
+                <a:latin typeface="Arial" panose="020B0604020202020204" pitchFamily="34" charset="0"/>
+                <a:cs typeface="Arial" panose="020B0604020202020204" pitchFamily="34" charset="0"/>
+              </a:rPr>
+              <a:t>Pedidos</a:t>
+            </a:r>
+            <a:endParaRPr lang="pt-BR" sz="2800" dirty="0">
+              <a:solidFill>
+                <a:srgbClr val="025682"/>
+              </a:solidFill>
+              <a:latin typeface="Arial" panose="020B0604020202020204" pitchFamily="34" charset="0"/>
+              <a:cs typeface="Arial" panose="020B0604020202020204" pitchFamily="34" charset="0"/>
+            </a:endParaRPr>
+          </a:p>
+        </p:txBody>
+      </p:sp>
+      <p:pic>
+        <p:nvPicPr>
+          <p:cNvPr id="5" name="Content Placeholder 4">
+            <a:extLst>
+              <a:ext uri="{FF2B5EF4-FFF2-40B4-BE49-F238E27FC236}">
+                <a16:creationId xmlns:a16="http://schemas.microsoft.com/office/drawing/2014/main" id="{870FB845-2BC2-4E68-A4AB-B3DF2AC88744}"/>
+              </a:ext>
+            </a:extLst>
+          </p:cNvPr>
+          <p:cNvPicPr>
+            <a:picLocks noGrp="1" noChangeAspect="1"/>
+          </p:cNvPicPr>
+          <p:nvPr>
+            <p:ph sz="half" idx="1"/>
+          </p:nvPr>
+        </p:nvPicPr>
+        <p:blipFill>
+          <a:blip r:embed="rId2"/>
+          <a:stretch>
+            <a:fillRect/>
+          </a:stretch>
+        </p:blipFill>
+        <p:spPr>
+          <a:xfrm>
+            <a:off x="301840" y="1642368"/>
+            <a:ext cx="5565583" cy="4941525"/>
           </a:xfrm>
           <a:prstGeom prst="rect">
             <a:avLst/>
           </a:prstGeom>
-          <a:noFill/>
         </p:spPr>
-        <p:txBody>
-          <a:bodyPr wrap="square" rtlCol="0">
-            <a:spAutoFit/>
-          </a:bodyPr>
-          <a:lstStyle/>
-          <a:p>
-            <a:r>
-              <a:rPr lang="en-US" sz="4400" b="1" dirty="0">
-                <a:solidFill>
-                  <a:srgbClr val="025682"/>
-                </a:solidFill>
-                <a:latin typeface="Arial" panose="020B0604020202020204" pitchFamily="34" charset="0"/>
-                <a:cs typeface="Arial" panose="020B0604020202020204" pitchFamily="34" charset="0"/>
-              </a:rPr>
-              <a:t>PUC</a:t>
-            </a:r>
-            <a:r>
-              <a:rPr lang="en-US" sz="4400" b="1" dirty="0">
-                <a:solidFill>
-                  <a:srgbClr val="025682"/>
-                </a:solidFill>
-                <a:latin typeface="Century Gothic" panose="020B0502020202020204" pitchFamily="34" charset="0"/>
-                <a:cs typeface="Times New Roman" panose="02020603050405020304" pitchFamily="18" charset="0"/>
-              </a:rPr>
-              <a:t> Minas</a:t>
-            </a:r>
-            <a:endParaRPr lang="pt-BR" sz="4400" b="1" dirty="0">
-              <a:solidFill>
-                <a:srgbClr val="025682"/>
-              </a:solidFill>
-              <a:latin typeface="Century Gothic" panose="020B0502020202020204" pitchFamily="34" charset="0"/>
-              <a:cs typeface="Times New Roman" panose="02020603050405020304" pitchFamily="18" charset="0"/>
-            </a:endParaRPr>
-          </a:p>
-        </p:txBody>
-      </p:sp>
+      </p:pic>
+      <p:pic>
+        <p:nvPicPr>
+          <p:cNvPr id="6" name="Content Placeholder 5">
+            <a:extLst>
+              <a:ext uri="{FF2B5EF4-FFF2-40B4-BE49-F238E27FC236}">
+                <a16:creationId xmlns:a16="http://schemas.microsoft.com/office/drawing/2014/main" id="{63C9A2FD-425E-492D-964F-548F27F9F0AB}"/>
+              </a:ext>
+            </a:extLst>
+          </p:cNvPr>
+          <p:cNvPicPr>
+            <a:picLocks noGrp="1" noChangeAspect="1"/>
+          </p:cNvPicPr>
+          <p:nvPr>
+            <p:ph sz="half" idx="2"/>
+          </p:nvPr>
+        </p:nvPicPr>
+        <p:blipFill>
+          <a:blip r:embed="rId3"/>
+          <a:stretch>
+            <a:fillRect/>
+          </a:stretch>
+        </p:blipFill>
+        <p:spPr>
+          <a:xfrm>
+            <a:off x="5982044" y="1642367"/>
+            <a:ext cx="5371756" cy="4941525"/>
+          </a:xfrm>
+          <a:prstGeom prst="rect">
+            <a:avLst/>
+          </a:prstGeom>
+        </p:spPr>
+      </p:pic>
     </p:spTree>
     <p:extLst>
       <p:ext uri="{BB962C8B-B14F-4D97-AF65-F5344CB8AC3E}">
-        <p14:creationId xmlns:p14="http://schemas.microsoft.com/office/powerpoint/2010/main" val="1954070907"/>
+        <p14:creationId xmlns:p14="http://schemas.microsoft.com/office/powerpoint/2010/main" val="3103421976"/>
       </p:ext>
     </p:extLst>
   </p:cSld>
@@ -5999,6 +6179,831 @@
 </p:sld>
 </file>
 
+<file path=ppt/slides/slide20.xml><?xml version="1.0" encoding="utf-8"?>
+<p:sld xmlns:a="http://schemas.openxmlformats.org/drawingml/2006/main" xmlns:r="http://schemas.openxmlformats.org/officeDocument/2006/relationships" xmlns:p="http://schemas.openxmlformats.org/presentationml/2006/main">
+  <p:cSld>
+    <p:spTree>
+      <p:nvGrpSpPr>
+        <p:cNvPr id="1" name=""/>
+        <p:cNvGrpSpPr/>
+        <p:nvPr/>
+      </p:nvGrpSpPr>
+      <p:grpSpPr>
+        <a:xfrm>
+          <a:off x="0" y="0"/>
+          <a:ext cx="0" cy="0"/>
+          <a:chOff x="0" y="0"/>
+          <a:chExt cx="0" cy="0"/>
+        </a:xfrm>
+      </p:grpSpPr>
+      <p:sp>
+        <p:nvSpPr>
+          <p:cNvPr id="2" name="Title 1">
+            <a:extLst>
+              <a:ext uri="{FF2B5EF4-FFF2-40B4-BE49-F238E27FC236}">
+                <a16:creationId xmlns:a16="http://schemas.microsoft.com/office/drawing/2014/main" id="{0D826B72-0612-4934-94AA-72E113FE6CD8}"/>
+              </a:ext>
+            </a:extLst>
+          </p:cNvPr>
+          <p:cNvSpPr>
+            <a:spLocks noGrp="1"/>
+          </p:cNvSpPr>
+          <p:nvPr>
+            <p:ph type="title"/>
+          </p:nvPr>
+        </p:nvSpPr>
+        <p:spPr>
+          <a:xfrm>
+            <a:off x="677334" y="717884"/>
+            <a:ext cx="8596668" cy="665747"/>
+          </a:xfrm>
+        </p:spPr>
+        <p:txBody>
+          <a:bodyPr>
+            <a:normAutofit/>
+          </a:bodyPr>
+          <a:lstStyle/>
+          <a:p>
+            <a:r>
+              <a:rPr lang="en-US" sz="2800" dirty="0" err="1">
+                <a:solidFill>
+                  <a:srgbClr val="025682"/>
+                </a:solidFill>
+                <a:latin typeface="Arial" panose="020B0604020202020204" pitchFamily="34" charset="0"/>
+                <a:cs typeface="Arial" panose="020B0604020202020204" pitchFamily="34" charset="0"/>
+              </a:rPr>
+              <a:t>Conclusão</a:t>
+            </a:r>
+            <a:endParaRPr lang="pt-BR" sz="2800" dirty="0">
+              <a:solidFill>
+                <a:srgbClr val="025682"/>
+              </a:solidFill>
+              <a:latin typeface="Arial" panose="020B0604020202020204" pitchFamily="34" charset="0"/>
+              <a:cs typeface="Arial" panose="020B0604020202020204" pitchFamily="34" charset="0"/>
+            </a:endParaRPr>
+          </a:p>
+        </p:txBody>
+      </p:sp>
+      <p:sp>
+        <p:nvSpPr>
+          <p:cNvPr id="3" name="Content Placeholder 2">
+            <a:extLst>
+              <a:ext uri="{FF2B5EF4-FFF2-40B4-BE49-F238E27FC236}">
+                <a16:creationId xmlns:a16="http://schemas.microsoft.com/office/drawing/2014/main" id="{4442111F-2EE4-46D1-A969-C4D3B55401B5}"/>
+              </a:ext>
+            </a:extLst>
+          </p:cNvPr>
+          <p:cNvSpPr>
+            <a:spLocks noGrp="1"/>
+          </p:cNvSpPr>
+          <p:nvPr>
+            <p:ph idx="1"/>
+          </p:nvPr>
+        </p:nvSpPr>
+        <p:spPr/>
+        <p:txBody>
+          <a:bodyPr>
+            <a:normAutofit/>
+          </a:bodyPr>
+          <a:lstStyle/>
+          <a:p>
+            <a:r>
+              <a:rPr lang="pt-BR" sz="2400" dirty="0">
+                <a:solidFill>
+                  <a:schemeClr val="tx1"/>
+                </a:solidFill>
+                <a:latin typeface="Arial" panose="020B0604020202020204" pitchFamily="34" charset="0"/>
+                <a:cs typeface="Arial" panose="020B0604020202020204" pitchFamily="34" charset="0"/>
+              </a:rPr>
+              <a:t>Com a finalização do back-end do sistema, pôde-se concluir que o objetivo traçado para esta primeira etapa foi </a:t>
+            </a:r>
+            <a:r>
+              <a:rPr lang="pt-BR" sz="2400" b="1" dirty="0">
+                <a:solidFill>
+                  <a:srgbClr val="025682"/>
+                </a:solidFill>
+                <a:latin typeface="Arial" panose="020B0604020202020204" pitchFamily="34" charset="0"/>
+                <a:cs typeface="Arial" panose="020B0604020202020204" pitchFamily="34" charset="0"/>
+              </a:rPr>
+              <a:t>alcançado</a:t>
+            </a:r>
+            <a:r>
+              <a:rPr lang="pt-BR" sz="2400" dirty="0">
+                <a:solidFill>
+                  <a:schemeClr val="tx1"/>
+                </a:solidFill>
+                <a:latin typeface="Arial" panose="020B0604020202020204" pitchFamily="34" charset="0"/>
+                <a:cs typeface="Arial" panose="020B0604020202020204" pitchFamily="34" charset="0"/>
+              </a:rPr>
+              <a:t>.</a:t>
+            </a:r>
+          </a:p>
+        </p:txBody>
+      </p:sp>
+    </p:spTree>
+    <p:extLst>
+      <p:ext uri="{BB962C8B-B14F-4D97-AF65-F5344CB8AC3E}">
+        <p14:creationId xmlns:p14="http://schemas.microsoft.com/office/powerpoint/2010/main" val="4112803729"/>
+      </p:ext>
+    </p:extLst>
+  </p:cSld>
+  <p:clrMapOvr>
+    <a:masterClrMapping/>
+  </p:clrMapOvr>
+</p:sld>
+</file>
+
+<file path=ppt/slides/slide21.xml><?xml version="1.0" encoding="utf-8"?>
+<p:sld xmlns:a="http://schemas.openxmlformats.org/drawingml/2006/main" xmlns:r="http://schemas.openxmlformats.org/officeDocument/2006/relationships" xmlns:p="http://schemas.openxmlformats.org/presentationml/2006/main">
+  <p:cSld>
+    <p:spTree>
+      <p:nvGrpSpPr>
+        <p:cNvPr id="1" name=""/>
+        <p:cNvGrpSpPr/>
+        <p:nvPr/>
+      </p:nvGrpSpPr>
+      <p:grpSpPr>
+        <a:xfrm>
+          <a:off x="0" y="0"/>
+          <a:ext cx="0" cy="0"/>
+          <a:chOff x="0" y="0"/>
+          <a:chExt cx="0" cy="0"/>
+        </a:xfrm>
+      </p:grpSpPr>
+      <p:sp>
+        <p:nvSpPr>
+          <p:cNvPr id="2" name="Title 1">
+            <a:extLst>
+              <a:ext uri="{FF2B5EF4-FFF2-40B4-BE49-F238E27FC236}">
+                <a16:creationId xmlns:a16="http://schemas.microsoft.com/office/drawing/2014/main" id="{515D1F6A-27CA-4923-97BF-0291F660271D}"/>
+              </a:ext>
+            </a:extLst>
+          </p:cNvPr>
+          <p:cNvSpPr>
+            <a:spLocks noGrp="1"/>
+          </p:cNvSpPr>
+          <p:nvPr>
+            <p:ph type="title"/>
+          </p:nvPr>
+        </p:nvSpPr>
+        <p:spPr>
+          <a:xfrm>
+            <a:off x="677334" y="609600"/>
+            <a:ext cx="8596668" cy="651029"/>
+          </a:xfrm>
+        </p:spPr>
+        <p:txBody>
+          <a:bodyPr>
+            <a:normAutofit/>
+          </a:bodyPr>
+          <a:lstStyle/>
+          <a:p>
+            <a:r>
+              <a:rPr lang="en-US" sz="2800" dirty="0" err="1">
+                <a:solidFill>
+                  <a:srgbClr val="025682"/>
+                </a:solidFill>
+                <a:latin typeface="Arial" panose="020B0604020202020204" pitchFamily="34" charset="0"/>
+                <a:cs typeface="Arial" panose="020B0604020202020204" pitchFamily="34" charset="0"/>
+              </a:rPr>
+              <a:t>Referências</a:t>
+            </a:r>
+            <a:endParaRPr lang="pt-BR" sz="2800" dirty="0">
+              <a:solidFill>
+                <a:srgbClr val="025682"/>
+              </a:solidFill>
+              <a:latin typeface="Arial" panose="020B0604020202020204" pitchFamily="34" charset="0"/>
+              <a:cs typeface="Arial" panose="020B0604020202020204" pitchFamily="34" charset="0"/>
+            </a:endParaRPr>
+          </a:p>
+        </p:txBody>
+      </p:sp>
+      <p:sp>
+        <p:nvSpPr>
+          <p:cNvPr id="3" name="Content Placeholder 2">
+            <a:extLst>
+              <a:ext uri="{FF2B5EF4-FFF2-40B4-BE49-F238E27FC236}">
+                <a16:creationId xmlns:a16="http://schemas.microsoft.com/office/drawing/2014/main" id="{DAD9E088-4201-448E-9AE1-DC299E570318}"/>
+              </a:ext>
+            </a:extLst>
+          </p:cNvPr>
+          <p:cNvSpPr>
+            <a:spLocks noGrp="1"/>
+          </p:cNvSpPr>
+          <p:nvPr>
+            <p:ph idx="1"/>
+          </p:nvPr>
+        </p:nvSpPr>
+        <p:spPr>
+          <a:xfrm>
+            <a:off x="677334" y="1553592"/>
+            <a:ext cx="8596668" cy="4487770"/>
+          </a:xfrm>
+        </p:spPr>
+        <p:txBody>
+          <a:bodyPr>
+            <a:normAutofit/>
+          </a:bodyPr>
+          <a:lstStyle/>
+          <a:p>
+            <a:r>
+              <a:rPr lang="pt-BR" sz="1600" dirty="0">
+                <a:effectLst/>
+                <a:latin typeface="Arial" panose="020B0604020202020204" pitchFamily="34" charset="0"/>
+                <a:ea typeface="Times New Roman" panose="02020603050405020304" pitchFamily="18" charset="0"/>
+                <a:cs typeface="Arial" panose="020B0604020202020204" pitchFamily="34" charset="0"/>
+              </a:rPr>
+              <a:t>DUARTE, L. </a:t>
+            </a:r>
+            <a:r>
+              <a:rPr lang="pt-BR" sz="1600" b="1" dirty="0">
+                <a:effectLst/>
+                <a:latin typeface="Arial" panose="020B0604020202020204" pitchFamily="34" charset="0"/>
+                <a:ea typeface="Times New Roman" panose="02020603050405020304" pitchFamily="18" charset="0"/>
+                <a:cs typeface="Arial" panose="020B0604020202020204" pitchFamily="34" charset="0"/>
+              </a:rPr>
+              <a:t>O que é um micro servico ou microservice?</a:t>
+            </a:r>
+            <a:r>
+              <a:rPr lang="pt-BR" sz="1600" dirty="0">
+                <a:effectLst/>
+                <a:latin typeface="Arial" panose="020B0604020202020204" pitchFamily="34" charset="0"/>
+                <a:ea typeface="Times New Roman" panose="02020603050405020304" pitchFamily="18" charset="0"/>
+                <a:cs typeface="Arial" panose="020B0604020202020204" pitchFamily="34" charset="0"/>
+              </a:rPr>
+              <a:t> Disponível em: </a:t>
+            </a:r>
+            <a:r>
+              <a:rPr lang="pt-BR" sz="1600" u="sng" dirty="0">
+                <a:solidFill>
+                  <a:srgbClr val="000000"/>
+                </a:solidFill>
+                <a:effectLst/>
+                <a:latin typeface="Arial" panose="020B0604020202020204" pitchFamily="34" charset="0"/>
+                <a:ea typeface="Times New Roman" panose="02020603050405020304" pitchFamily="18" charset="0"/>
+                <a:cs typeface="Arial" panose="020B0604020202020204" pitchFamily="34" charset="0"/>
+                <a:hlinkClick r:id="rId2"/>
+              </a:rPr>
+              <a:t>https://www.luiztools.com.br/post/o-que-e-um-micro-servico-ou-microservice/</a:t>
+            </a:r>
+            <a:endParaRPr lang="pt-BR" sz="1600" u="sng" dirty="0">
+              <a:solidFill>
+                <a:srgbClr val="000000"/>
+              </a:solidFill>
+              <a:effectLst/>
+              <a:latin typeface="Arial" panose="020B0604020202020204" pitchFamily="34" charset="0"/>
+              <a:ea typeface="Times New Roman" panose="02020603050405020304" pitchFamily="18" charset="0"/>
+              <a:cs typeface="Arial" panose="020B0604020202020204" pitchFamily="34" charset="0"/>
+            </a:endParaRPr>
+          </a:p>
+          <a:p>
+            <a:r>
+              <a:rPr lang="pt-BR" sz="1600" dirty="0">
+                <a:effectLst/>
+                <a:latin typeface="Arial" panose="020B0604020202020204" pitchFamily="34" charset="0"/>
+                <a:ea typeface="Times New Roman" panose="02020603050405020304" pitchFamily="18" charset="0"/>
+                <a:cs typeface="Arial" panose="020B0604020202020204" pitchFamily="34" charset="0"/>
+              </a:rPr>
+              <a:t>VERTIGO TECNOLOGIA. </a:t>
+            </a:r>
+            <a:r>
+              <a:rPr lang="pt-BR" sz="1600" b="1" dirty="0">
+                <a:effectLst/>
+                <a:latin typeface="Arial" panose="020B0604020202020204" pitchFamily="34" charset="0"/>
+                <a:ea typeface="Times New Roman" panose="02020603050405020304" pitchFamily="18" charset="0"/>
+                <a:cs typeface="Arial" panose="020B0604020202020204" pitchFamily="34" charset="0"/>
+              </a:rPr>
+              <a:t>Qual a diferença entre microsserviços e APIs? </a:t>
+            </a:r>
+            <a:r>
+              <a:rPr lang="pt-BR" sz="1600" dirty="0">
+                <a:effectLst/>
+                <a:latin typeface="Arial" panose="020B0604020202020204" pitchFamily="34" charset="0"/>
+                <a:ea typeface="Times New Roman" panose="02020603050405020304" pitchFamily="18" charset="0"/>
+                <a:cs typeface="Arial" panose="020B0604020202020204" pitchFamily="34" charset="0"/>
+              </a:rPr>
+              <a:t>Disponível em: </a:t>
+            </a:r>
+            <a:r>
+              <a:rPr lang="pt-BR" sz="1600" u="sng" dirty="0">
+                <a:solidFill>
+                  <a:srgbClr val="000000"/>
+                </a:solidFill>
+                <a:effectLst/>
+                <a:latin typeface="Arial" panose="020B0604020202020204" pitchFamily="34" charset="0"/>
+                <a:ea typeface="Times New Roman" panose="02020603050405020304" pitchFamily="18" charset="0"/>
+                <a:cs typeface="Arial" panose="020B0604020202020204" pitchFamily="34" charset="0"/>
+                <a:hlinkClick r:id="rId3"/>
+              </a:rPr>
+              <a:t>https://vertigo.com.br/diferenca-entre-microsservicos-e-apis/</a:t>
+            </a:r>
+            <a:r>
+              <a:rPr lang="pt-BR" sz="1600" dirty="0">
+                <a:effectLst/>
+                <a:latin typeface="Arial" panose="020B0604020202020204" pitchFamily="34" charset="0"/>
+                <a:ea typeface="Times New Roman" panose="02020603050405020304" pitchFamily="18" charset="0"/>
+                <a:cs typeface="Arial" panose="020B0604020202020204" pitchFamily="34" charset="0"/>
+              </a:rPr>
+              <a:t> </a:t>
+            </a:r>
+          </a:p>
+          <a:p>
+            <a:pPr algn="just">
+              <a:spcBef>
+                <a:spcPts val="600"/>
+              </a:spcBef>
+              <a:tabLst>
+                <a:tab pos="457200" algn="l"/>
+              </a:tabLst>
+            </a:pPr>
+            <a:r>
+              <a:rPr lang="pt-BR" sz="1600" dirty="0">
+                <a:effectLst/>
+                <a:latin typeface="Arial" panose="020B0604020202020204" pitchFamily="34" charset="0"/>
+                <a:ea typeface="Times New Roman" panose="02020603050405020304" pitchFamily="18" charset="0"/>
+                <a:cs typeface="Arial" panose="020B0604020202020204" pitchFamily="34" charset="0"/>
+              </a:rPr>
+              <a:t>DUARTE, L. </a:t>
+            </a:r>
+            <a:r>
+              <a:rPr lang="pt-BR" sz="1600" b="1" dirty="0">
+                <a:effectLst/>
+                <a:latin typeface="Arial" panose="020B0604020202020204" pitchFamily="34" charset="0"/>
+                <a:ea typeface="Times New Roman" panose="02020603050405020304" pitchFamily="18" charset="0"/>
+                <a:cs typeface="Arial" panose="020B0604020202020204" pitchFamily="34" charset="0"/>
+              </a:rPr>
+              <a:t>O que é um micro servico ou microservice?</a:t>
+            </a:r>
+            <a:r>
+              <a:rPr lang="pt-BR" sz="1600" dirty="0">
+                <a:effectLst/>
+                <a:latin typeface="Arial" panose="020B0604020202020204" pitchFamily="34" charset="0"/>
+                <a:ea typeface="Times New Roman" panose="02020603050405020304" pitchFamily="18" charset="0"/>
+                <a:cs typeface="Arial" panose="020B0604020202020204" pitchFamily="34" charset="0"/>
+              </a:rPr>
+              <a:t> Disponível em: </a:t>
+            </a:r>
+            <a:r>
+              <a:rPr lang="pt-BR" sz="1600" u="sng" dirty="0">
+                <a:solidFill>
+                  <a:srgbClr val="000000"/>
+                </a:solidFill>
+                <a:effectLst/>
+                <a:latin typeface="Arial" panose="020B0604020202020204" pitchFamily="34" charset="0"/>
+                <a:ea typeface="Times New Roman" panose="02020603050405020304" pitchFamily="18" charset="0"/>
+                <a:cs typeface="Arial" panose="020B0604020202020204" pitchFamily="34" charset="0"/>
+                <a:hlinkClick r:id="rId2"/>
+              </a:rPr>
+              <a:t>https://www.luiztools.com.br/post/o-que-e-um-micro-servico-ou-microservice/</a:t>
+            </a:r>
+            <a:endParaRPr lang="pt-BR" sz="1600" u="sng" dirty="0">
+              <a:solidFill>
+                <a:srgbClr val="000000"/>
+              </a:solidFill>
+              <a:effectLst/>
+              <a:latin typeface="Arial" panose="020B0604020202020204" pitchFamily="34" charset="0"/>
+              <a:ea typeface="Times New Roman" panose="02020603050405020304" pitchFamily="18" charset="0"/>
+              <a:cs typeface="Arial" panose="020B0604020202020204" pitchFamily="34" charset="0"/>
+            </a:endParaRPr>
+          </a:p>
+          <a:p>
+            <a:pPr algn="just">
+              <a:spcBef>
+                <a:spcPts val="600"/>
+              </a:spcBef>
+              <a:tabLst>
+                <a:tab pos="457200" algn="l"/>
+              </a:tabLst>
+            </a:pPr>
+            <a:r>
+              <a:rPr lang="pt-BR" sz="1600" u="sng" dirty="0">
+                <a:solidFill>
+                  <a:srgbClr val="0563C1"/>
+                </a:solidFill>
+                <a:effectLst/>
+                <a:latin typeface="Arial" panose="020B0604020202020204" pitchFamily="34" charset="0"/>
+                <a:ea typeface="Times New Roman" panose="02020603050405020304" pitchFamily="18" charset="0"/>
+                <a:cs typeface="Arial" panose="020B0604020202020204" pitchFamily="34" charset="0"/>
+              </a:rPr>
+              <a:t>COMPUTERWORLD</a:t>
+            </a:r>
+            <a:r>
+              <a:rPr lang="pt-BR" sz="1600" dirty="0">
+                <a:effectLst/>
+                <a:latin typeface="Arial" panose="020B0604020202020204" pitchFamily="34" charset="0"/>
+                <a:ea typeface="Times New Roman" panose="02020603050405020304" pitchFamily="18" charset="0"/>
+                <a:cs typeface="Arial" panose="020B0604020202020204" pitchFamily="34" charset="0"/>
+              </a:rPr>
+              <a:t>. </a:t>
+            </a:r>
+            <a:r>
+              <a:rPr lang="pt-BR" sz="1600" b="1" dirty="0">
+                <a:effectLst/>
+                <a:latin typeface="Arial" panose="020B0604020202020204" pitchFamily="34" charset="0"/>
+                <a:ea typeface="Times New Roman" panose="02020603050405020304" pitchFamily="18" charset="0"/>
+                <a:cs typeface="Arial" panose="020B0604020202020204" pitchFamily="34" charset="0"/>
+              </a:rPr>
+              <a:t>Microsserviços não são ideais para todas as empresas</a:t>
+            </a:r>
+            <a:r>
+              <a:rPr lang="pt-BR" sz="1600" dirty="0">
+                <a:effectLst/>
+                <a:latin typeface="Arial" panose="020B0604020202020204" pitchFamily="34" charset="0"/>
+                <a:ea typeface="Times New Roman" panose="02020603050405020304" pitchFamily="18" charset="0"/>
+                <a:cs typeface="Arial" panose="020B0604020202020204" pitchFamily="34" charset="0"/>
+              </a:rPr>
+              <a:t> Disponível em: </a:t>
+            </a:r>
+            <a:r>
+              <a:rPr lang="pt-BR" sz="1600" u="sng" dirty="0">
+                <a:solidFill>
+                  <a:srgbClr val="000000"/>
+                </a:solidFill>
+                <a:effectLst/>
+                <a:latin typeface="Arial" panose="020B0604020202020204" pitchFamily="34" charset="0"/>
+                <a:ea typeface="Times New Roman" panose="02020603050405020304" pitchFamily="18" charset="0"/>
+                <a:cs typeface="Arial" panose="020B0604020202020204" pitchFamily="34" charset="0"/>
+                <a:hlinkClick r:id="rId4"/>
+              </a:rPr>
+              <a:t>https://computerworld.com.br/plataformas/microsservicos-nao-sao-ideais-para-todas-as-empresas/</a:t>
+            </a:r>
+            <a:endParaRPr lang="pt-BR" sz="1600" u="sng" dirty="0">
+              <a:solidFill>
+                <a:srgbClr val="000000"/>
+              </a:solidFill>
+              <a:latin typeface="Arial" panose="020B0604020202020204" pitchFamily="34" charset="0"/>
+              <a:ea typeface="Times New Roman" panose="02020603050405020304" pitchFamily="18" charset="0"/>
+              <a:cs typeface="Arial" panose="020B0604020202020204" pitchFamily="34" charset="0"/>
+            </a:endParaRPr>
+          </a:p>
+          <a:p>
+            <a:pPr algn="just">
+              <a:spcBef>
+                <a:spcPts val="600"/>
+              </a:spcBef>
+              <a:tabLst>
+                <a:tab pos="457200" algn="l"/>
+              </a:tabLst>
+            </a:pPr>
+            <a:r>
+              <a:rPr lang="en-US" sz="1600" dirty="0">
+                <a:effectLst/>
+                <a:latin typeface="Arial" panose="020B0604020202020204" pitchFamily="34" charset="0"/>
+                <a:ea typeface="Times New Roman" panose="02020603050405020304" pitchFamily="18" charset="0"/>
+                <a:cs typeface="Arial" panose="020B0604020202020204" pitchFamily="34" charset="0"/>
+              </a:rPr>
+              <a:t>ARSOV, K. </a:t>
+            </a:r>
+            <a:r>
+              <a:rPr lang="en-US" sz="1600" b="1" dirty="0">
+                <a:effectLst/>
+                <a:latin typeface="Arial" panose="020B0604020202020204" pitchFamily="34" charset="0"/>
+                <a:ea typeface="Times New Roman" panose="02020603050405020304" pitchFamily="18" charset="0"/>
+                <a:cs typeface="Arial" panose="020B0604020202020204" pitchFamily="34" charset="0"/>
+              </a:rPr>
+              <a:t>5 Steps to Successfully Prepare for Microservices. </a:t>
+            </a:r>
+            <a:r>
+              <a:rPr lang="pt-BR" sz="1600" dirty="0">
+                <a:effectLst/>
+                <a:latin typeface="Arial" panose="020B0604020202020204" pitchFamily="34" charset="0"/>
+                <a:ea typeface="Times New Roman" panose="02020603050405020304" pitchFamily="18" charset="0"/>
+                <a:cs typeface="Arial" panose="020B0604020202020204" pitchFamily="34" charset="0"/>
+              </a:rPr>
+              <a:t>Disponível em: </a:t>
+            </a:r>
+            <a:r>
+              <a:rPr lang="en-US" sz="1600" u="none" strike="noStrike" dirty="0">
+                <a:solidFill>
+                  <a:srgbClr val="0563C1"/>
+                </a:solidFill>
+                <a:effectLst/>
+                <a:latin typeface="Arial" panose="020B0604020202020204" pitchFamily="34" charset="0"/>
+                <a:ea typeface="Times New Roman" panose="02020603050405020304" pitchFamily="18" charset="0"/>
+                <a:cs typeface="Arial" panose="020B0604020202020204" pitchFamily="34" charset="0"/>
+                <a:hlinkClick r:id="rId5"/>
+              </a:rPr>
+              <a:t> </a:t>
+            </a:r>
+            <a:r>
+              <a:rPr lang="pt-BR" sz="1600" u="sng" dirty="0">
+                <a:solidFill>
+                  <a:srgbClr val="000000"/>
+                </a:solidFill>
+                <a:effectLst/>
+                <a:latin typeface="Arial" panose="020B0604020202020204" pitchFamily="34" charset="0"/>
+                <a:ea typeface="Times New Roman" panose="02020603050405020304" pitchFamily="18" charset="0"/>
+                <a:cs typeface="Arial" panose="020B0604020202020204" pitchFamily="34" charset="0"/>
+                <a:hlinkClick r:id="rId5"/>
+              </a:rPr>
+              <a:t>https://dzone.com/articles/5-steps-to-successfully-prepare-for-microservices/</a:t>
+            </a:r>
+            <a:endParaRPr lang="pt-BR" sz="1600" dirty="0">
+              <a:effectLst/>
+              <a:latin typeface="Arial" panose="020B0604020202020204" pitchFamily="34" charset="0"/>
+              <a:ea typeface="Times New Roman" panose="02020603050405020304" pitchFamily="18" charset="0"/>
+              <a:cs typeface="Arial" panose="020B0604020202020204" pitchFamily="34" charset="0"/>
+            </a:endParaRPr>
+          </a:p>
+          <a:p>
+            <a:pPr algn="just">
+              <a:spcBef>
+                <a:spcPts val="600"/>
+              </a:spcBef>
+              <a:tabLst>
+                <a:tab pos="457200" algn="l"/>
+              </a:tabLst>
+            </a:pPr>
+            <a:r>
+              <a:rPr lang="pt-BR" sz="1600" dirty="0">
+                <a:latin typeface="Arial" panose="020B0604020202020204" pitchFamily="34" charset="0"/>
+                <a:ea typeface="Times New Roman" panose="02020603050405020304" pitchFamily="18" charset="0"/>
+                <a:cs typeface="Arial" panose="020B0604020202020204" pitchFamily="34" charset="0"/>
+              </a:rPr>
+              <a:t>AMAZON. </a:t>
+            </a:r>
+            <a:r>
+              <a:rPr lang="pt-BR" sz="1600" b="1" dirty="0">
+                <a:latin typeface="Arial" panose="020B0604020202020204" pitchFamily="34" charset="0"/>
+                <a:ea typeface="Times New Roman" panose="02020603050405020304" pitchFamily="18" charset="0"/>
+                <a:cs typeface="Arial" panose="020B0604020202020204" pitchFamily="34" charset="0"/>
+              </a:rPr>
+              <a:t>Simple Microservices Architecture on AWS</a:t>
+            </a:r>
+            <a:r>
+              <a:rPr lang="pt-BR" sz="1600" dirty="0">
+                <a:latin typeface="Arial" panose="020B0604020202020204" pitchFamily="34" charset="0"/>
+                <a:ea typeface="Times New Roman" panose="02020603050405020304" pitchFamily="18" charset="0"/>
+                <a:cs typeface="Arial" panose="020B0604020202020204" pitchFamily="34" charset="0"/>
+              </a:rPr>
+              <a:t>  Disponível em: </a:t>
+            </a:r>
+            <a:r>
+              <a:rPr lang="pt-BR" sz="1600" dirty="0">
+                <a:latin typeface="Arial" panose="020B0604020202020204" pitchFamily="34" charset="0"/>
+                <a:ea typeface="Times New Roman" panose="02020603050405020304" pitchFamily="18" charset="0"/>
+                <a:cs typeface="Arial" panose="020B0604020202020204" pitchFamily="34" charset="0"/>
+                <a:hlinkClick r:id="rId6"/>
+              </a:rPr>
+              <a:t>https://docs.aws.amazon.com/whitepapers/latest/microservices-on-aws/simple-microservices-architecture-on-aws.html</a:t>
+            </a:r>
+            <a:r>
+              <a:rPr lang="pt-BR" sz="1600" dirty="0">
+                <a:latin typeface="Arial" panose="020B0604020202020204" pitchFamily="34" charset="0"/>
+                <a:ea typeface="Times New Roman" panose="02020603050405020304" pitchFamily="18" charset="0"/>
+                <a:cs typeface="Arial" panose="020B0604020202020204" pitchFamily="34" charset="0"/>
+              </a:rPr>
+              <a:t> </a:t>
+            </a:r>
+            <a:endParaRPr lang="pt-BR" sz="1600" dirty="0">
+              <a:effectLst/>
+              <a:latin typeface="Arial" panose="020B0604020202020204" pitchFamily="34" charset="0"/>
+              <a:ea typeface="Times New Roman" panose="02020603050405020304" pitchFamily="18" charset="0"/>
+              <a:cs typeface="Arial" panose="020B0604020202020204" pitchFamily="34" charset="0"/>
+            </a:endParaRPr>
+          </a:p>
+          <a:p>
+            <a:endParaRPr lang="pt-BR" dirty="0"/>
+          </a:p>
+        </p:txBody>
+      </p:sp>
+    </p:spTree>
+    <p:extLst>
+      <p:ext uri="{BB962C8B-B14F-4D97-AF65-F5344CB8AC3E}">
+        <p14:creationId xmlns:p14="http://schemas.microsoft.com/office/powerpoint/2010/main" val="164363820"/>
+      </p:ext>
+    </p:extLst>
+  </p:cSld>
+  <p:clrMapOvr>
+    <a:masterClrMapping/>
+  </p:clrMapOvr>
+</p:sld>
+</file>
+
+<file path=ppt/slides/slide22.xml><?xml version="1.0" encoding="utf-8"?>
+<p:sld xmlns:a="http://schemas.openxmlformats.org/drawingml/2006/main" xmlns:r="http://schemas.openxmlformats.org/officeDocument/2006/relationships" xmlns:p="http://schemas.openxmlformats.org/presentationml/2006/main">
+  <p:cSld>
+    <p:spTree>
+      <p:nvGrpSpPr>
+        <p:cNvPr id="1" name=""/>
+        <p:cNvGrpSpPr/>
+        <p:nvPr/>
+      </p:nvGrpSpPr>
+      <p:grpSpPr>
+        <a:xfrm>
+          <a:off x="0" y="0"/>
+          <a:ext cx="0" cy="0"/>
+          <a:chOff x="0" y="0"/>
+          <a:chExt cx="0" cy="0"/>
+        </a:xfrm>
+      </p:grpSpPr>
+      <p:sp>
+        <p:nvSpPr>
+          <p:cNvPr id="2" name="Title 1">
+            <a:extLst>
+              <a:ext uri="{FF2B5EF4-FFF2-40B4-BE49-F238E27FC236}">
+                <a16:creationId xmlns:a16="http://schemas.microsoft.com/office/drawing/2014/main" id="{5B7BD697-9961-4D18-8544-56E94C905603}"/>
+              </a:ext>
+            </a:extLst>
+          </p:cNvPr>
+          <p:cNvSpPr>
+            <a:spLocks noGrp="1"/>
+          </p:cNvSpPr>
+          <p:nvPr>
+            <p:ph type="ctrTitle"/>
+          </p:nvPr>
+        </p:nvSpPr>
+        <p:spPr>
+          <a:xfrm>
+            <a:off x="-2" y="356040"/>
+            <a:ext cx="12191999" cy="1646302"/>
+          </a:xfrm>
+        </p:spPr>
+        <p:txBody>
+          <a:bodyPr/>
+          <a:lstStyle/>
+          <a:p>
+            <a:r>
+              <a:rPr lang="en-US" dirty="0" err="1">
+                <a:latin typeface="Arial" panose="020B0604020202020204" pitchFamily="34" charset="0"/>
+                <a:cs typeface="Arial" panose="020B0604020202020204" pitchFamily="34" charset="0"/>
+              </a:rPr>
+              <a:t>Obrigado</a:t>
+            </a:r>
+            <a:r>
+              <a:rPr lang="en-US" dirty="0">
+                <a:latin typeface="Arial" panose="020B0604020202020204" pitchFamily="34" charset="0"/>
+                <a:cs typeface="Arial" panose="020B0604020202020204" pitchFamily="34" charset="0"/>
+              </a:rPr>
+              <a:t>!</a:t>
+            </a:r>
+            <a:endParaRPr lang="pt-BR" dirty="0">
+              <a:latin typeface="Arial" panose="020B0604020202020204" pitchFamily="34" charset="0"/>
+              <a:cs typeface="Arial" panose="020B0604020202020204" pitchFamily="34" charset="0"/>
+            </a:endParaRPr>
+          </a:p>
+        </p:txBody>
+      </p:sp>
+      <p:sp>
+        <p:nvSpPr>
+          <p:cNvPr id="3" name="Subtitle 2">
+            <a:extLst>
+              <a:ext uri="{FF2B5EF4-FFF2-40B4-BE49-F238E27FC236}">
+                <a16:creationId xmlns:a16="http://schemas.microsoft.com/office/drawing/2014/main" id="{3D751AE7-8D53-416E-9290-0BB95AB76FA9}"/>
+              </a:ext>
+            </a:extLst>
+          </p:cNvPr>
+          <p:cNvSpPr>
+            <a:spLocks noGrp="1"/>
+          </p:cNvSpPr>
+          <p:nvPr>
+            <p:ph type="subTitle" idx="1"/>
+          </p:nvPr>
+        </p:nvSpPr>
+        <p:spPr>
+          <a:xfrm>
+            <a:off x="-3" y="2277044"/>
+            <a:ext cx="12191999" cy="1096899"/>
+          </a:xfrm>
+        </p:spPr>
+        <p:txBody>
+          <a:bodyPr>
+            <a:normAutofit/>
+          </a:bodyPr>
+          <a:lstStyle/>
+          <a:p>
+            <a:r>
+              <a:rPr lang="en-US" sz="2400" b="1" dirty="0">
+                <a:solidFill>
+                  <a:schemeClr val="tx1"/>
+                </a:solidFill>
+                <a:latin typeface="Arial" panose="020B0604020202020204" pitchFamily="34" charset="0"/>
+                <a:cs typeface="Arial" panose="020B0604020202020204" pitchFamily="34" charset="0"/>
+              </a:rPr>
+              <a:t>Alexandre Peluchi de Oliveira Junior</a:t>
+            </a:r>
+          </a:p>
+          <a:p>
+            <a:r>
+              <a:rPr lang="pt-BR" sz="2400" dirty="0">
+                <a:solidFill>
+                  <a:schemeClr val="tx1"/>
+                </a:solidFill>
+                <a:latin typeface="Arial" panose="020B0604020202020204" pitchFamily="34" charset="0"/>
+                <a:cs typeface="Arial" panose="020B0604020202020204" pitchFamily="34" charset="0"/>
+              </a:rPr>
+              <a:t>alexandrepeluchi@gmail.com</a:t>
+            </a:r>
+          </a:p>
+        </p:txBody>
+      </p:sp>
+      <p:pic>
+        <p:nvPicPr>
+          <p:cNvPr id="5" name="Picture 4">
+            <a:extLst>
+              <a:ext uri="{FF2B5EF4-FFF2-40B4-BE49-F238E27FC236}">
+                <a16:creationId xmlns:a16="http://schemas.microsoft.com/office/drawing/2014/main" id="{C53899C4-9F79-4FBF-9D7C-396AFC6970FB}"/>
+              </a:ext>
+            </a:extLst>
+          </p:cNvPr>
+          <p:cNvPicPr>
+            <a:picLocks noChangeAspect="1"/>
+          </p:cNvPicPr>
+          <p:nvPr/>
+        </p:nvPicPr>
+        <p:blipFill>
+          <a:blip r:embed="rId2">
+            <a:extLst>
+              <a:ext uri="{28A0092B-C50C-407E-A947-70E740481C1C}">
+                <a14:useLocalDpi xmlns:a14="http://schemas.microsoft.com/office/drawing/2010/main" val="0"/>
+              </a:ext>
+            </a:extLst>
+          </a:blip>
+          <a:stretch>
+            <a:fillRect/>
+          </a:stretch>
+        </p:blipFill>
+        <p:spPr>
+          <a:xfrm>
+            <a:off x="5204683" y="3713016"/>
+            <a:ext cx="1782632" cy="1775046"/>
+          </a:xfrm>
+          <a:prstGeom prst="rect">
+            <a:avLst/>
+          </a:prstGeom>
+        </p:spPr>
+      </p:pic>
+      <p:sp>
+        <p:nvSpPr>
+          <p:cNvPr id="6" name="TextBox 5">
+            <a:extLst>
+              <a:ext uri="{FF2B5EF4-FFF2-40B4-BE49-F238E27FC236}">
+                <a16:creationId xmlns:a16="http://schemas.microsoft.com/office/drawing/2014/main" id="{DC02BD74-42C8-40F5-9389-75E16DD5B8B0}"/>
+              </a:ext>
+            </a:extLst>
+          </p:cNvPr>
+          <p:cNvSpPr txBox="1"/>
+          <p:nvPr/>
+        </p:nvSpPr>
+        <p:spPr>
+          <a:xfrm>
+            <a:off x="4533689" y="5488062"/>
+            <a:ext cx="3124619" cy="769441"/>
+          </a:xfrm>
+          <a:prstGeom prst="rect">
+            <a:avLst/>
+          </a:prstGeom>
+          <a:noFill/>
+        </p:spPr>
+        <p:txBody>
+          <a:bodyPr wrap="square" rtlCol="0">
+            <a:spAutoFit/>
+          </a:bodyPr>
+          <a:lstStyle/>
+          <a:p>
+            <a:r>
+              <a:rPr lang="en-US" sz="4400" b="1" dirty="0">
+                <a:solidFill>
+                  <a:srgbClr val="025682"/>
+                </a:solidFill>
+                <a:latin typeface="Arial" panose="020B0604020202020204" pitchFamily="34" charset="0"/>
+                <a:cs typeface="Arial" panose="020B0604020202020204" pitchFamily="34" charset="0"/>
+              </a:rPr>
+              <a:t>PUC</a:t>
+            </a:r>
+            <a:r>
+              <a:rPr lang="en-US" sz="4400" b="1" dirty="0">
+                <a:solidFill>
+                  <a:srgbClr val="025682"/>
+                </a:solidFill>
+                <a:latin typeface="Century Gothic" panose="020B0502020202020204" pitchFamily="34" charset="0"/>
+                <a:cs typeface="Times New Roman" panose="02020603050405020304" pitchFamily="18" charset="0"/>
+              </a:rPr>
+              <a:t> Minas</a:t>
+            </a:r>
+            <a:endParaRPr lang="pt-BR" sz="4400" b="1" dirty="0">
+              <a:solidFill>
+                <a:srgbClr val="025682"/>
+              </a:solidFill>
+              <a:latin typeface="Century Gothic" panose="020B0502020202020204" pitchFamily="34" charset="0"/>
+              <a:cs typeface="Times New Roman" panose="02020603050405020304" pitchFamily="18" charset="0"/>
+            </a:endParaRPr>
+          </a:p>
+        </p:txBody>
+      </p:sp>
+    </p:spTree>
+    <p:extLst>
+      <p:ext uri="{BB962C8B-B14F-4D97-AF65-F5344CB8AC3E}">
+        <p14:creationId xmlns:p14="http://schemas.microsoft.com/office/powerpoint/2010/main" val="1954070907"/>
+      </p:ext>
+    </p:extLst>
+  </p:cSld>
+  <p:clrMapOvr>
+    <a:masterClrMapping/>
+  </p:clrMapOvr>
+</p:sld>
+</file>
+
 <file path=ppt/slides/slide3.xml><?xml version="1.0" encoding="utf-8"?>
 <p:sld xmlns:a="http://schemas.openxmlformats.org/drawingml/2006/main" xmlns:r="http://schemas.openxmlformats.org/officeDocument/2006/relationships" xmlns:p="http://schemas.openxmlformats.org/presentationml/2006/main">
   <p:cSld>
@@ -6016,6 +7021,42 @@
           <a:chExt cx="0" cy="0"/>
         </a:xfrm>
       </p:grpSpPr>
+      <p:pic>
+        <p:nvPicPr>
+          <p:cNvPr id="5" name="Picture 4">
+            <a:extLst>
+              <a:ext uri="{FF2B5EF4-FFF2-40B4-BE49-F238E27FC236}">
+                <a16:creationId xmlns:a16="http://schemas.microsoft.com/office/drawing/2014/main" id="{A6A4FAB3-FB94-4AF1-AECD-9FB7204DBB79}"/>
+              </a:ext>
+            </a:extLst>
+          </p:cNvPr>
+          <p:cNvPicPr>
+            <a:picLocks noChangeAspect="1"/>
+          </p:cNvPicPr>
+          <p:nvPr/>
+        </p:nvPicPr>
+        <p:blipFill>
+          <a:blip r:embed="rId2">
+            <a:extLst>
+              <a:ext uri="{28A0092B-C50C-407E-A947-70E740481C1C}">
+                <a14:useLocalDpi xmlns:a14="http://schemas.microsoft.com/office/drawing/2010/main" val="0"/>
+              </a:ext>
+            </a:extLst>
+          </a:blip>
+          <a:stretch>
+            <a:fillRect/>
+          </a:stretch>
+        </p:blipFill>
+        <p:spPr>
+          <a:xfrm>
+            <a:off x="3512951" y="2977227"/>
+            <a:ext cx="5166098" cy="3880773"/>
+          </a:xfrm>
+          <a:prstGeom prst="rect">
+            <a:avLst/>
+          </a:prstGeom>
+        </p:spPr>
+      </p:pic>
       <p:sp>
         <p:nvSpPr>
           <p:cNvPr id="2" name="Title 1">
@@ -6077,8 +7118,8 @@
         </p:nvSpPr>
         <p:spPr>
           <a:xfrm>
-            <a:off x="677333" y="2160589"/>
-            <a:ext cx="8959961" cy="3880773"/>
+            <a:off x="677333" y="1899821"/>
+            <a:ext cx="10515600" cy="4141541"/>
           </a:xfrm>
         </p:spPr>
         <p:txBody>
@@ -6087,6 +7128,7 @@
           </a:bodyPr>
           <a:lstStyle/>
           <a:p>
+            <a:pPr algn="just"/>
             <a:r>
               <a:rPr lang="pt-BR" sz="2400" b="1" i="0" dirty="0">
                 <a:solidFill>
@@ -6107,24 +7149,7 @@
                 <a:latin typeface="Arial" panose="020B0604020202020204" pitchFamily="34" charset="0"/>
                 <a:cs typeface="Arial" panose="020B0604020202020204" pitchFamily="34" charset="0"/>
               </a:rPr>
-              <a:t> são uma abordagem arquitetônica e organizacional do desenvolvimento</a:t>
-            </a:r>
-            <a:br>
-              <a:rPr lang="pt-BR" sz="2400" dirty="0">
-                <a:latin typeface="Arial" panose="020B0604020202020204" pitchFamily="34" charset="0"/>
-                <a:cs typeface="Arial" panose="020B0604020202020204" pitchFamily="34" charset="0"/>
-              </a:rPr>
-            </a:br>
-            <a:r>
-              <a:rPr lang="pt-BR" sz="2400" b="0" i="0" dirty="0">
-                <a:solidFill>
-                  <a:srgbClr val="000000"/>
-                </a:solidFill>
-                <a:effectLst/>
-                <a:latin typeface="Arial" panose="020B0604020202020204" pitchFamily="34" charset="0"/>
-                <a:cs typeface="Arial" panose="020B0604020202020204" pitchFamily="34" charset="0"/>
-              </a:rPr>
-              <a:t>de software, onde cada parte do sistema é desenvolvido e disponibilizado independentemente.</a:t>
+              <a:t> são uma abordagem arquitetônica e organizacional do desenvolvimento de software, onde cada parte do sistema é desenvolvido e disponibilizado independentemente.</a:t>
             </a:r>
             <a:endParaRPr lang="pt-BR" sz="2400" dirty="0">
               <a:solidFill>
@@ -6225,11 +7250,17 @@
             <p:ph idx="1"/>
           </p:nvPr>
         </p:nvSpPr>
-        <p:spPr/>
+        <p:spPr>
+          <a:xfrm>
+            <a:off x="838200" y="1855433"/>
+            <a:ext cx="10515600" cy="4321530"/>
+          </a:xfrm>
+        </p:spPr>
         <p:txBody>
           <a:bodyPr/>
           <a:lstStyle/>
           <a:p>
+            <a:pPr algn="just"/>
             <a:r>
               <a:rPr lang="en-US" dirty="0">
                 <a:solidFill>
@@ -6281,6 +7312,46 @@
               <a:t> do </a:t>
             </a:r>
             <a:r>
+              <a:rPr lang="en-US" sz="2400" b="1" dirty="0" err="1">
+                <a:solidFill>
+                  <a:srgbClr val="025682"/>
+                </a:solidFill>
+                <a:latin typeface="Arial" panose="020B0604020202020204" pitchFamily="34" charset="0"/>
+                <a:cs typeface="Arial" panose="020B0604020202020204" pitchFamily="34" charset="0"/>
+              </a:rPr>
+              <a:t>setor</a:t>
+            </a:r>
+            <a:r>
+              <a:rPr lang="en-US" sz="2400" b="1" dirty="0">
+                <a:solidFill>
+                  <a:srgbClr val="025682"/>
+                </a:solidFill>
+                <a:latin typeface="Arial" panose="020B0604020202020204" pitchFamily="34" charset="0"/>
+                <a:cs typeface="Arial" panose="020B0604020202020204" pitchFamily="34" charset="0"/>
+              </a:rPr>
+              <a:t> </a:t>
+            </a:r>
+            <a:r>
+              <a:rPr lang="en-US" sz="2400" b="1" dirty="0" err="1">
+                <a:solidFill>
+                  <a:srgbClr val="025682"/>
+                </a:solidFill>
+                <a:latin typeface="Arial" panose="020B0604020202020204" pitchFamily="34" charset="0"/>
+                <a:cs typeface="Arial" panose="020B0604020202020204" pitchFamily="34" charset="0"/>
+              </a:rPr>
+              <a:t>alimentício</a:t>
+            </a:r>
+            <a:r>
+              <a:rPr lang="en-US" sz="2400" dirty="0">
+                <a:solidFill>
+                  <a:schemeClr val="tx1"/>
+                </a:solidFill>
+                <a:latin typeface="Arial" panose="020B0604020202020204" pitchFamily="34" charset="0"/>
+                <a:cs typeface="Arial" panose="020B0604020202020204" pitchFamily="34" charset="0"/>
+              </a:rPr>
+              <a:t>, </a:t>
+            </a:r>
+            <a:r>
               <a:rPr lang="en-US" sz="2400" dirty="0" err="1">
                 <a:solidFill>
                   <a:schemeClr val="tx1"/>
@@ -6288,7 +7359,7 @@
                 <a:latin typeface="Arial" panose="020B0604020202020204" pitchFamily="34" charset="0"/>
                 <a:cs typeface="Arial" panose="020B0604020202020204" pitchFamily="34" charset="0"/>
               </a:rPr>
-              <a:t>setor</a:t>
+              <a:t>não</a:t>
             </a:r>
             <a:r>
               <a:rPr lang="en-US" sz="2400" dirty="0">
@@ -6308,7 +7379,7 @@
                 <a:latin typeface="Arial" panose="020B0604020202020204" pitchFamily="34" charset="0"/>
                 <a:cs typeface="Arial" panose="020B0604020202020204" pitchFamily="34" charset="0"/>
               </a:rPr>
-              <a:t>alimentício</a:t>
+              <a:t>utilizam</a:t>
             </a:r>
             <a:r>
               <a:rPr lang="en-US" sz="2400" dirty="0">
@@ -6318,53 +7389,10 @@
                 <a:latin typeface="Arial" panose="020B0604020202020204" pitchFamily="34" charset="0"/>
                 <a:cs typeface="Arial" panose="020B0604020202020204" pitchFamily="34" charset="0"/>
               </a:rPr>
-              <a:t>, </a:t>
+              <a:t> </a:t>
             </a:r>
             <a:r>
               <a:rPr lang="en-US" sz="2400" dirty="0" err="1">
-                <a:solidFill>
-                  <a:schemeClr val="tx1"/>
-                </a:solidFill>
-                <a:latin typeface="Arial" panose="020B0604020202020204" pitchFamily="34" charset="0"/>
-                <a:cs typeface="Arial" panose="020B0604020202020204" pitchFamily="34" charset="0"/>
-              </a:rPr>
-              <a:t>não</a:t>
-            </a:r>
-            <a:r>
-              <a:rPr lang="en-US" sz="2400" dirty="0">
-                <a:solidFill>
-                  <a:schemeClr val="tx1"/>
-                </a:solidFill>
-                <a:latin typeface="Arial" panose="020B0604020202020204" pitchFamily="34" charset="0"/>
-                <a:cs typeface="Arial" panose="020B0604020202020204" pitchFamily="34" charset="0"/>
-              </a:rPr>
-              <a:t> </a:t>
-            </a:r>
-            <a:r>
-              <a:rPr lang="en-US" sz="2400" dirty="0" err="1">
-                <a:solidFill>
-                  <a:schemeClr val="tx1"/>
-                </a:solidFill>
-                <a:latin typeface="Arial" panose="020B0604020202020204" pitchFamily="34" charset="0"/>
-                <a:cs typeface="Arial" panose="020B0604020202020204" pitchFamily="34" charset="0"/>
-              </a:rPr>
-              <a:t>utilizam</a:t>
-            </a:r>
-            <a:r>
-              <a:rPr lang="en-US" sz="2400" dirty="0">
-                <a:solidFill>
-                  <a:schemeClr val="tx1"/>
-                </a:solidFill>
-                <a:latin typeface="Arial" panose="020B0604020202020204" pitchFamily="34" charset="0"/>
-                <a:cs typeface="Arial" panose="020B0604020202020204" pitchFamily="34" charset="0"/>
-              </a:rPr>
-              <a:t> </a:t>
-            </a:r>
-            <a:r>
-              <a:rPr lang="en-US" sz="2400" dirty="0" err="1">
-                <a:solidFill>
-                  <a:srgbClr val="025682"/>
-                </a:solidFill>
                 <a:latin typeface="Arial" panose="020B0604020202020204" pitchFamily="34" charset="0"/>
                 <a:cs typeface="Arial" panose="020B0604020202020204" pitchFamily="34" charset="0"/>
               </a:rPr>
@@ -6641,8 +7669,8 @@
         </p:nvSpPr>
         <p:spPr>
           <a:xfrm>
-            <a:off x="838200" y="1825625"/>
-            <a:ext cx="9752860" cy="4351338"/>
+            <a:off x="838199" y="1825625"/>
+            <a:ext cx="10515599" cy="4351338"/>
           </a:xfrm>
         </p:spPr>
         <p:txBody>
@@ -6651,6 +7679,7 @@
           </a:bodyPr>
           <a:lstStyle/>
           <a:p>
+            <a:pPr algn="just"/>
             <a:r>
               <a:rPr lang="pt-BR" sz="2400" dirty="0">
                 <a:solidFill>
@@ -6662,18 +7691,18 @@
               <a:t>Desenvolvimento de um sistema utilizando </a:t>
             </a:r>
             <a:r>
+              <a:rPr lang="pt-BR" sz="2400" b="1" dirty="0">
+                <a:solidFill>
+                  <a:srgbClr val="025682"/>
+                </a:solidFill>
+                <a:latin typeface="Arial" panose="020B0604020202020204" pitchFamily="34" charset="0"/>
+                <a:cs typeface="Arial" panose="020B0604020202020204" pitchFamily="34" charset="0"/>
+              </a:rPr>
+              <a:t>microsserviços</a:t>
+            </a:r>
+            <a:r>
               <a:rPr lang="pt-BR" sz="2400" dirty="0">
                 <a:solidFill>
-                  <a:srgbClr val="025682"/>
-                </a:solidFill>
-                <a:latin typeface="Arial" panose="020B0604020202020204" pitchFamily="34" charset="0"/>
-                <a:cs typeface="Arial" panose="020B0604020202020204" pitchFamily="34" charset="0"/>
-              </a:rPr>
-              <a:t>microsserviços</a:t>
-            </a:r>
-            <a:r>
-              <a:rPr lang="pt-BR" sz="2400" dirty="0">
-                <a:solidFill>
                   <a:schemeClr val="tx1"/>
                 </a:solidFill>
                 <a:latin typeface="Arial" panose="020B0604020202020204" pitchFamily="34" charset="0"/>
@@ -6684,6 +7713,42 @@
           </a:p>
         </p:txBody>
       </p:sp>
+      <p:pic>
+        <p:nvPicPr>
+          <p:cNvPr id="5" name="Picture 4">
+            <a:extLst>
+              <a:ext uri="{FF2B5EF4-FFF2-40B4-BE49-F238E27FC236}">
+                <a16:creationId xmlns:a16="http://schemas.microsoft.com/office/drawing/2014/main" id="{56EFFED3-F694-4F5E-92CC-D6F7356AB42B}"/>
+              </a:ext>
+            </a:extLst>
+          </p:cNvPr>
+          <p:cNvPicPr>
+            <a:picLocks noChangeAspect="1"/>
+          </p:cNvPicPr>
+          <p:nvPr/>
+        </p:nvPicPr>
+        <p:blipFill>
+          <a:blip r:embed="rId2">
+            <a:extLst>
+              <a:ext uri="{28A0092B-C50C-407E-A947-70E740481C1C}">
+                <a14:useLocalDpi xmlns:a14="http://schemas.microsoft.com/office/drawing/2010/main" val="0"/>
+              </a:ext>
+            </a:extLst>
+          </a:blip>
+          <a:stretch>
+            <a:fillRect/>
+          </a:stretch>
+        </p:blipFill>
+        <p:spPr>
+          <a:xfrm>
+            <a:off x="6625354" y="3798888"/>
+            <a:ext cx="4728444" cy="2378075"/>
+          </a:xfrm>
+          <a:prstGeom prst="rect">
+            <a:avLst/>
+          </a:prstGeom>
+        </p:spPr>
+      </p:pic>
     </p:spTree>
     <p:extLst>
       <p:ext uri="{BB962C8B-B14F-4D97-AF65-F5344CB8AC3E}">
@@ -6741,7 +7806,7 @@
         </p:blipFill>
         <p:spPr>
           <a:xfrm>
-            <a:off x="1751531" y="2382530"/>
+            <a:off x="1716021" y="2631104"/>
             <a:ext cx="8901673" cy="3778574"/>
           </a:xfrm>
           <a:prstGeom prst="rect">
@@ -6825,8 +7890,8 @@
         </p:nvSpPr>
         <p:spPr>
           <a:xfrm>
-            <a:off x="677334" y="1587148"/>
-            <a:ext cx="8767455" cy="795382"/>
+            <a:off x="677334" y="1470494"/>
+            <a:ext cx="10837332" cy="846577"/>
           </a:xfrm>
         </p:spPr>
         <p:txBody>
@@ -6835,6 +7900,10 @@
           </a:bodyPr>
           <a:lstStyle/>
           <a:p>
+            <a:pPr marL="342900" indent="-342900">
+              <a:buFont typeface="Arial" panose="020B0604020202020204" pitchFamily="34" charset="0"/>
+              <a:buChar char="•"/>
+            </a:pPr>
             <a:r>
               <a:rPr lang="en-US" sz="2400" dirty="0" err="1">
                 <a:solidFill>
@@ -6978,7 +8047,7 @@
             <a:r>
               <a:rPr lang="en-US" sz="2400" b="1" dirty="0" err="1">
                 <a:solidFill>
-                  <a:schemeClr val="tx1"/>
+                  <a:srgbClr val="025682"/>
                 </a:solidFill>
                 <a:latin typeface="Arial" panose="020B0604020202020204" pitchFamily="34" charset="0"/>
                 <a:cs typeface="Arial" panose="020B0604020202020204" pitchFamily="34" charset="0"/>
@@ -7053,18 +8122,18 @@
         </p:nvSpPr>
         <p:spPr>
           <a:xfrm>
-            <a:off x="576854" y="1560846"/>
-            <a:ext cx="4782434" cy="617986"/>
+            <a:off x="576854" y="506028"/>
+            <a:ext cx="6392117" cy="1095756"/>
           </a:xfrm>
         </p:spPr>
         <p:txBody>
           <a:bodyPr>
-            <a:normAutofit fontScale="90000"/>
+            <a:normAutofit/>
           </a:bodyPr>
           <a:lstStyle/>
           <a:p>
             <a:r>
-              <a:rPr lang="en-US" sz="3100" dirty="0">
+              <a:rPr lang="en-US" sz="2800" dirty="0">
                 <a:solidFill>
                   <a:srgbClr val="025682"/>
                 </a:solidFill>
@@ -7074,7 +8143,7 @@
               <a:t>API </a:t>
             </a:r>
             <a:br>
-              <a:rPr lang="en-US" sz="3100" dirty="0">
+              <a:rPr lang="en-US" sz="2800" dirty="0">
                 <a:solidFill>
                   <a:srgbClr val="025682"/>
                 </a:solidFill>
@@ -7083,26 +8152,16 @@
               </a:rPr>
             </a:br>
             <a:r>
-              <a:rPr lang="en-US" sz="3100" dirty="0">
+              <a:rPr lang="en-US" sz="2800" dirty="0">
                 <a:solidFill>
                   <a:srgbClr val="025682"/>
                 </a:solidFill>
                 <a:latin typeface="Arial" panose="020B0604020202020204" pitchFamily="34" charset="0"/>
                 <a:cs typeface="Arial" panose="020B0604020202020204" pitchFamily="34" charset="0"/>
               </a:rPr>
-              <a:t>(Application Programming Interface)</a:t>
-            </a:r>
-            <a:r>
-              <a:rPr lang="en-US" sz="2400" dirty="0">
-                <a:solidFill>
-                  <a:srgbClr val="025682"/>
-                </a:solidFill>
-                <a:latin typeface="Arial" panose="020B0604020202020204" pitchFamily="34" charset="0"/>
-                <a:cs typeface="Arial" panose="020B0604020202020204" pitchFamily="34" charset="0"/>
-              </a:rPr>
-              <a:t> </a:t>
-            </a:r>
-            <a:endParaRPr lang="pt-BR" sz="1600" dirty="0">
+              <a:t>(Application Programming Interface) </a:t>
+            </a:r>
+            <a:endParaRPr lang="pt-BR" sz="2800" dirty="0">
               <a:solidFill>
                 <a:srgbClr val="025682"/>
               </a:solidFill>
@@ -7142,8 +8201,8 @@
         </p:blipFill>
         <p:spPr>
           <a:xfrm>
-            <a:off x="5077639" y="271384"/>
-            <a:ext cx="6537507" cy="6315231"/>
+            <a:off x="6096000" y="674166"/>
+            <a:ext cx="5703590" cy="5509667"/>
           </a:xfrm>
         </p:spPr>
       </p:pic>
@@ -7165,8 +8224,8 @@
         </p:nvSpPr>
         <p:spPr>
           <a:xfrm>
-            <a:off x="576854" y="2522187"/>
-            <a:ext cx="4383867" cy="3148407"/>
+            <a:off x="576852" y="2087181"/>
+            <a:ext cx="5366747" cy="3148407"/>
           </a:xfrm>
         </p:spPr>
         <p:txBody>
@@ -7175,6 +8234,10 @@
           </a:bodyPr>
           <a:lstStyle/>
           <a:p>
+            <a:pPr marL="342900" indent="-342900" algn="just">
+              <a:buFont typeface="Arial" panose="020B0604020202020204" pitchFamily="34" charset="0"/>
+              <a:buChar char="•"/>
+            </a:pPr>
             <a:r>
               <a:rPr lang="en-US" sz="2400" dirty="0" err="1">
                 <a:solidFill>
@@ -7218,7 +8281,7 @@
             <a:r>
               <a:rPr lang="en-US" sz="2400" b="1" dirty="0">
                 <a:solidFill>
-                  <a:schemeClr val="tx1"/>
+                  <a:srgbClr val="025682"/>
                 </a:solidFill>
                 <a:latin typeface="Arial" panose="020B0604020202020204" pitchFamily="34" charset="0"/>
                 <a:cs typeface="Arial" panose="020B0604020202020204" pitchFamily="34" charset="0"/>
@@ -7498,7 +8561,7 @@
         <p:spPr>
           <a:xfrm>
             <a:off x="284865" y="1383632"/>
-            <a:ext cx="6661929" cy="1200329"/>
+            <a:ext cx="4003050" cy="830997"/>
           </a:xfrm>
           <a:prstGeom prst="rect">
             <a:avLst/>
@@ -7511,26 +8574,47 @@
           </a:bodyPr>
           <a:lstStyle/>
           <a:p>
+            <a:pPr marL="342900" indent="-342900">
+              <a:buFont typeface="Arial" panose="020B0604020202020204" pitchFamily="34" charset="0"/>
+              <a:buChar char="•"/>
+            </a:pPr>
             <a:r>
               <a:rPr lang="en-US" sz="2400" dirty="0" err="1">
                 <a:latin typeface="Arial" panose="020B0604020202020204" pitchFamily="34" charset="0"/>
                 <a:cs typeface="Arial" panose="020B0604020202020204" pitchFamily="34" charset="0"/>
               </a:rPr>
-              <a:t>Exemplo</a:t>
+              <a:t>Funcionamento</a:t>
             </a:r>
             <a:r>
               <a:rPr lang="en-US" sz="2400" dirty="0">
                 <a:latin typeface="Arial" panose="020B0604020202020204" pitchFamily="34" charset="0"/>
                 <a:cs typeface="Arial" panose="020B0604020202020204" pitchFamily="34" charset="0"/>
               </a:rPr>
-              <a:t> de </a:t>
+              <a:t> de um </a:t>
+            </a:r>
+            <a:r>
+              <a:rPr lang="en-US" sz="2400" b="1" dirty="0" err="1">
+                <a:solidFill>
+                  <a:srgbClr val="025682"/>
+                </a:solidFill>
+                <a:latin typeface="Arial" panose="020B0604020202020204" pitchFamily="34" charset="0"/>
+                <a:cs typeface="Arial" panose="020B0604020202020204" pitchFamily="34" charset="0"/>
+              </a:rPr>
+              <a:t>microsserviço</a:t>
+            </a:r>
+            <a:r>
+              <a:rPr lang="en-US" sz="2400" dirty="0">
+                <a:latin typeface="Arial" panose="020B0604020202020204" pitchFamily="34" charset="0"/>
+                <a:cs typeface="Arial" panose="020B0604020202020204" pitchFamily="34" charset="0"/>
+              </a:rPr>
+              <a:t> </a:t>
             </a:r>
             <a:r>
               <a:rPr lang="en-US" sz="2400" dirty="0" err="1">
                 <a:latin typeface="Arial" panose="020B0604020202020204" pitchFamily="34" charset="0"/>
                 <a:cs typeface="Arial" panose="020B0604020202020204" pitchFamily="34" charset="0"/>
               </a:rPr>
-              <a:t>funcionamento</a:t>
+              <a:t>na</a:t>
             </a:r>
             <a:r>
               <a:rPr lang="en-US" sz="2400" dirty="0">
@@ -7539,47 +8623,8 @@
               </a:rPr>
               <a:t> </a:t>
             </a:r>
-          </a:p>
-          <a:p>
-            <a:r>
-              <a:rPr lang="en-US" sz="2400" dirty="0">
-                <a:latin typeface="Arial" panose="020B0604020202020204" pitchFamily="34" charset="0"/>
-                <a:cs typeface="Arial" panose="020B0604020202020204" pitchFamily="34" charset="0"/>
-              </a:rPr>
-              <a:t>de um </a:t>
-            </a:r>
-            <a:r>
-              <a:rPr lang="en-US" sz="2400" dirty="0" err="1">
-                <a:solidFill>
-                  <a:srgbClr val="025682"/>
-                </a:solidFill>
-                <a:latin typeface="Arial" panose="020B0604020202020204" pitchFamily="34" charset="0"/>
-                <a:cs typeface="Arial" panose="020B0604020202020204" pitchFamily="34" charset="0"/>
-              </a:rPr>
-              <a:t>microsserviço</a:t>
-            </a:r>
-            <a:r>
-              <a:rPr lang="en-US" sz="2400" dirty="0">
-                <a:latin typeface="Arial" panose="020B0604020202020204" pitchFamily="34" charset="0"/>
-                <a:cs typeface="Arial" panose="020B0604020202020204" pitchFamily="34" charset="0"/>
-              </a:rPr>
-              <a:t> </a:t>
-            </a:r>
-            <a:r>
-              <a:rPr lang="en-US" sz="2400" dirty="0" err="1">
-                <a:latin typeface="Arial" panose="020B0604020202020204" pitchFamily="34" charset="0"/>
-                <a:cs typeface="Arial" panose="020B0604020202020204" pitchFamily="34" charset="0"/>
-              </a:rPr>
-              <a:t>na</a:t>
-            </a:r>
-            <a:endParaRPr lang="en-US" sz="2400" dirty="0">
-              <a:latin typeface="Arial" panose="020B0604020202020204" pitchFamily="34" charset="0"/>
-              <a:cs typeface="Arial" panose="020B0604020202020204" pitchFamily="34" charset="0"/>
-            </a:endParaRPr>
-          </a:p>
-          <a:p>
-            <a:r>
-              <a:rPr lang="en-US" sz="2400" dirty="0">
+            <a:r>
+              <a:rPr lang="en-US" sz="2400" b="1" dirty="0">
                 <a:solidFill>
                   <a:srgbClr val="025682"/>
                 </a:solidFill>
@@ -7632,7 +8677,7 @@
         </p:blipFill>
         <p:spPr>
           <a:xfrm>
-            <a:off x="4138863" y="996616"/>
+            <a:off x="4138863" y="1121577"/>
             <a:ext cx="8053137" cy="5736423"/>
           </a:xfrm>
         </p:spPr>
@@ -8076,4 +9121,594 @@
     </a:ext>
   </a:extLst>
 </a:theme>
+</file>
+
+<file path=ppt/theme/theme2.xml><?xml version="1.0" encoding="utf-8"?>
+<a:theme xmlns:a="http://schemas.openxmlformats.org/drawingml/2006/main" name="Office Theme">
+  <a:themeElements>
+    <a:clrScheme name="Office">
+      <a:dk1>
+        <a:sysClr val="windowText" lastClr="000000"/>
+      </a:dk1>
+      <a:lt1>
+        <a:sysClr val="window" lastClr="FFFFFF"/>
+      </a:lt1>
+      <a:dk2>
+        <a:srgbClr val="44546A"/>
+      </a:dk2>
+      <a:lt2>
+        <a:srgbClr val="E7E6E6"/>
+      </a:lt2>
+      <a:accent1>
+        <a:srgbClr val="4472C4"/>
+      </a:accent1>
+      <a:accent2>
+        <a:srgbClr val="ED7D31"/>
+      </a:accent2>
+      <a:accent3>
+        <a:srgbClr val="A5A5A5"/>
+      </a:accent3>
+      <a:accent4>
+        <a:srgbClr val="FFC000"/>
+      </a:accent4>
+      <a:accent5>
+        <a:srgbClr val="5B9BD5"/>
+      </a:accent5>
+      <a:accent6>
+        <a:srgbClr val="70AD47"/>
+      </a:accent6>
+      <a:hlink>
+        <a:srgbClr val="0563C1"/>
+      </a:hlink>
+      <a:folHlink>
+        <a:srgbClr val="954F72"/>
+      </a:folHlink>
+    </a:clrScheme>
+    <a:fontScheme name="Office">
+      <a:majorFont>
+        <a:latin typeface="Calibri Light" panose="020F0302020204030204"/>
+        <a:ea typeface=""/>
+        <a:cs typeface=""/>
+        <a:font script="Jpan" typeface="游ゴシック Light"/>
+        <a:font script="Hang" typeface="맑은 고딕"/>
+        <a:font script="Hans" typeface="等线 Light"/>
+        <a:font script="Hant" typeface="新細明體"/>
+        <a:font script="Arab" typeface="Times New Roman"/>
+        <a:font script="Hebr" typeface="Times New Roman"/>
+        <a:font script="Thai" typeface="Angsana New"/>
+        <a:font script="Ethi" typeface="Nyala"/>
+        <a:font script="Beng" typeface="Vrinda"/>
+        <a:font script="Gujr" typeface="Shruti"/>
+        <a:font script="Khmr" typeface="MoolBoran"/>
+        <a:font script="Knda" typeface="Tunga"/>
+        <a:font script="Guru" typeface="Raavi"/>
+        <a:font script="Cans" typeface="Euphemia"/>
+        <a:font script="Cher" typeface="Plantagenet Cherokee"/>
+        <a:font script="Yiii" typeface="Microsoft Yi Baiti"/>
+        <a:font script="Tibt" typeface="Microsoft Himalaya"/>
+        <a:font script="Thaa" typeface="MV Boli"/>
+        <a:font script="Deva" typeface="Mangal"/>
+        <a:font script="Telu" typeface="Gautami"/>
+        <a:font script="Taml" typeface="Latha"/>
+        <a:font script="Syrc" typeface="Estrangelo Edessa"/>
+        <a:font script="Orya" typeface="Kalinga"/>
+        <a:font script="Mlym" typeface="Kartika"/>
+        <a:font script="Laoo" typeface="DokChampa"/>
+        <a:font script="Sinh" typeface="Iskoola Pota"/>
+        <a:font script="Mong" typeface="Mongolian Baiti"/>
+        <a:font script="Viet" typeface="Times New Roman"/>
+        <a:font script="Uigh" typeface="Microsoft Uighur"/>
+        <a:font script="Geor" typeface="Sylfaen"/>
+        <a:font script="Armn" typeface="Arial"/>
+        <a:font script="Bugi" typeface="Leelawadee UI"/>
+        <a:font script="Bopo" typeface="Microsoft JhengHei"/>
+        <a:font script="Java" typeface="Javanese Text"/>
+        <a:font script="Lisu" typeface="Segoe UI"/>
+        <a:font script="Mymr" typeface="Myanmar Text"/>
+        <a:font script="Nkoo" typeface="Ebrima"/>
+        <a:font script="Olck" typeface="Nirmala UI"/>
+        <a:font script="Osma" typeface="Ebrima"/>
+        <a:font script="Phag" typeface="Phagspa"/>
+        <a:font script="Syrn" typeface="Estrangelo Edessa"/>
+        <a:font script="Syrj" typeface="Estrangelo Edessa"/>
+        <a:font script="Syre" typeface="Estrangelo Edessa"/>
+        <a:font script="Sora" typeface="Nirmala UI"/>
+        <a:font script="Tale" typeface="Microsoft Tai Le"/>
+        <a:font script="Talu" typeface="Microsoft New Tai Lue"/>
+        <a:font script="Tfng" typeface="Ebrima"/>
+      </a:majorFont>
+      <a:minorFont>
+        <a:latin typeface="Calibri" panose="020F0502020204030204"/>
+        <a:ea typeface=""/>
+        <a:cs typeface=""/>
+        <a:font script="Jpan" typeface="游ゴシック"/>
+        <a:font script="Hang" typeface="맑은 고딕"/>
+        <a:font script="Hans" typeface="等线"/>
+        <a:font script="Hant" typeface="新細明體"/>
+        <a:font script="Arab" typeface="Arial"/>
+        <a:font script="Hebr" typeface="Arial"/>
+        <a:font script="Thai" typeface="Cordia New"/>
+        <a:font script="Ethi" typeface="Nyala"/>
+        <a:font script="Beng" typeface="Vrinda"/>
+        <a:font script="Gujr" typeface="Shruti"/>
+        <a:font script="Khmr" typeface="DaunPenh"/>
+        <a:font script="Knda" typeface="Tunga"/>
+        <a:font script="Guru" typeface="Raavi"/>
+        <a:font script="Cans" typeface="Euphemia"/>
+        <a:font script="Cher" typeface="Plantagenet Cherokee"/>
+        <a:font script="Yiii" typeface="Microsoft Yi Baiti"/>
+        <a:font script="Tibt" typeface="Microsoft Himalaya"/>
+        <a:font script="Thaa" typeface="MV Boli"/>
+        <a:font script="Deva" typeface="Mangal"/>
+        <a:font script="Telu" typeface="Gautami"/>
+        <a:font script="Taml" typeface="Latha"/>
+        <a:font script="Syrc" typeface="Estrangelo Edessa"/>
+        <a:font script="Orya" typeface="Kalinga"/>
+        <a:font script="Mlym" typeface="Kartika"/>
+        <a:font script="Laoo" typeface="DokChampa"/>
+        <a:font script="Sinh" typeface="Iskoola Pota"/>
+        <a:font script="Mong" typeface="Mongolian Baiti"/>
+        <a:font script="Viet" typeface="Arial"/>
+        <a:font script="Uigh" typeface="Microsoft Uighur"/>
+        <a:font script="Geor" typeface="Sylfaen"/>
+        <a:font script="Armn" typeface="Arial"/>
+        <a:font script="Bugi" typeface="Leelawadee UI"/>
+        <a:font script="Bopo" typeface="Microsoft JhengHei"/>
+        <a:font script="Java" typeface="Javanese Text"/>
+        <a:font script="Lisu" typeface="Segoe UI"/>
+        <a:font script="Mymr" typeface="Myanmar Text"/>
+        <a:font script="Nkoo" typeface="Ebrima"/>
+        <a:font script="Olck" typeface="Nirmala UI"/>
+        <a:font script="Osma" typeface="Ebrima"/>
+        <a:font script="Phag" typeface="Phagspa"/>
+        <a:font script="Syrn" typeface="Estrangelo Edessa"/>
+        <a:font script="Syrj" typeface="Estrangelo Edessa"/>
+        <a:font script="Syre" typeface="Estrangelo Edessa"/>
+        <a:font script="Sora" typeface="Nirmala UI"/>
+        <a:font script="Tale" typeface="Microsoft Tai Le"/>
+        <a:font script="Talu" typeface="Microsoft New Tai Lue"/>
+        <a:font script="Tfng" typeface="Ebrima"/>
+      </a:minorFont>
+    </a:fontScheme>
+    <a:fmtScheme name="Office">
+      <a:fillStyleLst>
+        <a:solidFill>
+          <a:schemeClr val="phClr"/>
+        </a:solidFill>
+        <a:gradFill rotWithShape="1">
+          <a:gsLst>
+            <a:gs pos="0">
+              <a:schemeClr val="phClr">
+                <a:lumMod val="110000"/>
+                <a:satMod val="105000"/>
+                <a:tint val="67000"/>
+              </a:schemeClr>
+            </a:gs>
+            <a:gs pos="50000">
+              <a:schemeClr val="phClr">
+                <a:lumMod val="105000"/>
+                <a:satMod val="103000"/>
+                <a:tint val="73000"/>
+              </a:schemeClr>
+            </a:gs>
+            <a:gs pos="100000">
+              <a:schemeClr val="phClr">
+                <a:lumMod val="105000"/>
+                <a:satMod val="109000"/>
+                <a:tint val="81000"/>
+              </a:schemeClr>
+            </a:gs>
+          </a:gsLst>
+          <a:lin ang="5400000" scaled="0"/>
+        </a:gradFill>
+        <a:gradFill rotWithShape="1">
+          <a:gsLst>
+            <a:gs pos="0">
+              <a:schemeClr val="phClr">
+                <a:satMod val="103000"/>
+                <a:lumMod val="102000"/>
+                <a:tint val="94000"/>
+              </a:schemeClr>
+            </a:gs>
+            <a:gs pos="50000">
+              <a:schemeClr val="phClr">
+                <a:satMod val="110000"/>
+                <a:lumMod val="100000"/>
+                <a:shade val="100000"/>
+              </a:schemeClr>
+            </a:gs>
+            <a:gs pos="100000">
+              <a:schemeClr val="phClr">
+                <a:lumMod val="99000"/>
+                <a:satMod val="120000"/>
+                <a:shade val="78000"/>
+              </a:schemeClr>
+            </a:gs>
+          </a:gsLst>
+          <a:lin ang="5400000" scaled="0"/>
+        </a:gradFill>
+      </a:fillStyleLst>
+      <a:lnStyleLst>
+        <a:ln w="6350" cap="flat" cmpd="sng" algn="ctr">
+          <a:solidFill>
+            <a:schemeClr val="phClr"/>
+          </a:solidFill>
+          <a:prstDash val="solid"/>
+          <a:miter lim="800000"/>
+        </a:ln>
+        <a:ln w="12700" cap="flat" cmpd="sng" algn="ctr">
+          <a:solidFill>
+            <a:schemeClr val="phClr"/>
+          </a:solidFill>
+          <a:prstDash val="solid"/>
+          <a:miter lim="800000"/>
+        </a:ln>
+        <a:ln w="19050" cap="flat" cmpd="sng" algn="ctr">
+          <a:solidFill>
+            <a:schemeClr val="phClr"/>
+          </a:solidFill>
+          <a:prstDash val="solid"/>
+          <a:miter lim="800000"/>
+        </a:ln>
+      </a:lnStyleLst>
+      <a:effectStyleLst>
+        <a:effectStyle>
+          <a:effectLst/>
+        </a:effectStyle>
+        <a:effectStyle>
+          <a:effectLst/>
+        </a:effectStyle>
+        <a:effectStyle>
+          <a:effectLst>
+            <a:outerShdw blurRad="57150" dist="19050" dir="5400000" algn="ctr" rotWithShape="0">
+              <a:srgbClr val="000000">
+                <a:alpha val="63000"/>
+              </a:srgbClr>
+            </a:outerShdw>
+          </a:effectLst>
+        </a:effectStyle>
+      </a:effectStyleLst>
+      <a:bgFillStyleLst>
+        <a:solidFill>
+          <a:schemeClr val="phClr"/>
+        </a:solidFill>
+        <a:solidFill>
+          <a:schemeClr val="phClr">
+            <a:tint val="95000"/>
+            <a:satMod val="170000"/>
+          </a:schemeClr>
+        </a:solidFill>
+        <a:gradFill rotWithShape="1">
+          <a:gsLst>
+            <a:gs pos="0">
+              <a:schemeClr val="phClr">
+                <a:tint val="93000"/>
+                <a:satMod val="150000"/>
+                <a:shade val="98000"/>
+                <a:lumMod val="102000"/>
+              </a:schemeClr>
+            </a:gs>
+            <a:gs pos="50000">
+              <a:schemeClr val="phClr">
+                <a:tint val="98000"/>
+                <a:satMod val="130000"/>
+                <a:shade val="90000"/>
+                <a:lumMod val="103000"/>
+              </a:schemeClr>
+            </a:gs>
+            <a:gs pos="100000">
+              <a:schemeClr val="phClr">
+                <a:shade val="63000"/>
+                <a:satMod val="120000"/>
+              </a:schemeClr>
+            </a:gs>
+          </a:gsLst>
+          <a:lin ang="5400000" scaled="0"/>
+        </a:gradFill>
+      </a:bgFillStyleLst>
+    </a:fmtScheme>
+  </a:themeElements>
+  <a:objectDefaults/>
+  <a:extraClrSchemeLst/>
+  <a:extLst>
+    <a:ext uri="{05A4C25C-085E-4340-85A3-A5531E510DB2}">
+      <thm15:themeFamily xmlns:thm15="http://schemas.microsoft.com/office/thememl/2012/main" name="Office Theme" id="{62F939B6-93AF-4DB8-9C6B-D6C7DFDC589F}" vid="{4A3C46E8-61CC-4603-A589-7422A47A8E4A}"/>
+    </a:ext>
+  </a:extLst>
+</a:theme>
+</file>
+
+<file path=ppt/theme/theme3.xml><?xml version="1.0" encoding="utf-8"?>
+<a:theme xmlns:a="http://schemas.openxmlformats.org/drawingml/2006/main" name="Office Theme">
+  <a:themeElements>
+    <a:clrScheme name="Office">
+      <a:dk1>
+        <a:sysClr val="windowText" lastClr="000000"/>
+      </a:dk1>
+      <a:lt1>
+        <a:sysClr val="window" lastClr="FFFFFF"/>
+      </a:lt1>
+      <a:dk2>
+        <a:srgbClr val="44546A"/>
+      </a:dk2>
+      <a:lt2>
+        <a:srgbClr val="E7E6E6"/>
+      </a:lt2>
+      <a:accent1>
+        <a:srgbClr val="4472C4"/>
+      </a:accent1>
+      <a:accent2>
+        <a:srgbClr val="ED7D31"/>
+      </a:accent2>
+      <a:accent3>
+        <a:srgbClr val="A5A5A5"/>
+      </a:accent3>
+      <a:accent4>
+        <a:srgbClr val="FFC000"/>
+      </a:accent4>
+      <a:accent5>
+        <a:srgbClr val="5B9BD5"/>
+      </a:accent5>
+      <a:accent6>
+        <a:srgbClr val="70AD47"/>
+      </a:accent6>
+      <a:hlink>
+        <a:srgbClr val="0563C1"/>
+      </a:hlink>
+      <a:folHlink>
+        <a:srgbClr val="954F72"/>
+      </a:folHlink>
+    </a:clrScheme>
+    <a:fontScheme name="Office">
+      <a:majorFont>
+        <a:latin typeface="Calibri Light" panose="020F0302020204030204"/>
+        <a:ea typeface=""/>
+        <a:cs typeface=""/>
+        <a:font script="Jpan" typeface="游ゴシック Light"/>
+        <a:font script="Hang" typeface="맑은 고딕"/>
+        <a:font script="Hans" typeface="等线 Light"/>
+        <a:font script="Hant" typeface="新細明體"/>
+        <a:font script="Arab" typeface="Times New Roman"/>
+        <a:font script="Hebr" typeface="Times New Roman"/>
+        <a:font script="Thai" typeface="Angsana New"/>
+        <a:font script="Ethi" typeface="Nyala"/>
+        <a:font script="Beng" typeface="Vrinda"/>
+        <a:font script="Gujr" typeface="Shruti"/>
+        <a:font script="Khmr" typeface="MoolBoran"/>
+        <a:font script="Knda" typeface="Tunga"/>
+        <a:font script="Guru" typeface="Raavi"/>
+        <a:font script="Cans" typeface="Euphemia"/>
+        <a:font script="Cher" typeface="Plantagenet Cherokee"/>
+        <a:font script="Yiii" typeface="Microsoft Yi Baiti"/>
+        <a:font script="Tibt" typeface="Microsoft Himalaya"/>
+        <a:font script="Thaa" typeface="MV Boli"/>
+        <a:font script="Deva" typeface="Mangal"/>
+        <a:font script="Telu" typeface="Gautami"/>
+        <a:font script="Taml" typeface="Latha"/>
+        <a:font script="Syrc" typeface="Estrangelo Edessa"/>
+        <a:font script="Orya" typeface="Kalinga"/>
+        <a:font script="Mlym" typeface="Kartika"/>
+        <a:font script="Laoo" typeface="DokChampa"/>
+        <a:font script="Sinh" typeface="Iskoola Pota"/>
+        <a:font script="Mong" typeface="Mongolian Baiti"/>
+        <a:font script="Viet" typeface="Times New Roman"/>
+        <a:font script="Uigh" typeface="Microsoft Uighur"/>
+        <a:font script="Geor" typeface="Sylfaen"/>
+        <a:font script="Armn" typeface="Arial"/>
+        <a:font script="Bugi" typeface="Leelawadee UI"/>
+        <a:font script="Bopo" typeface="Microsoft JhengHei"/>
+        <a:font script="Java" typeface="Javanese Text"/>
+        <a:font script="Lisu" typeface="Segoe UI"/>
+        <a:font script="Mymr" typeface="Myanmar Text"/>
+        <a:font script="Nkoo" typeface="Ebrima"/>
+        <a:font script="Olck" typeface="Nirmala UI"/>
+        <a:font script="Osma" typeface="Ebrima"/>
+        <a:font script="Phag" typeface="Phagspa"/>
+        <a:font script="Syrn" typeface="Estrangelo Edessa"/>
+        <a:font script="Syrj" typeface="Estrangelo Edessa"/>
+        <a:font script="Syre" typeface="Estrangelo Edessa"/>
+        <a:font script="Sora" typeface="Nirmala UI"/>
+        <a:font script="Tale" typeface="Microsoft Tai Le"/>
+        <a:font script="Talu" typeface="Microsoft New Tai Lue"/>
+        <a:font script="Tfng" typeface="Ebrima"/>
+      </a:majorFont>
+      <a:minorFont>
+        <a:latin typeface="Calibri" panose="020F0502020204030204"/>
+        <a:ea typeface=""/>
+        <a:cs typeface=""/>
+        <a:font script="Jpan" typeface="游ゴシック"/>
+        <a:font script="Hang" typeface="맑은 고딕"/>
+        <a:font script="Hans" typeface="等线"/>
+        <a:font script="Hant" typeface="新細明體"/>
+        <a:font script="Arab" typeface="Arial"/>
+        <a:font script="Hebr" typeface="Arial"/>
+        <a:font script="Thai" typeface="Cordia New"/>
+        <a:font script="Ethi" typeface="Nyala"/>
+        <a:font script="Beng" typeface="Vrinda"/>
+        <a:font script="Gujr" typeface="Shruti"/>
+        <a:font script="Khmr" typeface="DaunPenh"/>
+        <a:font script="Knda" typeface="Tunga"/>
+        <a:font script="Guru" typeface="Raavi"/>
+        <a:font script="Cans" typeface="Euphemia"/>
+        <a:font script="Cher" typeface="Plantagenet Cherokee"/>
+        <a:font script="Yiii" typeface="Microsoft Yi Baiti"/>
+        <a:font script="Tibt" typeface="Microsoft Himalaya"/>
+        <a:font script="Thaa" typeface="MV Boli"/>
+        <a:font script="Deva" typeface="Mangal"/>
+        <a:font script="Telu" typeface="Gautami"/>
+        <a:font script="Taml" typeface="Latha"/>
+        <a:font script="Syrc" typeface="Estrangelo Edessa"/>
+        <a:font script="Orya" typeface="Kalinga"/>
+        <a:font script="Mlym" typeface="Kartika"/>
+        <a:font script="Laoo" typeface="DokChampa"/>
+        <a:font script="Sinh" typeface="Iskoola Pota"/>
+        <a:font script="Mong" typeface="Mongolian Baiti"/>
+        <a:font script="Viet" typeface="Arial"/>
+        <a:font script="Uigh" typeface="Microsoft Uighur"/>
+        <a:font script="Geor" typeface="Sylfaen"/>
+        <a:font script="Armn" typeface="Arial"/>
+        <a:font script="Bugi" typeface="Leelawadee UI"/>
+        <a:font script="Bopo" typeface="Microsoft JhengHei"/>
+        <a:font script="Java" typeface="Javanese Text"/>
+        <a:font script="Lisu" typeface="Segoe UI"/>
+        <a:font script="Mymr" typeface="Myanmar Text"/>
+        <a:font script="Nkoo" typeface="Ebrima"/>
+        <a:font script="Olck" typeface="Nirmala UI"/>
+        <a:font script="Osma" typeface="Ebrima"/>
+        <a:font script="Phag" typeface="Phagspa"/>
+        <a:font script="Syrn" typeface="Estrangelo Edessa"/>
+        <a:font script="Syrj" typeface="Estrangelo Edessa"/>
+        <a:font script="Syre" typeface="Estrangelo Edessa"/>
+        <a:font script="Sora" typeface="Nirmala UI"/>
+        <a:font script="Tale" typeface="Microsoft Tai Le"/>
+        <a:font script="Talu" typeface="Microsoft New Tai Lue"/>
+        <a:font script="Tfng" typeface="Ebrima"/>
+      </a:minorFont>
+    </a:fontScheme>
+    <a:fmtScheme name="Office">
+      <a:fillStyleLst>
+        <a:solidFill>
+          <a:schemeClr val="phClr"/>
+        </a:solidFill>
+        <a:gradFill rotWithShape="1">
+          <a:gsLst>
+            <a:gs pos="0">
+              <a:schemeClr val="phClr">
+                <a:lumMod val="110000"/>
+                <a:satMod val="105000"/>
+                <a:tint val="67000"/>
+              </a:schemeClr>
+            </a:gs>
+            <a:gs pos="50000">
+              <a:schemeClr val="phClr">
+                <a:lumMod val="105000"/>
+                <a:satMod val="103000"/>
+                <a:tint val="73000"/>
+              </a:schemeClr>
+            </a:gs>
+            <a:gs pos="100000">
+              <a:schemeClr val="phClr">
+                <a:lumMod val="105000"/>
+                <a:satMod val="109000"/>
+                <a:tint val="81000"/>
+              </a:schemeClr>
+            </a:gs>
+          </a:gsLst>
+          <a:lin ang="5400000" scaled="0"/>
+        </a:gradFill>
+        <a:gradFill rotWithShape="1">
+          <a:gsLst>
+            <a:gs pos="0">
+              <a:schemeClr val="phClr">
+                <a:satMod val="103000"/>
+                <a:lumMod val="102000"/>
+                <a:tint val="94000"/>
+              </a:schemeClr>
+            </a:gs>
+            <a:gs pos="50000">
+              <a:schemeClr val="phClr">
+                <a:satMod val="110000"/>
+                <a:lumMod val="100000"/>
+                <a:shade val="100000"/>
+              </a:schemeClr>
+            </a:gs>
+            <a:gs pos="100000">
+              <a:schemeClr val="phClr">
+                <a:lumMod val="99000"/>
+                <a:satMod val="120000"/>
+                <a:shade val="78000"/>
+              </a:schemeClr>
+            </a:gs>
+          </a:gsLst>
+          <a:lin ang="5400000" scaled="0"/>
+        </a:gradFill>
+      </a:fillStyleLst>
+      <a:lnStyleLst>
+        <a:ln w="6350" cap="flat" cmpd="sng" algn="ctr">
+          <a:solidFill>
+            <a:schemeClr val="phClr"/>
+          </a:solidFill>
+          <a:prstDash val="solid"/>
+          <a:miter lim="800000"/>
+        </a:ln>
+        <a:ln w="12700" cap="flat" cmpd="sng" algn="ctr">
+          <a:solidFill>
+            <a:schemeClr val="phClr"/>
+          </a:solidFill>
+          <a:prstDash val="solid"/>
+          <a:miter lim="800000"/>
+        </a:ln>
+        <a:ln w="19050" cap="flat" cmpd="sng" algn="ctr">
+          <a:solidFill>
+            <a:schemeClr val="phClr"/>
+          </a:solidFill>
+          <a:prstDash val="solid"/>
+          <a:miter lim="800000"/>
+        </a:ln>
+      </a:lnStyleLst>
+      <a:effectStyleLst>
+        <a:effectStyle>
+          <a:effectLst/>
+        </a:effectStyle>
+        <a:effectStyle>
+          <a:effectLst/>
+        </a:effectStyle>
+        <a:effectStyle>
+          <a:effectLst>
+            <a:outerShdw blurRad="57150" dist="19050" dir="5400000" algn="ctr" rotWithShape="0">
+              <a:srgbClr val="000000">
+                <a:alpha val="63000"/>
+              </a:srgbClr>
+            </a:outerShdw>
+          </a:effectLst>
+        </a:effectStyle>
+      </a:effectStyleLst>
+      <a:bgFillStyleLst>
+        <a:solidFill>
+          <a:schemeClr val="phClr"/>
+        </a:solidFill>
+        <a:solidFill>
+          <a:schemeClr val="phClr">
+            <a:tint val="95000"/>
+            <a:satMod val="170000"/>
+          </a:schemeClr>
+        </a:solidFill>
+        <a:gradFill rotWithShape="1">
+          <a:gsLst>
+            <a:gs pos="0">
+              <a:schemeClr val="phClr">
+                <a:tint val="93000"/>
+                <a:satMod val="150000"/>
+                <a:shade val="98000"/>
+                <a:lumMod val="102000"/>
+              </a:schemeClr>
+            </a:gs>
+            <a:gs pos="50000">
+              <a:schemeClr val="phClr">
+                <a:tint val="98000"/>
+                <a:satMod val="130000"/>
+                <a:shade val="90000"/>
+                <a:lumMod val="103000"/>
+              </a:schemeClr>
+            </a:gs>
+            <a:gs pos="100000">
+              <a:schemeClr val="phClr">
+                <a:shade val="63000"/>
+                <a:satMod val="120000"/>
+              </a:schemeClr>
+            </a:gs>
+          </a:gsLst>
+          <a:lin ang="5400000" scaled="0"/>
+        </a:gradFill>
+      </a:bgFillStyleLst>
+    </a:fmtScheme>
+  </a:themeElements>
+  <a:objectDefaults/>
+  <a:extraClrSchemeLst/>
+  <a:extLst>
+    <a:ext uri="{05A4C25C-085E-4340-85A3-A5531E510DB2}">
+      <thm15:themeFamily xmlns:thm15="http://schemas.microsoft.com/office/thememl/2012/main" name="Office Theme" id="{62F939B6-93AF-4DB8-9C6B-D6C7DFDC589F}" vid="{4A3C46E8-61CC-4603-A589-7422A47A8E4A}"/>
+    </a:ext>
+  </a:extLst>
+</a:theme>
 </file>